--- a/AZA_PPT발표.pptx
+++ b/AZA_PPT발표.pptx
@@ -7,16 +7,12 @@
   <p:sldIdLst>
     <p:sldId id="257" r:id="rId2"/>
     <p:sldId id="260" r:id="rId3"/>
-    <p:sldId id="258" r:id="rId4"/>
-    <p:sldId id="290" r:id="rId5"/>
-    <p:sldId id="286" r:id="rId6"/>
-    <p:sldId id="291" r:id="rId7"/>
-    <p:sldId id="262" r:id="rId8"/>
-    <p:sldId id="261" r:id="rId9"/>
-    <p:sldId id="292" r:id="rId10"/>
-    <p:sldId id="293" r:id="rId11"/>
-    <p:sldId id="296" r:id="rId12"/>
-    <p:sldId id="294" r:id="rId13"/>
+    <p:sldId id="286" r:id="rId4"/>
+    <p:sldId id="262" r:id="rId5"/>
+    <p:sldId id="261" r:id="rId6"/>
+    <p:sldId id="292" r:id="rId7"/>
+    <p:sldId id="296" r:id="rId8"/>
+    <p:sldId id="294" r:id="rId9"/>
   </p:sldIdLst>
   <p:sldSz cx="12192000" cy="6858000"/>
   <p:notesSz cx="6858000" cy="9144000"/>
@@ -281,7 +277,7 @@
           <a:p>
             <a:fld id="{2692A08C-EF94-4A6B-BD12-6461CB40CEE6}" type="datetimeFigureOut">
               <a:rPr lang="ko-KR" altLang="en-US" smtClean="0"/>
-              <a:t>2023-01-24</a:t>
+              <a:t>2023-03-15</a:t>
             </a:fld>
             <a:endParaRPr lang="ko-KR" altLang="en-US"/>
           </a:p>
@@ -479,7 +475,7 @@
           <a:p>
             <a:fld id="{2692A08C-EF94-4A6B-BD12-6461CB40CEE6}" type="datetimeFigureOut">
               <a:rPr lang="ko-KR" altLang="en-US" smtClean="0"/>
-              <a:t>2023-01-24</a:t>
+              <a:t>2023-03-15</a:t>
             </a:fld>
             <a:endParaRPr lang="ko-KR" altLang="en-US"/>
           </a:p>
@@ -687,7 +683,7 @@
           <a:p>
             <a:fld id="{2692A08C-EF94-4A6B-BD12-6461CB40CEE6}" type="datetimeFigureOut">
               <a:rPr lang="ko-KR" altLang="en-US" smtClean="0"/>
-              <a:t>2023-01-24</a:t>
+              <a:t>2023-03-15</a:t>
             </a:fld>
             <a:endParaRPr lang="ko-KR" altLang="en-US"/>
           </a:p>
@@ -885,7 +881,7 @@
           <a:p>
             <a:fld id="{2692A08C-EF94-4A6B-BD12-6461CB40CEE6}" type="datetimeFigureOut">
               <a:rPr lang="ko-KR" altLang="en-US" smtClean="0"/>
-              <a:t>2023-01-24</a:t>
+              <a:t>2023-03-15</a:t>
             </a:fld>
             <a:endParaRPr lang="ko-KR" altLang="en-US"/>
           </a:p>
@@ -1160,7 +1156,7 @@
           <a:p>
             <a:fld id="{2692A08C-EF94-4A6B-BD12-6461CB40CEE6}" type="datetimeFigureOut">
               <a:rPr lang="ko-KR" altLang="en-US" smtClean="0"/>
-              <a:t>2023-01-24</a:t>
+              <a:t>2023-03-15</a:t>
             </a:fld>
             <a:endParaRPr lang="ko-KR" altLang="en-US"/>
           </a:p>
@@ -1425,7 +1421,7 @@
           <a:p>
             <a:fld id="{2692A08C-EF94-4A6B-BD12-6461CB40CEE6}" type="datetimeFigureOut">
               <a:rPr lang="ko-KR" altLang="en-US" smtClean="0"/>
-              <a:t>2023-01-24</a:t>
+              <a:t>2023-03-15</a:t>
             </a:fld>
             <a:endParaRPr lang="ko-KR" altLang="en-US"/>
           </a:p>
@@ -1837,7 +1833,7 @@
           <a:p>
             <a:fld id="{2692A08C-EF94-4A6B-BD12-6461CB40CEE6}" type="datetimeFigureOut">
               <a:rPr lang="ko-KR" altLang="en-US" smtClean="0"/>
-              <a:t>2023-01-24</a:t>
+              <a:t>2023-03-15</a:t>
             </a:fld>
             <a:endParaRPr lang="ko-KR" altLang="en-US"/>
           </a:p>
@@ -1978,7 +1974,7 @@
           <a:p>
             <a:fld id="{2692A08C-EF94-4A6B-BD12-6461CB40CEE6}" type="datetimeFigureOut">
               <a:rPr lang="ko-KR" altLang="en-US" smtClean="0"/>
-              <a:t>2023-01-24</a:t>
+              <a:t>2023-03-15</a:t>
             </a:fld>
             <a:endParaRPr lang="ko-KR" altLang="en-US"/>
           </a:p>
@@ -2180,7 +2176,7 @@
           <a:p>
             <a:fld id="{2692A08C-EF94-4A6B-BD12-6461CB40CEE6}" type="datetimeFigureOut">
               <a:rPr lang="ko-KR" altLang="en-US" smtClean="0"/>
-              <a:t>2023-01-24</a:t>
+              <a:t>2023-03-15</a:t>
             </a:fld>
             <a:endParaRPr lang="ko-KR" altLang="en-US"/>
           </a:p>
@@ -2491,7 +2487,7 @@
           <a:p>
             <a:fld id="{2692A08C-EF94-4A6B-BD12-6461CB40CEE6}" type="datetimeFigureOut">
               <a:rPr lang="ko-KR" altLang="en-US" smtClean="0"/>
-              <a:t>2023-01-24</a:t>
+              <a:t>2023-03-15</a:t>
             </a:fld>
             <a:endParaRPr lang="ko-KR" altLang="en-US"/>
           </a:p>
@@ -2779,7 +2775,7 @@
           <a:p>
             <a:fld id="{2692A08C-EF94-4A6B-BD12-6461CB40CEE6}" type="datetimeFigureOut">
               <a:rPr lang="ko-KR" altLang="en-US" smtClean="0"/>
-              <a:t>2023-01-24</a:t>
+              <a:t>2023-03-15</a:t>
             </a:fld>
             <a:endParaRPr lang="ko-KR" altLang="en-US"/>
           </a:p>
@@ -3020,7 +3016,7 @@
           <a:p>
             <a:fld id="{2692A08C-EF94-4A6B-BD12-6461CB40CEE6}" type="datetimeFigureOut">
               <a:rPr lang="ko-KR" altLang="en-US" smtClean="0"/>
-              <a:t>2023-01-24</a:t>
+              <a:t>2023-03-15</a:t>
             </a:fld>
             <a:endParaRPr lang="ko-KR" altLang="en-US"/>
           </a:p>
@@ -3807,347 +3803,6 @@
 </p:sld>
 </file>
 
-<file path=ppt/slides/slide10.xml><?xml version="1.0" encoding="utf-8"?>
-<p:sld xmlns:a="http://schemas.openxmlformats.org/drawingml/2006/main" xmlns:r="http://schemas.openxmlformats.org/officeDocument/2006/relationships" xmlns:p="http://schemas.openxmlformats.org/presentationml/2006/main">
-  <p:cSld>
-    <p:bg>
-      <p:bgPr>
-        <a:solidFill>
-          <a:schemeClr val="accent2"/>
-        </a:solidFill>
-        <a:effectLst/>
-      </p:bgPr>
-    </p:bg>
-    <p:spTree>
-      <p:nvGrpSpPr>
-        <p:cNvPr id="1" name=""/>
-        <p:cNvGrpSpPr/>
-        <p:nvPr/>
-      </p:nvGrpSpPr>
-      <p:grpSpPr>
-        <a:xfrm>
-          <a:off x="0" y="0"/>
-          <a:ext cx="0" cy="0"/>
-          <a:chOff x="0" y="0"/>
-          <a:chExt cx="0" cy="0"/>
-        </a:xfrm>
-      </p:grpSpPr>
-      <p:sp>
-        <p:nvSpPr>
-          <p:cNvPr id="4" name="TextBox 3">
-            <a:extLst>
-              <a:ext uri="{FF2B5EF4-FFF2-40B4-BE49-F238E27FC236}">
-                <a16:creationId xmlns:a16="http://schemas.microsoft.com/office/drawing/2014/main" id="{999089A0-686A-4BA1-A610-855EA420EB90}"/>
-              </a:ext>
-            </a:extLst>
-          </p:cNvPr>
-          <p:cNvSpPr txBox="1"/>
-          <p:nvPr/>
-        </p:nvSpPr>
-        <p:spPr>
-          <a:xfrm>
-            <a:off x="3658473" y="2767280"/>
-            <a:ext cx="4875053" cy="1323439"/>
-          </a:xfrm>
-          <a:prstGeom prst="rect">
-            <a:avLst/>
-          </a:prstGeom>
-          <a:noFill/>
-        </p:spPr>
-        <p:txBody>
-          <a:bodyPr wrap="none" rtlCol="0">
-            <a:spAutoFit/>
-          </a:bodyPr>
-          <a:lstStyle/>
-          <a:p>
-            <a:pPr algn="ctr"/>
-            <a:r>
-              <a:rPr lang="ko-KR" altLang="en-US" sz="8000" spc="-300" dirty="0">
-                <a:solidFill>
-                  <a:schemeClr val="accent4">
-                    <a:lumMod val="50000"/>
-                  </a:schemeClr>
-                </a:solidFill>
-              </a:rPr>
-              <a:t>실제 사이트</a:t>
-            </a:r>
-            <a:endParaRPr lang="en-US" altLang="ko-KR" sz="8000" spc="-300" dirty="0">
-              <a:solidFill>
-                <a:schemeClr val="accent4">
-                  <a:lumMod val="50000"/>
-                </a:schemeClr>
-              </a:solidFill>
-            </a:endParaRPr>
-          </a:p>
-        </p:txBody>
-      </p:sp>
-    </p:spTree>
-    <p:extLst>
-      <p:ext uri="{BB962C8B-B14F-4D97-AF65-F5344CB8AC3E}">
-        <p14:creationId xmlns:p14="http://schemas.microsoft.com/office/powerpoint/2010/main" val="934409373"/>
-      </p:ext>
-    </p:extLst>
-  </p:cSld>
-  <p:clrMapOvr>
-    <a:masterClrMapping/>
-  </p:clrMapOvr>
-  <mc:AlternateContent xmlns:mc="http://schemas.openxmlformats.org/markup-compatibility/2006" xmlns:p14="http://schemas.microsoft.com/office/powerpoint/2010/main">
-    <mc:Choice Requires="p14">
-      <p:transition spd="med" p14:dur="700">
-        <p:fade/>
-      </p:transition>
-    </mc:Choice>
-    <mc:Fallback xmlns="">
-      <p:transition spd="med">
-        <p:fade/>
-      </p:transition>
-    </mc:Fallback>
-  </mc:AlternateContent>
-</p:sld>
-</file>
-
-<file path=ppt/slides/slide11.xml><?xml version="1.0" encoding="utf-8"?>
-<p:sld xmlns:a="http://schemas.openxmlformats.org/drawingml/2006/main" xmlns:r="http://schemas.openxmlformats.org/officeDocument/2006/relationships" xmlns:p="http://schemas.openxmlformats.org/presentationml/2006/main">
-  <p:cSld>
-    <p:bg>
-      <p:bgPr>
-        <a:solidFill>
-          <a:schemeClr val="accent4"/>
-        </a:solidFill>
-        <a:effectLst/>
-      </p:bgPr>
-    </p:bg>
-    <p:spTree>
-      <p:nvGrpSpPr>
-        <p:cNvPr id="1" name=""/>
-        <p:cNvGrpSpPr/>
-        <p:nvPr/>
-      </p:nvGrpSpPr>
-      <p:grpSpPr>
-        <a:xfrm>
-          <a:off x="0" y="0"/>
-          <a:ext cx="0" cy="0"/>
-          <a:chOff x="0" y="0"/>
-          <a:chExt cx="0" cy="0"/>
-        </a:xfrm>
-      </p:grpSpPr>
-      <p:sp>
-        <p:nvSpPr>
-          <p:cNvPr id="4" name="직사각형 3">
-            <a:extLst>
-              <a:ext uri="{FF2B5EF4-FFF2-40B4-BE49-F238E27FC236}">
-                <a16:creationId xmlns:a16="http://schemas.microsoft.com/office/drawing/2014/main" id="{7B610972-6808-4C54-B2C4-E0D8498CBFD4}"/>
-              </a:ext>
-            </a:extLst>
-          </p:cNvPr>
-          <p:cNvSpPr/>
-          <p:nvPr/>
-        </p:nvSpPr>
-        <p:spPr>
-          <a:xfrm>
-            <a:off x="4336544" y="2709110"/>
-            <a:ext cx="3518912" cy="1439780"/>
-          </a:xfrm>
-          <a:prstGeom prst="rect">
-            <a:avLst/>
-          </a:prstGeom>
-          <a:solidFill>
-            <a:schemeClr val="bg1"/>
-          </a:solidFill>
-          <a:ln>
-            <a:noFill/>
-          </a:ln>
-        </p:spPr>
-        <p:style>
-          <a:lnRef idx="2">
-            <a:schemeClr val="accent1">
-              <a:shade val="50000"/>
-            </a:schemeClr>
-          </a:lnRef>
-          <a:fillRef idx="1">
-            <a:schemeClr val="accent1"/>
-          </a:fillRef>
-          <a:effectRef idx="0">
-            <a:schemeClr val="accent1"/>
-          </a:effectRef>
-          <a:fontRef idx="minor">
-            <a:schemeClr val="lt1"/>
-          </a:fontRef>
-        </p:style>
-        <p:txBody>
-          <a:bodyPr rtlCol="0" anchor="ctr"/>
-          <a:lstStyle/>
-          <a:p>
-            <a:pPr algn="ctr"/>
-            <a:r>
-              <a:rPr lang="ko-KR" altLang="en-US" sz="4800" dirty="0">
-                <a:solidFill>
-                  <a:schemeClr val="tx1"/>
-                </a:solidFill>
-              </a:rPr>
-              <a:t>질문사항</a:t>
-            </a:r>
-          </a:p>
-        </p:txBody>
-      </p:sp>
-    </p:spTree>
-    <p:extLst>
-      <p:ext uri="{BB962C8B-B14F-4D97-AF65-F5344CB8AC3E}">
-        <p14:creationId xmlns:p14="http://schemas.microsoft.com/office/powerpoint/2010/main" val="2065020896"/>
-      </p:ext>
-    </p:extLst>
-  </p:cSld>
-  <p:clrMapOvr>
-    <a:masterClrMapping/>
-  </p:clrMapOvr>
-  <mc:AlternateContent xmlns:mc="http://schemas.openxmlformats.org/markup-compatibility/2006" xmlns:p14="http://schemas.microsoft.com/office/powerpoint/2010/main">
-    <mc:Choice Requires="p14">
-      <p:transition spd="med" p14:dur="700">
-        <p:fade/>
-      </p:transition>
-    </mc:Choice>
-    <mc:Fallback xmlns="">
-      <p:transition spd="med">
-        <p:fade/>
-      </p:transition>
-    </mc:Fallback>
-  </mc:AlternateContent>
-</p:sld>
-</file>
-
-<file path=ppt/slides/slide12.xml><?xml version="1.0" encoding="utf-8"?>
-<p:sld xmlns:a="http://schemas.openxmlformats.org/drawingml/2006/main" xmlns:r="http://schemas.openxmlformats.org/officeDocument/2006/relationships" xmlns:p="http://schemas.openxmlformats.org/presentationml/2006/main">
-  <p:cSld>
-    <p:spTree>
-      <p:nvGrpSpPr>
-        <p:cNvPr id="1" name=""/>
-        <p:cNvGrpSpPr/>
-        <p:nvPr/>
-      </p:nvGrpSpPr>
-      <p:grpSpPr>
-        <a:xfrm>
-          <a:off x="0" y="0"/>
-          <a:ext cx="0" cy="0"/>
-          <a:chOff x="0" y="0"/>
-          <a:chExt cx="0" cy="0"/>
-        </a:xfrm>
-      </p:grpSpPr>
-      <p:pic>
-        <p:nvPicPr>
-          <p:cNvPr id="3" name="그림 2">
-            <a:extLst>
-              <a:ext uri="{FF2B5EF4-FFF2-40B4-BE49-F238E27FC236}">
-                <a16:creationId xmlns:a16="http://schemas.microsoft.com/office/drawing/2014/main" id="{4EBBF972-9F3D-4F22-B882-CE59EF744762}"/>
-              </a:ext>
-            </a:extLst>
-          </p:cNvPr>
-          <p:cNvPicPr>
-            <a:picLocks noChangeAspect="1"/>
-          </p:cNvPicPr>
-          <p:nvPr/>
-        </p:nvPicPr>
-        <p:blipFill rotWithShape="1">
-          <a:blip r:embed="rId2" cstate="screen">
-            <a:extLst>
-              <a:ext uri="{28A0092B-C50C-407E-A947-70E740481C1C}">
-                <a14:useLocalDpi xmlns:a14="http://schemas.microsoft.com/office/drawing/2010/main" val="0"/>
-              </a:ext>
-            </a:extLst>
-          </a:blip>
-          <a:srcRect/>
-          <a:stretch/>
-        </p:blipFill>
-        <p:spPr>
-          <a:xfrm>
-            <a:off x="0" y="0"/>
-            <a:ext cx="12192000" cy="6858000"/>
-          </a:xfrm>
-          <a:prstGeom prst="rect">
-            <a:avLst/>
-          </a:prstGeom>
-        </p:spPr>
-      </p:pic>
-      <p:sp>
-        <p:nvSpPr>
-          <p:cNvPr id="2" name="TextBox 1">
-            <a:extLst>
-              <a:ext uri="{FF2B5EF4-FFF2-40B4-BE49-F238E27FC236}">
-                <a16:creationId xmlns:a16="http://schemas.microsoft.com/office/drawing/2014/main" id="{83EC8F07-1CE4-C63F-3EFD-0726D0E3FAC4}"/>
-              </a:ext>
-            </a:extLst>
-          </p:cNvPr>
-          <p:cNvSpPr txBox="1"/>
-          <p:nvPr/>
-        </p:nvSpPr>
-        <p:spPr>
-          <a:xfrm>
-            <a:off x="3802744" y="2828835"/>
-            <a:ext cx="4586512" cy="1200329"/>
-          </a:xfrm>
-          <a:prstGeom prst="rect">
-            <a:avLst/>
-          </a:prstGeom>
-          <a:noFill/>
-        </p:spPr>
-        <p:txBody>
-          <a:bodyPr wrap="none" rtlCol="0">
-            <a:spAutoFit/>
-          </a:bodyPr>
-          <a:lstStyle/>
-          <a:p>
-            <a:pPr algn="ctr"/>
-            <a:r>
-              <a:rPr lang="ko-KR" altLang="en-US" sz="7200" i="1" spc="-300" dirty="0">
-                <a:solidFill>
-                  <a:schemeClr val="accent4">
-                    <a:lumMod val="50000"/>
-                  </a:schemeClr>
-                </a:solidFill>
-                <a:latin typeface="+mj-ea"/>
-                <a:ea typeface="+mj-ea"/>
-              </a:rPr>
-              <a:t>감사합니다 </a:t>
-            </a:r>
-            <a:r>
-              <a:rPr lang="en-US" altLang="ko-KR" sz="7200" i="1" spc="-300" dirty="0">
-                <a:solidFill>
-                  <a:schemeClr val="accent4">
-                    <a:lumMod val="50000"/>
-                  </a:schemeClr>
-                </a:solidFill>
-                <a:latin typeface="+mj-ea"/>
-                <a:ea typeface="+mj-ea"/>
-              </a:rPr>
-              <a:t>!</a:t>
-            </a:r>
-          </a:p>
-        </p:txBody>
-      </p:sp>
-    </p:spTree>
-    <p:extLst>
-      <p:ext uri="{BB962C8B-B14F-4D97-AF65-F5344CB8AC3E}">
-        <p14:creationId xmlns:p14="http://schemas.microsoft.com/office/powerpoint/2010/main" val="2770480755"/>
-      </p:ext>
-    </p:extLst>
-  </p:cSld>
-  <p:clrMapOvr>
-    <a:masterClrMapping/>
-  </p:clrMapOvr>
-  <mc:AlternateContent xmlns:mc="http://schemas.openxmlformats.org/markup-compatibility/2006" xmlns:p14="http://schemas.microsoft.com/office/powerpoint/2010/main">
-    <mc:Choice Requires="p14">
-      <p:transition spd="med" p14:dur="700">
-        <p:fade/>
-      </p:transition>
-    </mc:Choice>
-    <mc:Fallback xmlns="">
-      <p:transition spd="med">
-        <p:fade/>
-      </p:transition>
-    </mc:Fallback>
-  </mc:AlternateContent>
-</p:sld>
-</file>
-
 <file path=ppt/slides/slide2.xml><?xml version="1.0" encoding="utf-8"?>
 <p:sld xmlns:a="http://schemas.openxmlformats.org/drawingml/2006/main" xmlns:r="http://schemas.openxmlformats.org/officeDocument/2006/relationships" xmlns:p="http://schemas.openxmlformats.org/presentationml/2006/main">
   <p:cSld>
@@ -5266,434 +4921,6 @@
 </file>
 
 <file path=ppt/slides/slide3.xml><?xml version="1.0" encoding="utf-8"?>
-<p:sld xmlns:a="http://schemas.openxmlformats.org/drawingml/2006/main" xmlns:r="http://schemas.openxmlformats.org/officeDocument/2006/relationships" xmlns:p="http://schemas.openxmlformats.org/presentationml/2006/main">
-  <p:cSld>
-    <p:bg>
-      <p:bgPr>
-        <a:solidFill>
-          <a:schemeClr val="bg1"/>
-        </a:solidFill>
-        <a:effectLst/>
-      </p:bgPr>
-    </p:bg>
-    <p:spTree>
-      <p:nvGrpSpPr>
-        <p:cNvPr id="1" name=""/>
-        <p:cNvGrpSpPr/>
-        <p:nvPr/>
-      </p:nvGrpSpPr>
-      <p:grpSpPr>
-        <a:xfrm>
-          <a:off x="0" y="0"/>
-          <a:ext cx="0" cy="0"/>
-          <a:chOff x="0" y="0"/>
-          <a:chExt cx="0" cy="0"/>
-        </a:xfrm>
-      </p:grpSpPr>
-      <p:sp>
-        <p:nvSpPr>
-          <p:cNvPr id="2" name="직사각형 1">
-            <a:extLst>
-              <a:ext uri="{FF2B5EF4-FFF2-40B4-BE49-F238E27FC236}">
-                <a16:creationId xmlns:a16="http://schemas.microsoft.com/office/drawing/2014/main" id="{FD27475A-FB44-45B8-A8EA-787D9F9F89C1}"/>
-              </a:ext>
-            </a:extLst>
-          </p:cNvPr>
-          <p:cNvSpPr/>
-          <p:nvPr/>
-        </p:nvSpPr>
-        <p:spPr>
-          <a:xfrm>
-            <a:off x="894080" y="955040"/>
-            <a:ext cx="5029200" cy="5029200"/>
-          </a:xfrm>
-          <a:prstGeom prst="rect">
-            <a:avLst/>
-          </a:prstGeom>
-          <a:solidFill>
-            <a:srgbClr val="FDDE45"/>
-          </a:solidFill>
-          <a:ln>
-            <a:noFill/>
-          </a:ln>
-        </p:spPr>
-        <p:style>
-          <a:lnRef idx="2">
-            <a:schemeClr val="accent1">
-              <a:shade val="50000"/>
-            </a:schemeClr>
-          </a:lnRef>
-          <a:fillRef idx="1">
-            <a:schemeClr val="accent1"/>
-          </a:fillRef>
-          <a:effectRef idx="0">
-            <a:schemeClr val="accent1"/>
-          </a:effectRef>
-          <a:fontRef idx="minor">
-            <a:schemeClr val="lt1"/>
-          </a:fontRef>
-        </p:style>
-        <p:txBody>
-          <a:bodyPr rtlCol="0" anchor="ctr"/>
-          <a:lstStyle/>
-          <a:p>
-            <a:pPr algn="ctr"/>
-            <a:endParaRPr lang="ko-KR" altLang="en-US"/>
-          </a:p>
-        </p:txBody>
-      </p:sp>
-      <p:sp>
-        <p:nvSpPr>
-          <p:cNvPr id="3" name="직사각형 2">
-            <a:extLst>
-              <a:ext uri="{FF2B5EF4-FFF2-40B4-BE49-F238E27FC236}">
-                <a16:creationId xmlns:a16="http://schemas.microsoft.com/office/drawing/2014/main" id="{8F1EF4E5-8B6C-4044-98D4-4CE9EBEEE068}"/>
-              </a:ext>
-            </a:extLst>
-          </p:cNvPr>
-          <p:cNvSpPr/>
-          <p:nvPr/>
-        </p:nvSpPr>
-        <p:spPr>
-          <a:xfrm>
-            <a:off x="3972560" y="1412240"/>
-            <a:ext cx="2824480" cy="2824480"/>
-          </a:xfrm>
-          <a:prstGeom prst="rect">
-            <a:avLst/>
-          </a:prstGeom>
-          <a:solidFill>
-            <a:srgbClr val="A6A7A9"/>
-          </a:solidFill>
-          <a:ln>
-            <a:noFill/>
-          </a:ln>
-        </p:spPr>
-        <p:style>
-          <a:lnRef idx="2">
-            <a:schemeClr val="accent1">
-              <a:shade val="50000"/>
-            </a:schemeClr>
-          </a:lnRef>
-          <a:fillRef idx="1">
-            <a:schemeClr val="accent1"/>
-          </a:fillRef>
-          <a:effectRef idx="0">
-            <a:schemeClr val="accent1"/>
-          </a:effectRef>
-          <a:fontRef idx="minor">
-            <a:schemeClr val="lt1"/>
-          </a:fontRef>
-        </p:style>
-        <p:txBody>
-          <a:bodyPr rtlCol="0" anchor="ctr"/>
-          <a:lstStyle/>
-          <a:p>
-            <a:pPr algn="ctr"/>
-            <a:endParaRPr lang="ko-KR" altLang="en-US"/>
-          </a:p>
-        </p:txBody>
-      </p:sp>
-      <p:sp>
-        <p:nvSpPr>
-          <p:cNvPr id="4" name="TextBox 3">
-            <a:extLst>
-              <a:ext uri="{FF2B5EF4-FFF2-40B4-BE49-F238E27FC236}">
-                <a16:creationId xmlns:a16="http://schemas.microsoft.com/office/drawing/2014/main" id="{C4076CC6-2716-492F-97EA-92157CB90CF8}"/>
-              </a:ext>
-            </a:extLst>
-          </p:cNvPr>
-          <p:cNvSpPr txBox="1"/>
-          <p:nvPr/>
-        </p:nvSpPr>
-        <p:spPr>
-          <a:xfrm>
-            <a:off x="7670800" y="2418080"/>
-            <a:ext cx="2257349" cy="646331"/>
-          </a:xfrm>
-          <a:prstGeom prst="rect">
-            <a:avLst/>
-          </a:prstGeom>
-          <a:noFill/>
-        </p:spPr>
-        <p:txBody>
-          <a:bodyPr wrap="none" rtlCol="0">
-            <a:spAutoFit/>
-          </a:bodyPr>
-          <a:lstStyle/>
-          <a:p>
-            <a:r>
-              <a:rPr lang="ko-KR" altLang="en-US" sz="3600" spc="-200" dirty="0">
-                <a:solidFill>
-                  <a:schemeClr val="accent4">
-                    <a:lumMod val="50000"/>
-                  </a:schemeClr>
-                </a:solidFill>
-              </a:rPr>
-              <a:t>사이트 소개</a:t>
-            </a:r>
-          </a:p>
-        </p:txBody>
-      </p:sp>
-      <p:sp>
-        <p:nvSpPr>
-          <p:cNvPr id="6" name="TextBox 5">
-            <a:extLst>
-              <a:ext uri="{FF2B5EF4-FFF2-40B4-BE49-F238E27FC236}">
-                <a16:creationId xmlns:a16="http://schemas.microsoft.com/office/drawing/2014/main" id="{2D4C1339-7D13-4386-965C-3402B66819A8}"/>
-              </a:ext>
-            </a:extLst>
-          </p:cNvPr>
-          <p:cNvSpPr txBox="1"/>
-          <p:nvPr/>
-        </p:nvSpPr>
-        <p:spPr>
-          <a:xfrm>
-            <a:off x="7670800" y="3100308"/>
-            <a:ext cx="3957320" cy="369332"/>
-          </a:xfrm>
-          <a:prstGeom prst="rect">
-            <a:avLst/>
-          </a:prstGeom>
-          <a:noFill/>
-        </p:spPr>
-        <p:txBody>
-          <a:bodyPr wrap="square">
-            <a:spAutoFit/>
-          </a:bodyPr>
-          <a:lstStyle/>
-          <a:p>
-            <a:r>
-              <a:rPr lang="ko-KR" altLang="en-US" dirty="0">
-                <a:solidFill>
-                  <a:schemeClr val="accent4">
-                    <a:lumMod val="50000"/>
-                  </a:schemeClr>
-                </a:solidFill>
-              </a:rPr>
-              <a:t>아자 프로젝트의 전반적인 정보</a:t>
-            </a:r>
-            <a:endParaRPr lang="ko-KR" altLang="en-US" sz="1800" dirty="0">
-              <a:solidFill>
-                <a:schemeClr val="accent4">
-                  <a:lumMod val="50000"/>
-                </a:schemeClr>
-              </a:solidFill>
-            </a:endParaRPr>
-          </a:p>
-        </p:txBody>
-      </p:sp>
-      <p:sp>
-        <p:nvSpPr>
-          <p:cNvPr id="7" name="TextBox 6">
-            <a:extLst>
-              <a:ext uri="{FF2B5EF4-FFF2-40B4-BE49-F238E27FC236}">
-                <a16:creationId xmlns:a16="http://schemas.microsoft.com/office/drawing/2014/main" id="{ECB23695-8A31-40A6-B134-9546AED4FADD}"/>
-              </a:ext>
-            </a:extLst>
-          </p:cNvPr>
-          <p:cNvSpPr txBox="1"/>
-          <p:nvPr/>
-        </p:nvSpPr>
-        <p:spPr>
-          <a:xfrm>
-            <a:off x="6027376" y="1633249"/>
-            <a:ext cx="665567" cy="1107996"/>
-          </a:xfrm>
-          <a:prstGeom prst="rect">
-            <a:avLst/>
-          </a:prstGeom>
-          <a:noFill/>
-        </p:spPr>
-        <p:txBody>
-          <a:bodyPr wrap="none" rtlCol="0">
-            <a:spAutoFit/>
-          </a:bodyPr>
-          <a:lstStyle/>
-          <a:p>
-            <a:r>
-              <a:rPr lang="en-US" altLang="ko-KR" sz="6600" b="1" dirty="0">
-                <a:solidFill>
-                  <a:srgbClr val="FAE100"/>
-                </a:solidFill>
-              </a:rPr>
-              <a:t>1</a:t>
-            </a:r>
-            <a:endParaRPr lang="ko-KR" altLang="en-US" sz="6600" b="1" dirty="0">
-              <a:solidFill>
-                <a:srgbClr val="FAE100"/>
-              </a:solidFill>
-            </a:endParaRPr>
-          </a:p>
-        </p:txBody>
-      </p:sp>
-      <p:pic>
-        <p:nvPicPr>
-          <p:cNvPr id="5" name="그림 4">
-            <a:extLst>
-              <a:ext uri="{FF2B5EF4-FFF2-40B4-BE49-F238E27FC236}">
-                <a16:creationId xmlns:a16="http://schemas.microsoft.com/office/drawing/2014/main" id="{80A10CF8-FFE4-669B-D6FF-6DBCC3765F6E}"/>
-              </a:ext>
-            </a:extLst>
-          </p:cNvPr>
-          <p:cNvPicPr>
-            <a:picLocks noChangeAspect="1"/>
-          </p:cNvPicPr>
-          <p:nvPr/>
-        </p:nvPicPr>
-        <p:blipFill>
-          <a:blip r:embed="rId2"/>
-          <a:stretch>
-            <a:fillRect/>
-          </a:stretch>
-        </p:blipFill>
-        <p:spPr>
-          <a:xfrm>
-            <a:off x="-3753779" y="0"/>
-            <a:ext cx="3708074" cy="3687679"/>
-          </a:xfrm>
-          <a:prstGeom prst="rect">
-            <a:avLst/>
-          </a:prstGeom>
-        </p:spPr>
-      </p:pic>
-    </p:spTree>
-    <p:extLst>
-      <p:ext uri="{BB962C8B-B14F-4D97-AF65-F5344CB8AC3E}">
-        <p14:creationId xmlns:p14="http://schemas.microsoft.com/office/powerpoint/2010/main" val="2064622165"/>
-      </p:ext>
-    </p:extLst>
-  </p:cSld>
-  <p:clrMapOvr>
-    <a:masterClrMapping/>
-  </p:clrMapOvr>
-  <mc:AlternateContent xmlns:mc="http://schemas.openxmlformats.org/markup-compatibility/2006" xmlns:p14="http://schemas.microsoft.com/office/powerpoint/2010/main">
-    <mc:Choice Requires="p14">
-      <p:transition spd="med" p14:dur="700">
-        <p:fade/>
-      </p:transition>
-    </mc:Choice>
-    <mc:Fallback xmlns="">
-      <p:transition spd="med">
-        <p:fade/>
-      </p:transition>
-    </mc:Fallback>
-  </mc:AlternateContent>
-</p:sld>
-</file>
-
-<file path=ppt/slides/slide4.xml><?xml version="1.0" encoding="utf-8"?>
-<p:sld xmlns:a="http://schemas.openxmlformats.org/drawingml/2006/main" xmlns:r="http://schemas.openxmlformats.org/officeDocument/2006/relationships" xmlns:p="http://schemas.openxmlformats.org/presentationml/2006/main">
-  <p:cSld>
-    <p:bg>
-      <p:bgPr>
-        <a:solidFill>
-          <a:schemeClr val="accent2"/>
-        </a:solidFill>
-        <a:effectLst/>
-      </p:bgPr>
-    </p:bg>
-    <p:spTree>
-      <p:nvGrpSpPr>
-        <p:cNvPr id="1" name=""/>
-        <p:cNvGrpSpPr/>
-        <p:nvPr/>
-      </p:nvGrpSpPr>
-      <p:grpSpPr>
-        <a:xfrm>
-          <a:off x="0" y="0"/>
-          <a:ext cx="0" cy="0"/>
-          <a:chOff x="0" y="0"/>
-          <a:chExt cx="0" cy="0"/>
-        </a:xfrm>
-      </p:grpSpPr>
-      <p:sp>
-        <p:nvSpPr>
-          <p:cNvPr id="2" name="직사각형 1">
-            <a:extLst>
-              <a:ext uri="{FF2B5EF4-FFF2-40B4-BE49-F238E27FC236}">
-                <a16:creationId xmlns:a16="http://schemas.microsoft.com/office/drawing/2014/main" id="{F162C52E-0E4A-4009-BF4B-F81BEEA0C1BE}"/>
-              </a:ext>
-            </a:extLst>
-          </p:cNvPr>
-          <p:cNvSpPr/>
-          <p:nvPr/>
-        </p:nvSpPr>
-        <p:spPr>
-          <a:xfrm>
-            <a:off x="4766158" y="2877552"/>
-            <a:ext cx="2659684" cy="1102895"/>
-          </a:xfrm>
-          <a:prstGeom prst="rect">
-            <a:avLst/>
-          </a:prstGeom>
-          <a:solidFill>
-            <a:srgbClr val="FFFFFF"/>
-          </a:solidFill>
-          <a:ln>
-            <a:noFill/>
-          </a:ln>
-        </p:spPr>
-        <p:style>
-          <a:lnRef idx="2">
-            <a:schemeClr val="accent1">
-              <a:shade val="50000"/>
-            </a:schemeClr>
-          </a:lnRef>
-          <a:fillRef idx="1">
-            <a:schemeClr val="accent1"/>
-          </a:fillRef>
-          <a:effectRef idx="0">
-            <a:schemeClr val="accent1"/>
-          </a:effectRef>
-          <a:fontRef idx="minor">
-            <a:schemeClr val="lt1"/>
-          </a:fontRef>
-        </p:style>
-        <p:txBody>
-          <a:bodyPr rtlCol="0" anchor="ctr"/>
-          <a:lstStyle/>
-          <a:p>
-            <a:pPr algn="ctr"/>
-            <a:r>
-              <a:rPr lang="ko-KR" altLang="en-US" sz="4000" spc="-150" dirty="0">
-                <a:solidFill>
-                  <a:schemeClr val="accent4">
-                    <a:lumMod val="50000"/>
-                  </a:schemeClr>
-                </a:solidFill>
-              </a:rPr>
-              <a:t>기획 의도</a:t>
-            </a:r>
-          </a:p>
-        </p:txBody>
-      </p:sp>
-    </p:spTree>
-    <p:extLst>
-      <p:ext uri="{BB962C8B-B14F-4D97-AF65-F5344CB8AC3E}">
-        <p14:creationId xmlns:p14="http://schemas.microsoft.com/office/powerpoint/2010/main" val="1567934966"/>
-      </p:ext>
-    </p:extLst>
-  </p:cSld>
-  <p:clrMapOvr>
-    <a:masterClrMapping/>
-  </p:clrMapOvr>
-  <mc:AlternateContent xmlns:mc="http://schemas.openxmlformats.org/markup-compatibility/2006" xmlns:p14="http://schemas.microsoft.com/office/powerpoint/2010/main">
-    <mc:Choice Requires="p14">
-      <p:transition spd="med" p14:dur="700">
-        <p:fade/>
-      </p:transition>
-    </mc:Choice>
-    <mc:Fallback xmlns="">
-      <p:transition spd="med">
-        <p:fade/>
-      </p:transition>
-    </mc:Fallback>
-  </mc:AlternateContent>
-</p:sld>
-</file>
-
-<file path=ppt/slides/slide5.xml><?xml version="1.0" encoding="utf-8"?>
 <p:sld xmlns:a="http://schemas.openxmlformats.org/drawingml/2006/main" xmlns:r="http://schemas.openxmlformats.org/officeDocument/2006/relationships" xmlns:p="http://schemas.openxmlformats.org/presentationml/2006/main">
   <p:cSld>
     <p:spTree>
@@ -6421,6 +5648,2397 @@
 </p:sld>
 </file>
 
+<file path=ppt/slides/slide4.xml><?xml version="1.0" encoding="utf-8"?>
+<p:sld xmlns:a="http://schemas.openxmlformats.org/drawingml/2006/main" xmlns:r="http://schemas.openxmlformats.org/officeDocument/2006/relationships" xmlns:p="http://schemas.openxmlformats.org/presentationml/2006/main">
+  <p:cSld>
+    <p:spTree>
+      <p:nvGrpSpPr>
+        <p:cNvPr id="1" name=""/>
+        <p:cNvGrpSpPr/>
+        <p:nvPr/>
+      </p:nvGrpSpPr>
+      <p:grpSpPr>
+        <a:xfrm>
+          <a:off x="0" y="0"/>
+          <a:ext cx="0" cy="0"/>
+          <a:chOff x="0" y="0"/>
+          <a:chExt cx="0" cy="0"/>
+        </a:xfrm>
+      </p:grpSpPr>
+      <p:sp>
+        <p:nvSpPr>
+          <p:cNvPr id="2" name="직사각형 1">
+            <a:extLst>
+              <a:ext uri="{FF2B5EF4-FFF2-40B4-BE49-F238E27FC236}">
+                <a16:creationId xmlns:a16="http://schemas.microsoft.com/office/drawing/2014/main" id="{B1985EEF-2AD8-452A-AD82-3BF8C0CCB759}"/>
+              </a:ext>
+            </a:extLst>
+          </p:cNvPr>
+          <p:cNvSpPr/>
+          <p:nvPr/>
+        </p:nvSpPr>
+        <p:spPr>
+          <a:xfrm>
+            <a:off x="720000" y="1049009"/>
+            <a:ext cx="5760000" cy="108000"/>
+          </a:xfrm>
+          <a:prstGeom prst="rect">
+            <a:avLst/>
+          </a:prstGeom>
+          <a:solidFill>
+            <a:schemeClr val="accent4"/>
+          </a:solidFill>
+          <a:ln>
+            <a:noFill/>
+          </a:ln>
+        </p:spPr>
+        <p:style>
+          <a:lnRef idx="2">
+            <a:schemeClr val="accent1">
+              <a:shade val="50000"/>
+            </a:schemeClr>
+          </a:lnRef>
+          <a:fillRef idx="1">
+            <a:schemeClr val="accent1"/>
+          </a:fillRef>
+          <a:effectRef idx="0">
+            <a:schemeClr val="accent1"/>
+          </a:effectRef>
+          <a:fontRef idx="minor">
+            <a:schemeClr val="lt1"/>
+          </a:fontRef>
+        </p:style>
+        <p:txBody>
+          <a:bodyPr rtlCol="0" anchor="ctr"/>
+          <a:lstStyle/>
+          <a:p>
+            <a:pPr algn="ctr"/>
+            <a:endParaRPr lang="ko-KR" altLang="en-US"/>
+          </a:p>
+        </p:txBody>
+      </p:sp>
+      <p:sp>
+        <p:nvSpPr>
+          <p:cNvPr id="3" name="직사각형 2">
+            <a:extLst>
+              <a:ext uri="{FF2B5EF4-FFF2-40B4-BE49-F238E27FC236}">
+                <a16:creationId xmlns:a16="http://schemas.microsoft.com/office/drawing/2014/main" id="{82363163-7A23-46FA-8BFB-C5C551676293}"/>
+              </a:ext>
+            </a:extLst>
+          </p:cNvPr>
+          <p:cNvSpPr/>
+          <p:nvPr/>
+        </p:nvSpPr>
+        <p:spPr>
+          <a:xfrm>
+            <a:off x="0" y="1049009"/>
+            <a:ext cx="720000" cy="108000"/>
+          </a:xfrm>
+          <a:prstGeom prst="rect">
+            <a:avLst/>
+          </a:prstGeom>
+          <a:solidFill>
+            <a:schemeClr val="accent2"/>
+          </a:solidFill>
+          <a:ln>
+            <a:noFill/>
+          </a:ln>
+        </p:spPr>
+        <p:style>
+          <a:lnRef idx="2">
+            <a:schemeClr val="accent1">
+              <a:shade val="50000"/>
+            </a:schemeClr>
+          </a:lnRef>
+          <a:fillRef idx="1">
+            <a:schemeClr val="accent1"/>
+          </a:fillRef>
+          <a:effectRef idx="0">
+            <a:schemeClr val="accent1"/>
+          </a:effectRef>
+          <a:fontRef idx="minor">
+            <a:schemeClr val="lt1"/>
+          </a:fontRef>
+        </p:style>
+        <p:txBody>
+          <a:bodyPr rtlCol="0" anchor="ctr"/>
+          <a:lstStyle/>
+          <a:p>
+            <a:pPr algn="ctr"/>
+            <a:endParaRPr lang="ko-KR" altLang="en-US"/>
+          </a:p>
+        </p:txBody>
+      </p:sp>
+      <p:sp>
+        <p:nvSpPr>
+          <p:cNvPr id="19" name="직사각형 18">
+            <a:extLst>
+              <a:ext uri="{FF2B5EF4-FFF2-40B4-BE49-F238E27FC236}">
+                <a16:creationId xmlns:a16="http://schemas.microsoft.com/office/drawing/2014/main" id="{CDF39BE6-9431-48BE-9990-2C7515DEC743}"/>
+              </a:ext>
+            </a:extLst>
+          </p:cNvPr>
+          <p:cNvSpPr/>
+          <p:nvPr/>
+        </p:nvSpPr>
+        <p:spPr>
+          <a:xfrm>
+            <a:off x="965357" y="2356064"/>
+            <a:ext cx="2041451" cy="1072936"/>
+          </a:xfrm>
+          <a:prstGeom prst="rect">
+            <a:avLst/>
+          </a:prstGeom>
+          <a:solidFill>
+            <a:schemeClr val="bg1">
+              <a:lumMod val="95000"/>
+            </a:schemeClr>
+          </a:solidFill>
+          <a:ln>
+            <a:noFill/>
+          </a:ln>
+        </p:spPr>
+        <p:style>
+          <a:lnRef idx="2">
+            <a:schemeClr val="accent1">
+              <a:shade val="50000"/>
+            </a:schemeClr>
+          </a:lnRef>
+          <a:fillRef idx="1">
+            <a:schemeClr val="accent1"/>
+          </a:fillRef>
+          <a:effectRef idx="0">
+            <a:schemeClr val="accent1"/>
+          </a:effectRef>
+          <a:fontRef idx="minor">
+            <a:schemeClr val="lt1"/>
+          </a:fontRef>
+        </p:style>
+        <p:txBody>
+          <a:bodyPr rtlCol="0" anchor="ctr"/>
+          <a:lstStyle/>
+          <a:p>
+            <a:pPr algn="ctr">
+              <a:lnSpc>
+                <a:spcPct val="120000"/>
+              </a:lnSpc>
+            </a:pPr>
+            <a:r>
+              <a:rPr lang="ko-KR" altLang="en-US" sz="1600" dirty="0">
+                <a:solidFill>
+                  <a:schemeClr val="tx1"/>
+                </a:solidFill>
+                <a:latin typeface="+mn-ea"/>
+              </a:rPr>
+              <a:t>주제 선정</a:t>
+            </a:r>
+          </a:p>
+        </p:txBody>
+      </p:sp>
+      <p:sp>
+        <p:nvSpPr>
+          <p:cNvPr id="23" name="직사각형 22">
+            <a:extLst>
+              <a:ext uri="{FF2B5EF4-FFF2-40B4-BE49-F238E27FC236}">
+                <a16:creationId xmlns:a16="http://schemas.microsoft.com/office/drawing/2014/main" id="{8671780E-5146-4893-98B5-E7A8791CCCFF}"/>
+              </a:ext>
+            </a:extLst>
+          </p:cNvPr>
+          <p:cNvSpPr/>
+          <p:nvPr/>
+        </p:nvSpPr>
+        <p:spPr>
+          <a:xfrm>
+            <a:off x="965357" y="1831119"/>
+            <a:ext cx="2041451" cy="524945"/>
+          </a:xfrm>
+          <a:prstGeom prst="rect">
+            <a:avLst/>
+          </a:prstGeom>
+          <a:solidFill>
+            <a:schemeClr val="accent2"/>
+          </a:solidFill>
+          <a:ln>
+            <a:noFill/>
+          </a:ln>
+        </p:spPr>
+        <p:style>
+          <a:lnRef idx="2">
+            <a:schemeClr val="accent1">
+              <a:shade val="50000"/>
+            </a:schemeClr>
+          </a:lnRef>
+          <a:fillRef idx="1">
+            <a:schemeClr val="accent1"/>
+          </a:fillRef>
+          <a:effectRef idx="0">
+            <a:schemeClr val="accent1"/>
+          </a:effectRef>
+          <a:fontRef idx="minor">
+            <a:schemeClr val="lt1"/>
+          </a:fontRef>
+        </p:style>
+        <p:txBody>
+          <a:bodyPr rtlCol="0" anchor="ctr"/>
+          <a:lstStyle/>
+          <a:p>
+            <a:pPr algn="ctr"/>
+            <a:r>
+              <a:rPr lang="en-US" altLang="ko-KR" dirty="0">
+                <a:solidFill>
+                  <a:schemeClr val="accent4">
+                    <a:lumMod val="50000"/>
+                  </a:schemeClr>
+                </a:solidFill>
+              </a:rPr>
+              <a:t>STEP 1</a:t>
+            </a:r>
+            <a:endParaRPr lang="ko-KR" altLang="en-US" dirty="0">
+              <a:solidFill>
+                <a:schemeClr val="accent4">
+                  <a:lumMod val="50000"/>
+                </a:schemeClr>
+              </a:solidFill>
+            </a:endParaRPr>
+          </a:p>
+        </p:txBody>
+      </p:sp>
+      <p:sp>
+        <p:nvSpPr>
+          <p:cNvPr id="27" name="TextBox 26">
+            <a:extLst>
+              <a:ext uri="{FF2B5EF4-FFF2-40B4-BE49-F238E27FC236}">
+                <a16:creationId xmlns:a16="http://schemas.microsoft.com/office/drawing/2014/main" id="{4235A04F-3E17-4814-9032-305DE9611D72}"/>
+              </a:ext>
+            </a:extLst>
+          </p:cNvPr>
+          <p:cNvSpPr txBox="1"/>
+          <p:nvPr/>
+        </p:nvSpPr>
+        <p:spPr>
+          <a:xfrm>
+            <a:off x="3170435" y="1908925"/>
+            <a:ext cx="389850" cy="369332"/>
+          </a:xfrm>
+          <a:prstGeom prst="rect">
+            <a:avLst/>
+          </a:prstGeom>
+          <a:noFill/>
+        </p:spPr>
+        <p:txBody>
+          <a:bodyPr wrap="none" rtlCol="0">
+            <a:spAutoFit/>
+          </a:bodyPr>
+          <a:lstStyle/>
+          <a:p>
+            <a:r>
+              <a:rPr lang="en-US" altLang="ko-KR" dirty="0">
+                <a:latin typeface="+mn-ea"/>
+              </a:rPr>
+              <a:t>&gt;&gt;</a:t>
+            </a:r>
+            <a:endParaRPr lang="ko-KR" altLang="en-US" dirty="0">
+              <a:latin typeface="+mn-ea"/>
+            </a:endParaRPr>
+          </a:p>
+        </p:txBody>
+      </p:sp>
+      <p:sp>
+        <p:nvSpPr>
+          <p:cNvPr id="11" name="TextBox 10">
+            <a:extLst>
+              <a:ext uri="{FF2B5EF4-FFF2-40B4-BE49-F238E27FC236}">
+                <a16:creationId xmlns:a16="http://schemas.microsoft.com/office/drawing/2014/main" id="{DC9CEB75-0D29-18BE-19D0-C30639810A68}"/>
+              </a:ext>
+            </a:extLst>
+          </p:cNvPr>
+          <p:cNvSpPr txBox="1"/>
+          <p:nvPr/>
+        </p:nvSpPr>
+        <p:spPr>
+          <a:xfrm>
+            <a:off x="720000" y="121920"/>
+            <a:ext cx="1588897" cy="584775"/>
+          </a:xfrm>
+          <a:prstGeom prst="rect">
+            <a:avLst/>
+          </a:prstGeom>
+          <a:noFill/>
+        </p:spPr>
+        <p:txBody>
+          <a:bodyPr wrap="none" rtlCol="0">
+            <a:spAutoFit/>
+          </a:bodyPr>
+          <a:lstStyle/>
+          <a:p>
+            <a:r>
+              <a:rPr lang="ko-KR" altLang="en-US" sz="3200" spc="-300" dirty="0">
+                <a:solidFill>
+                  <a:schemeClr val="accent4">
+                    <a:lumMod val="50000"/>
+                  </a:schemeClr>
+                </a:solidFill>
+              </a:rPr>
+              <a:t>개발 흐름</a:t>
+            </a:r>
+          </a:p>
+        </p:txBody>
+      </p:sp>
+      <p:sp>
+        <p:nvSpPr>
+          <p:cNvPr id="12" name="TextBox 11">
+            <a:extLst>
+              <a:ext uri="{FF2B5EF4-FFF2-40B4-BE49-F238E27FC236}">
+                <a16:creationId xmlns:a16="http://schemas.microsoft.com/office/drawing/2014/main" id="{7E452CFE-2193-DA13-D851-BF1B4D271277}"/>
+              </a:ext>
+            </a:extLst>
+          </p:cNvPr>
+          <p:cNvSpPr txBox="1"/>
+          <p:nvPr/>
+        </p:nvSpPr>
+        <p:spPr>
+          <a:xfrm>
+            <a:off x="720000" y="629175"/>
+            <a:ext cx="1418978" cy="307777"/>
+          </a:xfrm>
+          <a:prstGeom prst="rect">
+            <a:avLst/>
+          </a:prstGeom>
+          <a:noFill/>
+        </p:spPr>
+        <p:txBody>
+          <a:bodyPr wrap="none" rtlCol="0">
+            <a:spAutoFit/>
+          </a:bodyPr>
+          <a:lstStyle/>
+          <a:p>
+            <a:r>
+              <a:rPr lang="ko-KR" altLang="en-US" sz="1400" dirty="0">
+                <a:solidFill>
+                  <a:schemeClr val="accent4">
+                    <a:lumMod val="50000"/>
+                  </a:schemeClr>
+                </a:solidFill>
+              </a:rPr>
+              <a:t>개발의 진행 순서</a:t>
+            </a:r>
+          </a:p>
+        </p:txBody>
+      </p:sp>
+      <p:sp>
+        <p:nvSpPr>
+          <p:cNvPr id="13" name="TextBox 12">
+            <a:extLst>
+              <a:ext uri="{FF2B5EF4-FFF2-40B4-BE49-F238E27FC236}">
+                <a16:creationId xmlns:a16="http://schemas.microsoft.com/office/drawing/2014/main" id="{7D108062-C991-05B3-046D-3FDD0DE5C030}"/>
+              </a:ext>
+            </a:extLst>
+          </p:cNvPr>
+          <p:cNvSpPr txBox="1"/>
+          <p:nvPr/>
+        </p:nvSpPr>
+        <p:spPr>
+          <a:xfrm>
+            <a:off x="185879" y="46855"/>
+            <a:ext cx="548548" cy="830997"/>
+          </a:xfrm>
+          <a:prstGeom prst="rect">
+            <a:avLst/>
+          </a:prstGeom>
+          <a:noFill/>
+        </p:spPr>
+        <p:txBody>
+          <a:bodyPr wrap="none" rtlCol="0">
+            <a:spAutoFit/>
+          </a:bodyPr>
+          <a:lstStyle/>
+          <a:p>
+            <a:r>
+              <a:rPr lang="en-US" altLang="ko-KR" sz="4800" b="1" dirty="0">
+                <a:solidFill>
+                  <a:schemeClr val="accent4"/>
+                </a:solidFill>
+              </a:rPr>
+              <a:t>2</a:t>
+            </a:r>
+            <a:endParaRPr lang="ko-KR" altLang="en-US" sz="4800" b="1" dirty="0">
+              <a:solidFill>
+                <a:schemeClr val="accent4"/>
+              </a:solidFill>
+            </a:endParaRPr>
+          </a:p>
+        </p:txBody>
+      </p:sp>
+      <p:sp>
+        <p:nvSpPr>
+          <p:cNvPr id="14" name="직사각형 13">
+            <a:extLst>
+              <a:ext uri="{FF2B5EF4-FFF2-40B4-BE49-F238E27FC236}">
+                <a16:creationId xmlns:a16="http://schemas.microsoft.com/office/drawing/2014/main" id="{AD8CACAE-42E0-528E-3F7A-75146AA8F0B9}"/>
+              </a:ext>
+            </a:extLst>
+          </p:cNvPr>
+          <p:cNvSpPr/>
+          <p:nvPr/>
+        </p:nvSpPr>
+        <p:spPr>
+          <a:xfrm>
+            <a:off x="3723912" y="2356064"/>
+            <a:ext cx="2041451" cy="1072936"/>
+          </a:xfrm>
+          <a:prstGeom prst="rect">
+            <a:avLst/>
+          </a:prstGeom>
+          <a:solidFill>
+            <a:schemeClr val="bg1">
+              <a:lumMod val="95000"/>
+            </a:schemeClr>
+          </a:solidFill>
+          <a:ln>
+            <a:noFill/>
+          </a:ln>
+        </p:spPr>
+        <p:style>
+          <a:lnRef idx="2">
+            <a:schemeClr val="accent1">
+              <a:shade val="50000"/>
+            </a:schemeClr>
+          </a:lnRef>
+          <a:fillRef idx="1">
+            <a:schemeClr val="accent1"/>
+          </a:fillRef>
+          <a:effectRef idx="0">
+            <a:schemeClr val="accent1"/>
+          </a:effectRef>
+          <a:fontRef idx="minor">
+            <a:schemeClr val="lt1"/>
+          </a:fontRef>
+        </p:style>
+        <p:txBody>
+          <a:bodyPr rtlCol="0" anchor="ctr"/>
+          <a:lstStyle/>
+          <a:p>
+            <a:pPr algn="ctr">
+              <a:lnSpc>
+                <a:spcPct val="120000"/>
+              </a:lnSpc>
+            </a:pPr>
+            <a:r>
+              <a:rPr lang="ko-KR" altLang="en-US" sz="1600" dirty="0">
+                <a:solidFill>
+                  <a:schemeClr val="tx1"/>
+                </a:solidFill>
+                <a:latin typeface="+mn-ea"/>
+              </a:rPr>
+              <a:t>테마 컬러</a:t>
+            </a:r>
+            <a:r>
+              <a:rPr lang="en-US" altLang="ko-KR" sz="1600" dirty="0">
+                <a:solidFill>
+                  <a:schemeClr val="tx1"/>
+                </a:solidFill>
+                <a:latin typeface="+mn-ea"/>
+              </a:rPr>
+              <a:t>, </a:t>
+            </a:r>
+            <a:r>
+              <a:rPr lang="ko-KR" altLang="en-US" sz="1600" dirty="0">
+                <a:solidFill>
+                  <a:schemeClr val="tx1"/>
+                </a:solidFill>
+                <a:latin typeface="+mn-ea"/>
+              </a:rPr>
+              <a:t>폰트 선정</a:t>
+            </a:r>
+            <a:br>
+              <a:rPr lang="en-US" altLang="ko-KR" sz="1600" dirty="0">
+                <a:solidFill>
+                  <a:schemeClr val="tx1"/>
+                </a:solidFill>
+                <a:latin typeface="+mn-ea"/>
+              </a:rPr>
+            </a:br>
+            <a:r>
+              <a:rPr lang="ko-KR" altLang="en-US" sz="1600" dirty="0">
+                <a:solidFill>
+                  <a:schemeClr val="tx1"/>
+                </a:solidFill>
+                <a:latin typeface="+mn-ea"/>
+              </a:rPr>
+              <a:t>로고 디자인</a:t>
+            </a:r>
+          </a:p>
+        </p:txBody>
+      </p:sp>
+      <p:sp>
+        <p:nvSpPr>
+          <p:cNvPr id="15" name="직사각형 14">
+            <a:extLst>
+              <a:ext uri="{FF2B5EF4-FFF2-40B4-BE49-F238E27FC236}">
+                <a16:creationId xmlns:a16="http://schemas.microsoft.com/office/drawing/2014/main" id="{76BA3E2C-CF19-2C7C-D486-584CBD5A129F}"/>
+              </a:ext>
+            </a:extLst>
+          </p:cNvPr>
+          <p:cNvSpPr/>
+          <p:nvPr/>
+        </p:nvSpPr>
+        <p:spPr>
+          <a:xfrm>
+            <a:off x="3723912" y="1831119"/>
+            <a:ext cx="2041451" cy="524945"/>
+          </a:xfrm>
+          <a:prstGeom prst="rect">
+            <a:avLst/>
+          </a:prstGeom>
+          <a:solidFill>
+            <a:schemeClr val="accent2"/>
+          </a:solidFill>
+          <a:ln>
+            <a:noFill/>
+          </a:ln>
+        </p:spPr>
+        <p:style>
+          <a:lnRef idx="2">
+            <a:schemeClr val="accent1">
+              <a:shade val="50000"/>
+            </a:schemeClr>
+          </a:lnRef>
+          <a:fillRef idx="1">
+            <a:schemeClr val="accent1"/>
+          </a:fillRef>
+          <a:effectRef idx="0">
+            <a:schemeClr val="accent1"/>
+          </a:effectRef>
+          <a:fontRef idx="minor">
+            <a:schemeClr val="lt1"/>
+          </a:fontRef>
+        </p:style>
+        <p:txBody>
+          <a:bodyPr rtlCol="0" anchor="ctr"/>
+          <a:lstStyle/>
+          <a:p>
+            <a:pPr algn="ctr"/>
+            <a:r>
+              <a:rPr lang="en-US" altLang="ko-KR" dirty="0">
+                <a:solidFill>
+                  <a:schemeClr val="accent4">
+                    <a:lumMod val="50000"/>
+                  </a:schemeClr>
+                </a:solidFill>
+              </a:rPr>
+              <a:t>STEP 2</a:t>
+            </a:r>
+            <a:endParaRPr lang="ko-KR" altLang="en-US" dirty="0">
+              <a:solidFill>
+                <a:schemeClr val="accent4">
+                  <a:lumMod val="50000"/>
+                </a:schemeClr>
+              </a:solidFill>
+            </a:endParaRPr>
+          </a:p>
+        </p:txBody>
+      </p:sp>
+      <p:sp>
+        <p:nvSpPr>
+          <p:cNvPr id="16" name="TextBox 15">
+            <a:extLst>
+              <a:ext uri="{FF2B5EF4-FFF2-40B4-BE49-F238E27FC236}">
+                <a16:creationId xmlns:a16="http://schemas.microsoft.com/office/drawing/2014/main" id="{E3D44CCF-BF10-51FC-EC2D-0EC105A2C2B0}"/>
+              </a:ext>
+            </a:extLst>
+          </p:cNvPr>
+          <p:cNvSpPr txBox="1"/>
+          <p:nvPr/>
+        </p:nvSpPr>
+        <p:spPr>
+          <a:xfrm>
+            <a:off x="5928990" y="1908925"/>
+            <a:ext cx="389850" cy="369332"/>
+          </a:xfrm>
+          <a:prstGeom prst="rect">
+            <a:avLst/>
+          </a:prstGeom>
+          <a:noFill/>
+        </p:spPr>
+        <p:txBody>
+          <a:bodyPr wrap="none" rtlCol="0">
+            <a:spAutoFit/>
+          </a:bodyPr>
+          <a:lstStyle/>
+          <a:p>
+            <a:r>
+              <a:rPr lang="en-US" altLang="ko-KR" dirty="0">
+                <a:latin typeface="+mn-ea"/>
+              </a:rPr>
+              <a:t>&gt;&gt;</a:t>
+            </a:r>
+            <a:endParaRPr lang="ko-KR" altLang="en-US" dirty="0">
+              <a:latin typeface="+mn-ea"/>
+            </a:endParaRPr>
+          </a:p>
+        </p:txBody>
+      </p:sp>
+      <p:sp>
+        <p:nvSpPr>
+          <p:cNvPr id="17" name="직사각형 16">
+            <a:extLst>
+              <a:ext uri="{FF2B5EF4-FFF2-40B4-BE49-F238E27FC236}">
+                <a16:creationId xmlns:a16="http://schemas.microsoft.com/office/drawing/2014/main" id="{352C018A-CFB1-E1A4-CC0D-5C15CAB402DB}"/>
+              </a:ext>
+            </a:extLst>
+          </p:cNvPr>
+          <p:cNvSpPr/>
+          <p:nvPr/>
+        </p:nvSpPr>
+        <p:spPr>
+          <a:xfrm>
+            <a:off x="6482467" y="2356064"/>
+            <a:ext cx="2041451" cy="1072936"/>
+          </a:xfrm>
+          <a:prstGeom prst="rect">
+            <a:avLst/>
+          </a:prstGeom>
+          <a:solidFill>
+            <a:schemeClr val="bg1">
+              <a:lumMod val="95000"/>
+            </a:schemeClr>
+          </a:solidFill>
+          <a:ln>
+            <a:noFill/>
+          </a:ln>
+        </p:spPr>
+        <p:style>
+          <a:lnRef idx="2">
+            <a:schemeClr val="accent1">
+              <a:shade val="50000"/>
+            </a:schemeClr>
+          </a:lnRef>
+          <a:fillRef idx="1">
+            <a:schemeClr val="accent1"/>
+          </a:fillRef>
+          <a:effectRef idx="0">
+            <a:schemeClr val="accent1"/>
+          </a:effectRef>
+          <a:fontRef idx="minor">
+            <a:schemeClr val="lt1"/>
+          </a:fontRef>
+        </p:style>
+        <p:txBody>
+          <a:bodyPr rtlCol="0" anchor="ctr"/>
+          <a:lstStyle/>
+          <a:p>
+            <a:pPr algn="ctr">
+              <a:lnSpc>
+                <a:spcPct val="120000"/>
+              </a:lnSpc>
+            </a:pPr>
+            <a:r>
+              <a:rPr lang="ko-KR" altLang="en-US" sz="1600" dirty="0">
+                <a:solidFill>
+                  <a:schemeClr val="tx1"/>
+                </a:solidFill>
+                <a:latin typeface="+mn-ea"/>
+              </a:rPr>
+              <a:t>카테고리 구상</a:t>
+            </a:r>
+            <a:endParaRPr lang="en-US" altLang="ko-KR" sz="1600" dirty="0">
+              <a:solidFill>
+                <a:schemeClr val="tx1"/>
+              </a:solidFill>
+              <a:latin typeface="+mn-ea"/>
+            </a:endParaRPr>
+          </a:p>
+          <a:p>
+            <a:pPr algn="ctr">
+              <a:lnSpc>
+                <a:spcPct val="120000"/>
+              </a:lnSpc>
+            </a:pPr>
+            <a:r>
+              <a:rPr lang="ko-KR" altLang="en-US" sz="1600" dirty="0">
+                <a:solidFill>
+                  <a:schemeClr val="tx1"/>
+                </a:solidFill>
+                <a:latin typeface="+mn-ea"/>
+              </a:rPr>
+              <a:t>사이트 기능 구상</a:t>
+            </a:r>
+            <a:endParaRPr lang="en-US" altLang="ko-KR" sz="1600" dirty="0">
+              <a:solidFill>
+                <a:schemeClr val="tx1"/>
+              </a:solidFill>
+              <a:latin typeface="+mn-ea"/>
+            </a:endParaRPr>
+          </a:p>
+          <a:p>
+            <a:pPr algn="ctr">
+              <a:lnSpc>
+                <a:spcPct val="120000"/>
+              </a:lnSpc>
+            </a:pPr>
+            <a:r>
+              <a:rPr lang="ko-KR" altLang="en-US" sz="1600" dirty="0" err="1">
+                <a:solidFill>
+                  <a:schemeClr val="tx1"/>
+                </a:solidFill>
+                <a:latin typeface="+mn-ea"/>
+              </a:rPr>
+              <a:t>명명법</a:t>
+            </a:r>
+            <a:r>
+              <a:rPr lang="ko-KR" altLang="en-US" sz="1600" dirty="0">
+                <a:solidFill>
+                  <a:schemeClr val="tx1"/>
+                </a:solidFill>
+                <a:latin typeface="+mn-ea"/>
+              </a:rPr>
+              <a:t> 정리</a:t>
+            </a:r>
+          </a:p>
+        </p:txBody>
+      </p:sp>
+      <p:sp>
+        <p:nvSpPr>
+          <p:cNvPr id="18" name="직사각형 17">
+            <a:extLst>
+              <a:ext uri="{FF2B5EF4-FFF2-40B4-BE49-F238E27FC236}">
+                <a16:creationId xmlns:a16="http://schemas.microsoft.com/office/drawing/2014/main" id="{B0335239-A891-1E1D-BD80-EFE83131AB07}"/>
+              </a:ext>
+            </a:extLst>
+          </p:cNvPr>
+          <p:cNvSpPr/>
+          <p:nvPr/>
+        </p:nvSpPr>
+        <p:spPr>
+          <a:xfrm>
+            <a:off x="6482467" y="1831119"/>
+            <a:ext cx="2041451" cy="524945"/>
+          </a:xfrm>
+          <a:prstGeom prst="rect">
+            <a:avLst/>
+          </a:prstGeom>
+          <a:solidFill>
+            <a:schemeClr val="accent2"/>
+          </a:solidFill>
+          <a:ln>
+            <a:noFill/>
+          </a:ln>
+        </p:spPr>
+        <p:style>
+          <a:lnRef idx="2">
+            <a:schemeClr val="accent1">
+              <a:shade val="50000"/>
+            </a:schemeClr>
+          </a:lnRef>
+          <a:fillRef idx="1">
+            <a:schemeClr val="accent1"/>
+          </a:fillRef>
+          <a:effectRef idx="0">
+            <a:schemeClr val="accent1"/>
+          </a:effectRef>
+          <a:fontRef idx="minor">
+            <a:schemeClr val="lt1"/>
+          </a:fontRef>
+        </p:style>
+        <p:txBody>
+          <a:bodyPr rtlCol="0" anchor="ctr"/>
+          <a:lstStyle/>
+          <a:p>
+            <a:pPr algn="ctr"/>
+            <a:r>
+              <a:rPr lang="en-US" altLang="ko-KR" dirty="0">
+                <a:solidFill>
+                  <a:schemeClr val="accent4">
+                    <a:lumMod val="50000"/>
+                  </a:schemeClr>
+                </a:solidFill>
+              </a:rPr>
+              <a:t>STEP 3</a:t>
+            </a:r>
+            <a:endParaRPr lang="ko-KR" altLang="en-US" dirty="0">
+              <a:solidFill>
+                <a:schemeClr val="accent4">
+                  <a:lumMod val="50000"/>
+                </a:schemeClr>
+              </a:solidFill>
+            </a:endParaRPr>
+          </a:p>
+        </p:txBody>
+      </p:sp>
+      <p:sp>
+        <p:nvSpPr>
+          <p:cNvPr id="20" name="TextBox 19">
+            <a:extLst>
+              <a:ext uri="{FF2B5EF4-FFF2-40B4-BE49-F238E27FC236}">
+                <a16:creationId xmlns:a16="http://schemas.microsoft.com/office/drawing/2014/main" id="{73615D3B-5A10-059C-934E-D661440BC72D}"/>
+              </a:ext>
+            </a:extLst>
+          </p:cNvPr>
+          <p:cNvSpPr txBox="1"/>
+          <p:nvPr/>
+        </p:nvSpPr>
+        <p:spPr>
+          <a:xfrm>
+            <a:off x="8687545" y="1908925"/>
+            <a:ext cx="389850" cy="369332"/>
+          </a:xfrm>
+          <a:prstGeom prst="rect">
+            <a:avLst/>
+          </a:prstGeom>
+          <a:noFill/>
+        </p:spPr>
+        <p:txBody>
+          <a:bodyPr wrap="none" rtlCol="0">
+            <a:spAutoFit/>
+          </a:bodyPr>
+          <a:lstStyle/>
+          <a:p>
+            <a:r>
+              <a:rPr lang="en-US" altLang="ko-KR" dirty="0">
+                <a:latin typeface="+mn-ea"/>
+              </a:rPr>
+              <a:t>&gt;&gt;</a:t>
+            </a:r>
+            <a:endParaRPr lang="ko-KR" altLang="en-US" dirty="0">
+              <a:latin typeface="+mn-ea"/>
+            </a:endParaRPr>
+          </a:p>
+        </p:txBody>
+      </p:sp>
+      <p:sp>
+        <p:nvSpPr>
+          <p:cNvPr id="21" name="직사각형 20">
+            <a:extLst>
+              <a:ext uri="{FF2B5EF4-FFF2-40B4-BE49-F238E27FC236}">
+                <a16:creationId xmlns:a16="http://schemas.microsoft.com/office/drawing/2014/main" id="{58805295-38D5-72C2-DC2A-3E4392EF5E5E}"/>
+              </a:ext>
+            </a:extLst>
+          </p:cNvPr>
+          <p:cNvSpPr/>
+          <p:nvPr/>
+        </p:nvSpPr>
+        <p:spPr>
+          <a:xfrm>
+            <a:off x="9241022" y="2356064"/>
+            <a:ext cx="2041451" cy="1072936"/>
+          </a:xfrm>
+          <a:prstGeom prst="rect">
+            <a:avLst/>
+          </a:prstGeom>
+          <a:solidFill>
+            <a:schemeClr val="bg1">
+              <a:lumMod val="95000"/>
+            </a:schemeClr>
+          </a:solidFill>
+          <a:ln>
+            <a:noFill/>
+          </a:ln>
+        </p:spPr>
+        <p:style>
+          <a:lnRef idx="2">
+            <a:schemeClr val="accent1">
+              <a:shade val="50000"/>
+            </a:schemeClr>
+          </a:lnRef>
+          <a:fillRef idx="1">
+            <a:schemeClr val="accent1"/>
+          </a:fillRef>
+          <a:effectRef idx="0">
+            <a:schemeClr val="accent1"/>
+          </a:effectRef>
+          <a:fontRef idx="minor">
+            <a:schemeClr val="lt1"/>
+          </a:fontRef>
+        </p:style>
+        <p:txBody>
+          <a:bodyPr rtlCol="0" anchor="ctr"/>
+          <a:lstStyle/>
+          <a:p>
+            <a:pPr algn="ctr">
+              <a:lnSpc>
+                <a:spcPct val="120000"/>
+              </a:lnSpc>
+            </a:pPr>
+            <a:r>
+              <a:rPr lang="en-US" altLang="ko-KR" sz="1600" dirty="0">
+                <a:solidFill>
+                  <a:schemeClr val="tx1"/>
+                </a:solidFill>
+                <a:latin typeface="+mn-ea"/>
+              </a:rPr>
+              <a:t>DB </a:t>
+            </a:r>
+            <a:r>
+              <a:rPr lang="ko-KR" altLang="en-US" sz="1600" dirty="0">
+                <a:solidFill>
+                  <a:schemeClr val="tx1"/>
+                </a:solidFill>
+                <a:latin typeface="+mn-ea"/>
+              </a:rPr>
+              <a:t>테이블 제작</a:t>
+            </a:r>
+          </a:p>
+        </p:txBody>
+      </p:sp>
+      <p:sp>
+        <p:nvSpPr>
+          <p:cNvPr id="22" name="직사각형 21">
+            <a:extLst>
+              <a:ext uri="{FF2B5EF4-FFF2-40B4-BE49-F238E27FC236}">
+                <a16:creationId xmlns:a16="http://schemas.microsoft.com/office/drawing/2014/main" id="{E08609DE-BB76-36EB-C698-160EA1903D74}"/>
+              </a:ext>
+            </a:extLst>
+          </p:cNvPr>
+          <p:cNvSpPr/>
+          <p:nvPr/>
+        </p:nvSpPr>
+        <p:spPr>
+          <a:xfrm>
+            <a:off x="9241022" y="1831119"/>
+            <a:ext cx="2041451" cy="524945"/>
+          </a:xfrm>
+          <a:prstGeom prst="rect">
+            <a:avLst/>
+          </a:prstGeom>
+          <a:solidFill>
+            <a:schemeClr val="accent2"/>
+          </a:solidFill>
+          <a:ln>
+            <a:noFill/>
+          </a:ln>
+        </p:spPr>
+        <p:style>
+          <a:lnRef idx="2">
+            <a:schemeClr val="accent1">
+              <a:shade val="50000"/>
+            </a:schemeClr>
+          </a:lnRef>
+          <a:fillRef idx="1">
+            <a:schemeClr val="accent1"/>
+          </a:fillRef>
+          <a:effectRef idx="0">
+            <a:schemeClr val="accent1"/>
+          </a:effectRef>
+          <a:fontRef idx="minor">
+            <a:schemeClr val="lt1"/>
+          </a:fontRef>
+        </p:style>
+        <p:txBody>
+          <a:bodyPr rtlCol="0" anchor="ctr"/>
+          <a:lstStyle/>
+          <a:p>
+            <a:pPr algn="ctr"/>
+            <a:r>
+              <a:rPr lang="en-US" altLang="ko-KR" dirty="0">
+                <a:solidFill>
+                  <a:schemeClr val="accent4">
+                    <a:lumMod val="50000"/>
+                  </a:schemeClr>
+                </a:solidFill>
+              </a:rPr>
+              <a:t>STEP 4</a:t>
+            </a:r>
+            <a:endParaRPr lang="ko-KR" altLang="en-US" dirty="0">
+              <a:solidFill>
+                <a:schemeClr val="accent4">
+                  <a:lumMod val="50000"/>
+                </a:schemeClr>
+              </a:solidFill>
+            </a:endParaRPr>
+          </a:p>
+        </p:txBody>
+      </p:sp>
+      <p:sp>
+        <p:nvSpPr>
+          <p:cNvPr id="41" name="직사각형 40">
+            <a:extLst>
+              <a:ext uri="{FF2B5EF4-FFF2-40B4-BE49-F238E27FC236}">
+                <a16:creationId xmlns:a16="http://schemas.microsoft.com/office/drawing/2014/main" id="{B41942D1-4E88-6837-FB0B-2FF5B19E2067}"/>
+              </a:ext>
+            </a:extLst>
+          </p:cNvPr>
+          <p:cNvSpPr/>
+          <p:nvPr/>
+        </p:nvSpPr>
+        <p:spPr>
+          <a:xfrm>
+            <a:off x="9241022" y="4683967"/>
+            <a:ext cx="2041451" cy="1072936"/>
+          </a:xfrm>
+          <a:prstGeom prst="rect">
+            <a:avLst/>
+          </a:prstGeom>
+          <a:solidFill>
+            <a:schemeClr val="bg1">
+              <a:lumMod val="95000"/>
+            </a:schemeClr>
+          </a:solidFill>
+          <a:ln>
+            <a:noFill/>
+          </a:ln>
+        </p:spPr>
+        <p:style>
+          <a:lnRef idx="2">
+            <a:schemeClr val="accent1">
+              <a:shade val="50000"/>
+            </a:schemeClr>
+          </a:lnRef>
+          <a:fillRef idx="1">
+            <a:schemeClr val="accent1"/>
+          </a:fillRef>
+          <a:effectRef idx="0">
+            <a:schemeClr val="accent1"/>
+          </a:effectRef>
+          <a:fontRef idx="minor">
+            <a:schemeClr val="lt1"/>
+          </a:fontRef>
+        </p:style>
+        <p:txBody>
+          <a:bodyPr rtlCol="0" anchor="ctr"/>
+          <a:lstStyle/>
+          <a:p>
+            <a:pPr algn="ctr">
+              <a:lnSpc>
+                <a:spcPct val="120000"/>
+              </a:lnSpc>
+            </a:pPr>
+            <a:r>
+              <a:rPr lang="ko-KR" altLang="en-US" sz="1600" dirty="0">
+                <a:solidFill>
+                  <a:schemeClr val="tx1"/>
+                </a:solidFill>
+                <a:latin typeface="+mn-ea"/>
+              </a:rPr>
+              <a:t>개발 환경 조성</a:t>
+            </a:r>
+            <a:endParaRPr lang="en-US" altLang="ko-KR" sz="1600" dirty="0">
+              <a:solidFill>
+                <a:schemeClr val="tx1"/>
+              </a:solidFill>
+              <a:latin typeface="+mn-ea"/>
+            </a:endParaRPr>
+          </a:p>
+          <a:p>
+            <a:pPr algn="ctr">
+              <a:lnSpc>
+                <a:spcPct val="120000"/>
+              </a:lnSpc>
+            </a:pPr>
+            <a:r>
+              <a:rPr lang="ko-KR" altLang="en-US" sz="1600" dirty="0">
+                <a:solidFill>
+                  <a:schemeClr val="tx1"/>
+                </a:solidFill>
+                <a:latin typeface="+mn-ea"/>
+              </a:rPr>
+              <a:t>페이지 기능 정리</a:t>
+            </a:r>
+            <a:r>
+              <a:rPr lang="en-US" altLang="ko-KR" sz="1600" dirty="0">
+                <a:solidFill>
+                  <a:schemeClr val="tx1"/>
+                </a:solidFill>
+                <a:latin typeface="+mn-ea"/>
+              </a:rPr>
+              <a:t> </a:t>
+            </a:r>
+            <a:r>
+              <a:rPr lang="ko-KR" altLang="en-US" sz="1600" dirty="0">
+                <a:solidFill>
+                  <a:schemeClr val="tx1"/>
+                </a:solidFill>
+                <a:latin typeface="+mn-ea"/>
+              </a:rPr>
+              <a:t>및</a:t>
+            </a:r>
+            <a:endParaRPr lang="en-US" altLang="ko-KR" sz="1600" dirty="0">
+              <a:solidFill>
+                <a:schemeClr val="tx1"/>
+              </a:solidFill>
+              <a:latin typeface="+mn-ea"/>
+            </a:endParaRPr>
+          </a:p>
+          <a:p>
+            <a:pPr algn="ctr">
+              <a:lnSpc>
+                <a:spcPct val="120000"/>
+              </a:lnSpc>
+            </a:pPr>
+            <a:r>
+              <a:rPr lang="ko-KR" altLang="en-US" sz="1600" dirty="0">
+                <a:solidFill>
+                  <a:schemeClr val="tx1"/>
+                </a:solidFill>
+                <a:latin typeface="+mn-ea"/>
+              </a:rPr>
+              <a:t>구성요소 배치</a:t>
+            </a:r>
+          </a:p>
+        </p:txBody>
+      </p:sp>
+      <p:sp>
+        <p:nvSpPr>
+          <p:cNvPr id="42" name="직사각형 41">
+            <a:extLst>
+              <a:ext uri="{FF2B5EF4-FFF2-40B4-BE49-F238E27FC236}">
+                <a16:creationId xmlns:a16="http://schemas.microsoft.com/office/drawing/2014/main" id="{AAFC4BDA-00C2-F87E-BC9E-A309E7688E1E}"/>
+              </a:ext>
+            </a:extLst>
+          </p:cNvPr>
+          <p:cNvSpPr/>
+          <p:nvPr/>
+        </p:nvSpPr>
+        <p:spPr>
+          <a:xfrm>
+            <a:off x="9241022" y="4159022"/>
+            <a:ext cx="2041451" cy="524945"/>
+          </a:xfrm>
+          <a:prstGeom prst="rect">
+            <a:avLst/>
+          </a:prstGeom>
+          <a:solidFill>
+            <a:schemeClr val="accent2"/>
+          </a:solidFill>
+          <a:ln>
+            <a:noFill/>
+          </a:ln>
+        </p:spPr>
+        <p:style>
+          <a:lnRef idx="2">
+            <a:schemeClr val="accent1">
+              <a:shade val="50000"/>
+            </a:schemeClr>
+          </a:lnRef>
+          <a:fillRef idx="1">
+            <a:schemeClr val="accent1"/>
+          </a:fillRef>
+          <a:effectRef idx="0">
+            <a:schemeClr val="accent1"/>
+          </a:effectRef>
+          <a:fontRef idx="minor">
+            <a:schemeClr val="lt1"/>
+          </a:fontRef>
+        </p:style>
+        <p:txBody>
+          <a:bodyPr rtlCol="0" anchor="ctr"/>
+          <a:lstStyle/>
+          <a:p>
+            <a:pPr algn="ctr"/>
+            <a:r>
+              <a:rPr lang="en-US" altLang="ko-KR" dirty="0">
+                <a:solidFill>
+                  <a:schemeClr val="accent4">
+                    <a:lumMod val="50000"/>
+                  </a:schemeClr>
+                </a:solidFill>
+              </a:rPr>
+              <a:t>STEP 5</a:t>
+            </a:r>
+            <a:endParaRPr lang="ko-KR" altLang="en-US" dirty="0">
+              <a:solidFill>
+                <a:schemeClr val="accent4">
+                  <a:lumMod val="50000"/>
+                </a:schemeClr>
+              </a:solidFill>
+            </a:endParaRPr>
+          </a:p>
+        </p:txBody>
+      </p:sp>
+      <p:sp>
+        <p:nvSpPr>
+          <p:cNvPr id="43" name="TextBox 42">
+            <a:extLst>
+              <a:ext uri="{FF2B5EF4-FFF2-40B4-BE49-F238E27FC236}">
+                <a16:creationId xmlns:a16="http://schemas.microsoft.com/office/drawing/2014/main" id="{4C568037-CA54-7B95-9E3E-8270CFB1E430}"/>
+              </a:ext>
+            </a:extLst>
+          </p:cNvPr>
+          <p:cNvSpPr txBox="1"/>
+          <p:nvPr/>
+        </p:nvSpPr>
+        <p:spPr>
+          <a:xfrm rot="5400000">
+            <a:off x="10066822" y="3609345"/>
+            <a:ext cx="389850" cy="369332"/>
+          </a:xfrm>
+          <a:prstGeom prst="rect">
+            <a:avLst/>
+          </a:prstGeom>
+          <a:noFill/>
+        </p:spPr>
+        <p:txBody>
+          <a:bodyPr wrap="none" rtlCol="0">
+            <a:spAutoFit/>
+          </a:bodyPr>
+          <a:lstStyle/>
+          <a:p>
+            <a:r>
+              <a:rPr lang="en-US" altLang="ko-KR" dirty="0">
+                <a:latin typeface="+mn-ea"/>
+              </a:rPr>
+              <a:t>&gt;&gt;</a:t>
+            </a:r>
+            <a:endParaRPr lang="ko-KR" altLang="en-US" dirty="0">
+              <a:latin typeface="+mn-ea"/>
+            </a:endParaRPr>
+          </a:p>
+        </p:txBody>
+      </p:sp>
+      <p:sp>
+        <p:nvSpPr>
+          <p:cNvPr id="44" name="직사각형 43">
+            <a:extLst>
+              <a:ext uri="{FF2B5EF4-FFF2-40B4-BE49-F238E27FC236}">
+                <a16:creationId xmlns:a16="http://schemas.microsoft.com/office/drawing/2014/main" id="{74A42210-7171-5192-1055-B3048A39DA43}"/>
+              </a:ext>
+            </a:extLst>
+          </p:cNvPr>
+          <p:cNvSpPr/>
+          <p:nvPr/>
+        </p:nvSpPr>
+        <p:spPr>
+          <a:xfrm>
+            <a:off x="6485374" y="4683967"/>
+            <a:ext cx="2041451" cy="1072936"/>
+          </a:xfrm>
+          <a:prstGeom prst="rect">
+            <a:avLst/>
+          </a:prstGeom>
+          <a:solidFill>
+            <a:schemeClr val="bg1">
+              <a:lumMod val="95000"/>
+            </a:schemeClr>
+          </a:solidFill>
+          <a:ln>
+            <a:noFill/>
+          </a:ln>
+        </p:spPr>
+        <p:style>
+          <a:lnRef idx="2">
+            <a:schemeClr val="accent1">
+              <a:shade val="50000"/>
+            </a:schemeClr>
+          </a:lnRef>
+          <a:fillRef idx="1">
+            <a:schemeClr val="accent1"/>
+          </a:fillRef>
+          <a:effectRef idx="0">
+            <a:schemeClr val="accent1"/>
+          </a:effectRef>
+          <a:fontRef idx="minor">
+            <a:schemeClr val="lt1"/>
+          </a:fontRef>
+        </p:style>
+        <p:txBody>
+          <a:bodyPr rtlCol="0" anchor="ctr"/>
+          <a:lstStyle/>
+          <a:p>
+            <a:pPr algn="ctr">
+              <a:lnSpc>
+                <a:spcPct val="120000"/>
+              </a:lnSpc>
+            </a:pPr>
+            <a:r>
+              <a:rPr lang="ko-KR" altLang="en-US" sz="1600" dirty="0">
+                <a:solidFill>
+                  <a:schemeClr val="tx1"/>
+                </a:solidFill>
+                <a:latin typeface="+mn-ea"/>
+              </a:rPr>
+              <a:t>담당 구현 기능</a:t>
+            </a:r>
+            <a:r>
+              <a:rPr lang="en-US" altLang="ko-KR" sz="1600" dirty="0">
+                <a:solidFill>
+                  <a:schemeClr val="tx1"/>
+                </a:solidFill>
+                <a:latin typeface="+mn-ea"/>
+              </a:rPr>
+              <a:t>,</a:t>
+            </a:r>
+          </a:p>
+          <a:p>
+            <a:pPr algn="ctr">
+              <a:lnSpc>
+                <a:spcPct val="120000"/>
+              </a:lnSpc>
+            </a:pPr>
+            <a:r>
+              <a:rPr lang="ko-KR" altLang="en-US" sz="1600" dirty="0">
+                <a:solidFill>
+                  <a:schemeClr val="tx1"/>
+                </a:solidFill>
+                <a:latin typeface="+mn-ea"/>
+              </a:rPr>
+              <a:t>페이지 배분</a:t>
+            </a:r>
+          </a:p>
+        </p:txBody>
+      </p:sp>
+      <p:sp>
+        <p:nvSpPr>
+          <p:cNvPr id="45" name="직사각형 44">
+            <a:extLst>
+              <a:ext uri="{FF2B5EF4-FFF2-40B4-BE49-F238E27FC236}">
+                <a16:creationId xmlns:a16="http://schemas.microsoft.com/office/drawing/2014/main" id="{A40BB527-CB9D-AF1C-33B3-F28B2C4504CC}"/>
+              </a:ext>
+            </a:extLst>
+          </p:cNvPr>
+          <p:cNvSpPr/>
+          <p:nvPr/>
+        </p:nvSpPr>
+        <p:spPr>
+          <a:xfrm>
+            <a:off x="6485374" y="4159022"/>
+            <a:ext cx="2041451" cy="524945"/>
+          </a:xfrm>
+          <a:prstGeom prst="rect">
+            <a:avLst/>
+          </a:prstGeom>
+          <a:solidFill>
+            <a:schemeClr val="accent2"/>
+          </a:solidFill>
+          <a:ln>
+            <a:noFill/>
+          </a:ln>
+        </p:spPr>
+        <p:style>
+          <a:lnRef idx="2">
+            <a:schemeClr val="accent1">
+              <a:shade val="50000"/>
+            </a:schemeClr>
+          </a:lnRef>
+          <a:fillRef idx="1">
+            <a:schemeClr val="accent1"/>
+          </a:fillRef>
+          <a:effectRef idx="0">
+            <a:schemeClr val="accent1"/>
+          </a:effectRef>
+          <a:fontRef idx="minor">
+            <a:schemeClr val="lt1"/>
+          </a:fontRef>
+        </p:style>
+        <p:txBody>
+          <a:bodyPr rtlCol="0" anchor="ctr"/>
+          <a:lstStyle/>
+          <a:p>
+            <a:pPr algn="ctr"/>
+            <a:r>
+              <a:rPr lang="en-US" altLang="ko-KR" dirty="0">
+                <a:solidFill>
+                  <a:schemeClr val="accent4">
+                    <a:lumMod val="50000"/>
+                  </a:schemeClr>
+                </a:solidFill>
+              </a:rPr>
+              <a:t>STEP 6</a:t>
+            </a:r>
+            <a:endParaRPr lang="ko-KR" altLang="en-US" dirty="0">
+              <a:solidFill>
+                <a:schemeClr val="accent4">
+                  <a:lumMod val="50000"/>
+                </a:schemeClr>
+              </a:solidFill>
+            </a:endParaRPr>
+          </a:p>
+        </p:txBody>
+      </p:sp>
+      <p:sp>
+        <p:nvSpPr>
+          <p:cNvPr id="47" name="TextBox 46">
+            <a:extLst>
+              <a:ext uri="{FF2B5EF4-FFF2-40B4-BE49-F238E27FC236}">
+                <a16:creationId xmlns:a16="http://schemas.microsoft.com/office/drawing/2014/main" id="{003F83EA-2026-CF12-4790-A0696FD35E9A}"/>
+              </a:ext>
+            </a:extLst>
+          </p:cNvPr>
+          <p:cNvSpPr txBox="1"/>
+          <p:nvPr/>
+        </p:nvSpPr>
+        <p:spPr>
+          <a:xfrm>
+            <a:off x="8655335" y="4236828"/>
+            <a:ext cx="457176" cy="369332"/>
+          </a:xfrm>
+          <a:prstGeom prst="rect">
+            <a:avLst/>
+          </a:prstGeom>
+          <a:noFill/>
+        </p:spPr>
+        <p:txBody>
+          <a:bodyPr wrap="none" rtlCol="0">
+            <a:spAutoFit/>
+          </a:bodyPr>
+          <a:lstStyle/>
+          <a:p>
+            <a:r>
+              <a:rPr lang="en-US" altLang="ko-KR" dirty="0">
+                <a:latin typeface="+mn-ea"/>
+              </a:rPr>
+              <a:t>&lt;&lt;</a:t>
+            </a:r>
+            <a:endParaRPr lang="ko-KR" altLang="en-US" dirty="0">
+              <a:latin typeface="+mn-ea"/>
+            </a:endParaRPr>
+          </a:p>
+        </p:txBody>
+      </p:sp>
+      <p:sp>
+        <p:nvSpPr>
+          <p:cNvPr id="48" name="직사각형 47">
+            <a:extLst>
+              <a:ext uri="{FF2B5EF4-FFF2-40B4-BE49-F238E27FC236}">
+                <a16:creationId xmlns:a16="http://schemas.microsoft.com/office/drawing/2014/main" id="{334085E1-304E-0B60-F3E3-45C9353BA518}"/>
+              </a:ext>
+            </a:extLst>
+          </p:cNvPr>
+          <p:cNvSpPr/>
+          <p:nvPr/>
+        </p:nvSpPr>
+        <p:spPr>
+          <a:xfrm>
+            <a:off x="3726819" y="4683967"/>
+            <a:ext cx="2041451" cy="1072936"/>
+          </a:xfrm>
+          <a:prstGeom prst="rect">
+            <a:avLst/>
+          </a:prstGeom>
+          <a:solidFill>
+            <a:schemeClr val="bg1">
+              <a:lumMod val="95000"/>
+            </a:schemeClr>
+          </a:solidFill>
+          <a:ln>
+            <a:noFill/>
+          </a:ln>
+        </p:spPr>
+        <p:style>
+          <a:lnRef idx="2">
+            <a:schemeClr val="accent1">
+              <a:shade val="50000"/>
+            </a:schemeClr>
+          </a:lnRef>
+          <a:fillRef idx="1">
+            <a:schemeClr val="accent1"/>
+          </a:fillRef>
+          <a:effectRef idx="0">
+            <a:schemeClr val="accent1"/>
+          </a:effectRef>
+          <a:fontRef idx="minor">
+            <a:schemeClr val="lt1"/>
+          </a:fontRef>
+        </p:style>
+        <p:txBody>
+          <a:bodyPr rtlCol="0" anchor="ctr"/>
+          <a:lstStyle/>
+          <a:p>
+            <a:pPr algn="ctr">
+              <a:lnSpc>
+                <a:spcPct val="120000"/>
+              </a:lnSpc>
+            </a:pPr>
+            <a:r>
+              <a:rPr lang="ko-KR" altLang="en-US" sz="1600" dirty="0">
+                <a:solidFill>
+                  <a:schemeClr val="tx1"/>
+                </a:solidFill>
+                <a:latin typeface="+mn-ea"/>
+              </a:rPr>
+              <a:t>기능 구현</a:t>
+            </a:r>
+            <a:endParaRPr lang="en-US" altLang="ko-KR" sz="1600" dirty="0">
+              <a:solidFill>
+                <a:schemeClr val="tx1"/>
+              </a:solidFill>
+              <a:latin typeface="+mn-ea"/>
+            </a:endParaRPr>
+          </a:p>
+        </p:txBody>
+      </p:sp>
+      <p:sp>
+        <p:nvSpPr>
+          <p:cNvPr id="49" name="직사각형 48">
+            <a:extLst>
+              <a:ext uri="{FF2B5EF4-FFF2-40B4-BE49-F238E27FC236}">
+                <a16:creationId xmlns:a16="http://schemas.microsoft.com/office/drawing/2014/main" id="{71CE1859-BC50-1058-52AF-56898C982AAE}"/>
+              </a:ext>
+            </a:extLst>
+          </p:cNvPr>
+          <p:cNvSpPr/>
+          <p:nvPr/>
+        </p:nvSpPr>
+        <p:spPr>
+          <a:xfrm>
+            <a:off x="3726819" y="4159022"/>
+            <a:ext cx="2041451" cy="524945"/>
+          </a:xfrm>
+          <a:prstGeom prst="rect">
+            <a:avLst/>
+          </a:prstGeom>
+          <a:solidFill>
+            <a:schemeClr val="accent2"/>
+          </a:solidFill>
+          <a:ln>
+            <a:noFill/>
+          </a:ln>
+        </p:spPr>
+        <p:style>
+          <a:lnRef idx="2">
+            <a:schemeClr val="accent1">
+              <a:shade val="50000"/>
+            </a:schemeClr>
+          </a:lnRef>
+          <a:fillRef idx="1">
+            <a:schemeClr val="accent1"/>
+          </a:fillRef>
+          <a:effectRef idx="0">
+            <a:schemeClr val="accent1"/>
+          </a:effectRef>
+          <a:fontRef idx="minor">
+            <a:schemeClr val="lt1"/>
+          </a:fontRef>
+        </p:style>
+        <p:txBody>
+          <a:bodyPr rtlCol="0" anchor="ctr"/>
+          <a:lstStyle/>
+          <a:p>
+            <a:pPr algn="ctr"/>
+            <a:r>
+              <a:rPr lang="en-US" altLang="ko-KR" dirty="0">
+                <a:solidFill>
+                  <a:schemeClr val="accent4">
+                    <a:lumMod val="50000"/>
+                  </a:schemeClr>
+                </a:solidFill>
+              </a:rPr>
+              <a:t>STEP 7</a:t>
+            </a:r>
+            <a:endParaRPr lang="ko-KR" altLang="en-US" dirty="0">
+              <a:solidFill>
+                <a:schemeClr val="accent4">
+                  <a:lumMod val="50000"/>
+                </a:schemeClr>
+              </a:solidFill>
+            </a:endParaRPr>
+          </a:p>
+        </p:txBody>
+      </p:sp>
+      <p:sp>
+        <p:nvSpPr>
+          <p:cNvPr id="50" name="TextBox 49">
+            <a:extLst>
+              <a:ext uri="{FF2B5EF4-FFF2-40B4-BE49-F238E27FC236}">
+                <a16:creationId xmlns:a16="http://schemas.microsoft.com/office/drawing/2014/main" id="{D93E4CEE-EE8D-C3BF-074F-328D59EB94A2}"/>
+              </a:ext>
+            </a:extLst>
+          </p:cNvPr>
+          <p:cNvSpPr txBox="1"/>
+          <p:nvPr/>
+        </p:nvSpPr>
+        <p:spPr>
+          <a:xfrm>
+            <a:off x="5898234" y="4236828"/>
+            <a:ext cx="457176" cy="369332"/>
+          </a:xfrm>
+          <a:prstGeom prst="rect">
+            <a:avLst/>
+          </a:prstGeom>
+          <a:noFill/>
+        </p:spPr>
+        <p:txBody>
+          <a:bodyPr wrap="none" rtlCol="0">
+            <a:spAutoFit/>
+          </a:bodyPr>
+          <a:lstStyle/>
+          <a:p>
+            <a:r>
+              <a:rPr lang="en-US" altLang="ko-KR" dirty="0">
+                <a:latin typeface="+mn-ea"/>
+              </a:rPr>
+              <a:t>&lt;&lt;</a:t>
+            </a:r>
+            <a:endParaRPr lang="ko-KR" altLang="en-US" dirty="0">
+              <a:latin typeface="+mn-ea"/>
+            </a:endParaRPr>
+          </a:p>
+        </p:txBody>
+      </p:sp>
+      <p:sp>
+        <p:nvSpPr>
+          <p:cNvPr id="51" name="직사각형 50">
+            <a:extLst>
+              <a:ext uri="{FF2B5EF4-FFF2-40B4-BE49-F238E27FC236}">
+                <a16:creationId xmlns:a16="http://schemas.microsoft.com/office/drawing/2014/main" id="{35246563-FE3E-E811-30E4-418CBE20B114}"/>
+              </a:ext>
+            </a:extLst>
+          </p:cNvPr>
+          <p:cNvSpPr/>
+          <p:nvPr/>
+        </p:nvSpPr>
+        <p:spPr>
+          <a:xfrm>
+            <a:off x="968264" y="4683967"/>
+            <a:ext cx="2041451" cy="1072936"/>
+          </a:xfrm>
+          <a:prstGeom prst="rect">
+            <a:avLst/>
+          </a:prstGeom>
+          <a:solidFill>
+            <a:schemeClr val="bg1">
+              <a:lumMod val="95000"/>
+            </a:schemeClr>
+          </a:solidFill>
+          <a:ln>
+            <a:noFill/>
+          </a:ln>
+        </p:spPr>
+        <p:style>
+          <a:lnRef idx="2">
+            <a:schemeClr val="accent1">
+              <a:shade val="50000"/>
+            </a:schemeClr>
+          </a:lnRef>
+          <a:fillRef idx="1">
+            <a:schemeClr val="accent1"/>
+          </a:fillRef>
+          <a:effectRef idx="0">
+            <a:schemeClr val="accent1"/>
+          </a:effectRef>
+          <a:fontRef idx="minor">
+            <a:schemeClr val="lt1"/>
+          </a:fontRef>
+        </p:style>
+        <p:txBody>
+          <a:bodyPr rtlCol="0" anchor="ctr"/>
+          <a:lstStyle/>
+          <a:p>
+            <a:pPr algn="ctr">
+              <a:lnSpc>
+                <a:spcPct val="120000"/>
+              </a:lnSpc>
+            </a:pPr>
+            <a:r>
+              <a:rPr lang="ko-KR" altLang="en-US" sz="1600" dirty="0">
+                <a:solidFill>
+                  <a:schemeClr val="tx1"/>
+                </a:solidFill>
+                <a:latin typeface="+mn-ea"/>
+              </a:rPr>
+              <a:t>디자인</a:t>
+            </a:r>
+          </a:p>
+        </p:txBody>
+      </p:sp>
+      <p:sp>
+        <p:nvSpPr>
+          <p:cNvPr id="52" name="직사각형 51">
+            <a:extLst>
+              <a:ext uri="{FF2B5EF4-FFF2-40B4-BE49-F238E27FC236}">
+                <a16:creationId xmlns:a16="http://schemas.microsoft.com/office/drawing/2014/main" id="{2413BB1E-C6C6-52B7-071B-731902D5E1C6}"/>
+              </a:ext>
+            </a:extLst>
+          </p:cNvPr>
+          <p:cNvSpPr/>
+          <p:nvPr/>
+        </p:nvSpPr>
+        <p:spPr>
+          <a:xfrm>
+            <a:off x="968264" y="4159022"/>
+            <a:ext cx="2041451" cy="524945"/>
+          </a:xfrm>
+          <a:prstGeom prst="rect">
+            <a:avLst/>
+          </a:prstGeom>
+          <a:solidFill>
+            <a:schemeClr val="accent2"/>
+          </a:solidFill>
+          <a:ln>
+            <a:noFill/>
+          </a:ln>
+        </p:spPr>
+        <p:style>
+          <a:lnRef idx="2">
+            <a:schemeClr val="accent1">
+              <a:shade val="50000"/>
+            </a:schemeClr>
+          </a:lnRef>
+          <a:fillRef idx="1">
+            <a:schemeClr val="accent1"/>
+          </a:fillRef>
+          <a:effectRef idx="0">
+            <a:schemeClr val="accent1"/>
+          </a:effectRef>
+          <a:fontRef idx="minor">
+            <a:schemeClr val="lt1"/>
+          </a:fontRef>
+        </p:style>
+        <p:txBody>
+          <a:bodyPr rtlCol="0" anchor="ctr"/>
+          <a:lstStyle/>
+          <a:p>
+            <a:pPr algn="ctr"/>
+            <a:r>
+              <a:rPr lang="en-US" altLang="ko-KR" dirty="0">
+                <a:solidFill>
+                  <a:schemeClr val="accent4">
+                    <a:lumMod val="50000"/>
+                  </a:schemeClr>
+                </a:solidFill>
+              </a:rPr>
+              <a:t>STEP 8</a:t>
+            </a:r>
+            <a:endParaRPr lang="ko-KR" altLang="en-US" dirty="0">
+              <a:solidFill>
+                <a:schemeClr val="accent4">
+                  <a:lumMod val="50000"/>
+                </a:schemeClr>
+              </a:solidFill>
+            </a:endParaRPr>
+          </a:p>
+        </p:txBody>
+      </p:sp>
+      <p:sp>
+        <p:nvSpPr>
+          <p:cNvPr id="53" name="TextBox 52">
+            <a:extLst>
+              <a:ext uri="{FF2B5EF4-FFF2-40B4-BE49-F238E27FC236}">
+                <a16:creationId xmlns:a16="http://schemas.microsoft.com/office/drawing/2014/main" id="{E772F072-BAF5-976B-2811-BA880A8949AB}"/>
+              </a:ext>
+            </a:extLst>
+          </p:cNvPr>
+          <p:cNvSpPr txBox="1"/>
+          <p:nvPr/>
+        </p:nvSpPr>
+        <p:spPr>
+          <a:xfrm>
+            <a:off x="3139679" y="4236828"/>
+            <a:ext cx="457176" cy="369332"/>
+          </a:xfrm>
+          <a:prstGeom prst="rect">
+            <a:avLst/>
+          </a:prstGeom>
+          <a:noFill/>
+        </p:spPr>
+        <p:txBody>
+          <a:bodyPr wrap="none" rtlCol="0">
+            <a:spAutoFit/>
+          </a:bodyPr>
+          <a:lstStyle/>
+          <a:p>
+            <a:r>
+              <a:rPr lang="en-US" altLang="ko-KR" dirty="0">
+                <a:latin typeface="+mn-ea"/>
+              </a:rPr>
+              <a:t>&lt;&lt;</a:t>
+            </a:r>
+            <a:endParaRPr lang="ko-KR" altLang="en-US" dirty="0">
+              <a:latin typeface="+mn-ea"/>
+            </a:endParaRPr>
+          </a:p>
+        </p:txBody>
+      </p:sp>
+    </p:spTree>
+    <p:extLst>
+      <p:ext uri="{BB962C8B-B14F-4D97-AF65-F5344CB8AC3E}">
+        <p14:creationId xmlns:p14="http://schemas.microsoft.com/office/powerpoint/2010/main" val="473379613"/>
+      </p:ext>
+    </p:extLst>
+  </p:cSld>
+  <p:clrMapOvr>
+    <a:masterClrMapping/>
+  </p:clrMapOvr>
+  <mc:AlternateContent xmlns:mc="http://schemas.openxmlformats.org/markup-compatibility/2006" xmlns:p14="http://schemas.microsoft.com/office/powerpoint/2010/main">
+    <mc:Choice Requires="p14">
+      <p:transition spd="med" p14:dur="700">
+        <p:fade/>
+      </p:transition>
+    </mc:Choice>
+    <mc:Fallback xmlns="">
+      <p:transition spd="med">
+        <p:fade/>
+      </p:transition>
+    </mc:Fallback>
+  </mc:AlternateContent>
+</p:sld>
+</file>
+
+<file path=ppt/slides/slide5.xml><?xml version="1.0" encoding="utf-8"?>
+<p:sld xmlns:a="http://schemas.openxmlformats.org/drawingml/2006/main" xmlns:r="http://schemas.openxmlformats.org/officeDocument/2006/relationships" xmlns:p="http://schemas.openxmlformats.org/presentationml/2006/main">
+  <p:cSld>
+    <p:spTree>
+      <p:nvGrpSpPr>
+        <p:cNvPr id="1" name=""/>
+        <p:cNvGrpSpPr/>
+        <p:nvPr/>
+      </p:nvGrpSpPr>
+      <p:grpSpPr>
+        <a:xfrm>
+          <a:off x="0" y="0"/>
+          <a:ext cx="0" cy="0"/>
+          <a:chOff x="0" y="0"/>
+          <a:chExt cx="0" cy="0"/>
+        </a:xfrm>
+      </p:grpSpPr>
+      <p:sp>
+        <p:nvSpPr>
+          <p:cNvPr id="2" name="직사각형 1">
+            <a:extLst>
+              <a:ext uri="{FF2B5EF4-FFF2-40B4-BE49-F238E27FC236}">
+                <a16:creationId xmlns:a16="http://schemas.microsoft.com/office/drawing/2014/main" id="{B1985EEF-2AD8-452A-AD82-3BF8C0CCB759}"/>
+              </a:ext>
+            </a:extLst>
+          </p:cNvPr>
+          <p:cNvSpPr/>
+          <p:nvPr/>
+        </p:nvSpPr>
+        <p:spPr>
+          <a:xfrm>
+            <a:off x="720000" y="1049009"/>
+            <a:ext cx="5760000" cy="108000"/>
+          </a:xfrm>
+          <a:prstGeom prst="rect">
+            <a:avLst/>
+          </a:prstGeom>
+          <a:solidFill>
+            <a:schemeClr val="accent4"/>
+          </a:solidFill>
+          <a:ln>
+            <a:noFill/>
+          </a:ln>
+        </p:spPr>
+        <p:style>
+          <a:lnRef idx="2">
+            <a:schemeClr val="accent1">
+              <a:shade val="50000"/>
+            </a:schemeClr>
+          </a:lnRef>
+          <a:fillRef idx="1">
+            <a:schemeClr val="accent1"/>
+          </a:fillRef>
+          <a:effectRef idx="0">
+            <a:schemeClr val="accent1"/>
+          </a:effectRef>
+          <a:fontRef idx="minor">
+            <a:schemeClr val="lt1"/>
+          </a:fontRef>
+        </p:style>
+        <p:txBody>
+          <a:bodyPr rtlCol="0" anchor="ctr"/>
+          <a:lstStyle/>
+          <a:p>
+            <a:pPr algn="ctr"/>
+            <a:endParaRPr lang="ko-KR" altLang="en-US"/>
+          </a:p>
+        </p:txBody>
+      </p:sp>
+      <p:sp>
+        <p:nvSpPr>
+          <p:cNvPr id="3" name="직사각형 2">
+            <a:extLst>
+              <a:ext uri="{FF2B5EF4-FFF2-40B4-BE49-F238E27FC236}">
+                <a16:creationId xmlns:a16="http://schemas.microsoft.com/office/drawing/2014/main" id="{82363163-7A23-46FA-8BFB-C5C551676293}"/>
+              </a:ext>
+            </a:extLst>
+          </p:cNvPr>
+          <p:cNvSpPr/>
+          <p:nvPr/>
+        </p:nvSpPr>
+        <p:spPr>
+          <a:xfrm>
+            <a:off x="0" y="1049009"/>
+            <a:ext cx="720000" cy="108000"/>
+          </a:xfrm>
+          <a:prstGeom prst="rect">
+            <a:avLst/>
+          </a:prstGeom>
+          <a:solidFill>
+            <a:schemeClr val="accent2"/>
+          </a:solidFill>
+          <a:ln>
+            <a:noFill/>
+          </a:ln>
+        </p:spPr>
+        <p:style>
+          <a:lnRef idx="2">
+            <a:schemeClr val="accent1">
+              <a:shade val="50000"/>
+            </a:schemeClr>
+          </a:lnRef>
+          <a:fillRef idx="1">
+            <a:schemeClr val="accent1"/>
+          </a:fillRef>
+          <a:effectRef idx="0">
+            <a:schemeClr val="accent1"/>
+          </a:effectRef>
+          <a:fontRef idx="minor">
+            <a:schemeClr val="lt1"/>
+          </a:fontRef>
+        </p:style>
+        <p:txBody>
+          <a:bodyPr rtlCol="0" anchor="ctr"/>
+          <a:lstStyle/>
+          <a:p>
+            <a:pPr algn="ctr"/>
+            <a:endParaRPr lang="ko-KR" altLang="en-US"/>
+          </a:p>
+        </p:txBody>
+      </p:sp>
+      <p:sp>
+        <p:nvSpPr>
+          <p:cNvPr id="6" name="직사각형 5">
+            <a:extLst>
+              <a:ext uri="{FF2B5EF4-FFF2-40B4-BE49-F238E27FC236}">
+                <a16:creationId xmlns:a16="http://schemas.microsoft.com/office/drawing/2014/main" id="{E3B80605-1D4E-49F3-BF75-46C8F4FF8F71}"/>
+              </a:ext>
+            </a:extLst>
+          </p:cNvPr>
+          <p:cNvSpPr/>
+          <p:nvPr/>
+        </p:nvSpPr>
+        <p:spPr>
+          <a:xfrm>
+            <a:off x="801330" y="1963426"/>
+            <a:ext cx="2857296" cy="2857296"/>
+          </a:xfrm>
+          <a:prstGeom prst="rect">
+            <a:avLst/>
+          </a:prstGeom>
+          <a:solidFill>
+            <a:schemeClr val="accent2"/>
+          </a:solidFill>
+          <a:ln>
+            <a:noFill/>
+          </a:ln>
+        </p:spPr>
+        <p:style>
+          <a:lnRef idx="2">
+            <a:schemeClr val="accent1">
+              <a:shade val="50000"/>
+            </a:schemeClr>
+          </a:lnRef>
+          <a:fillRef idx="1">
+            <a:schemeClr val="accent1"/>
+          </a:fillRef>
+          <a:effectRef idx="0">
+            <a:schemeClr val="accent1"/>
+          </a:effectRef>
+          <a:fontRef idx="minor">
+            <a:schemeClr val="lt1"/>
+          </a:fontRef>
+        </p:style>
+        <p:txBody>
+          <a:bodyPr rtlCol="0" anchor="ctr"/>
+          <a:lstStyle/>
+          <a:p>
+            <a:pPr algn="ctr"/>
+            <a:r>
+              <a:rPr lang="ko-KR" altLang="en-US" sz="3200" spc="-200" dirty="0">
+                <a:solidFill>
+                  <a:schemeClr val="tx1"/>
+                </a:solidFill>
+              </a:rPr>
+              <a:t>커뮤니티</a:t>
+            </a:r>
+          </a:p>
+        </p:txBody>
+      </p:sp>
+      <p:sp>
+        <p:nvSpPr>
+          <p:cNvPr id="13" name="TextBox 12">
+            <a:extLst>
+              <a:ext uri="{FF2B5EF4-FFF2-40B4-BE49-F238E27FC236}">
+                <a16:creationId xmlns:a16="http://schemas.microsoft.com/office/drawing/2014/main" id="{BEB8420A-8CAE-40B8-AF4F-BE209307EAA9}"/>
+              </a:ext>
+            </a:extLst>
+          </p:cNvPr>
+          <p:cNvSpPr txBox="1"/>
+          <p:nvPr/>
+        </p:nvSpPr>
+        <p:spPr>
+          <a:xfrm>
+            <a:off x="801330" y="4989543"/>
+            <a:ext cx="2865121" cy="307777"/>
+          </a:xfrm>
+          <a:prstGeom prst="rect">
+            <a:avLst/>
+          </a:prstGeom>
+          <a:noFill/>
+        </p:spPr>
+        <p:txBody>
+          <a:bodyPr wrap="square" rtlCol="0">
+            <a:spAutoFit/>
+          </a:bodyPr>
+          <a:lstStyle/>
+          <a:p>
+            <a:pPr algn="ctr"/>
+            <a:r>
+              <a:rPr lang="ko-KR" altLang="en-US" sz="1400" dirty="0">
+                <a:latin typeface="+mn-ea"/>
+              </a:rPr>
+              <a:t>일반적인 글을 다루는 게시판</a:t>
+            </a:r>
+          </a:p>
+        </p:txBody>
+      </p:sp>
+      <p:sp>
+        <p:nvSpPr>
+          <p:cNvPr id="16" name="직사각형 15">
+            <a:extLst>
+              <a:ext uri="{FF2B5EF4-FFF2-40B4-BE49-F238E27FC236}">
+                <a16:creationId xmlns:a16="http://schemas.microsoft.com/office/drawing/2014/main" id="{79B855BF-D9DA-4DCA-8C3B-580B809FB3AD}"/>
+              </a:ext>
+            </a:extLst>
+          </p:cNvPr>
+          <p:cNvSpPr/>
+          <p:nvPr/>
+        </p:nvSpPr>
+        <p:spPr>
+          <a:xfrm>
+            <a:off x="4663440" y="1984860"/>
+            <a:ext cx="2865120" cy="2865120"/>
+          </a:xfrm>
+          <a:prstGeom prst="rect">
+            <a:avLst/>
+          </a:prstGeom>
+          <a:solidFill>
+            <a:schemeClr val="accent2"/>
+          </a:solidFill>
+          <a:ln>
+            <a:noFill/>
+          </a:ln>
+        </p:spPr>
+        <p:style>
+          <a:lnRef idx="2">
+            <a:schemeClr val="accent1">
+              <a:shade val="50000"/>
+            </a:schemeClr>
+          </a:lnRef>
+          <a:fillRef idx="1">
+            <a:schemeClr val="accent1"/>
+          </a:fillRef>
+          <a:effectRef idx="0">
+            <a:schemeClr val="accent1"/>
+          </a:effectRef>
+          <a:fontRef idx="minor">
+            <a:schemeClr val="lt1"/>
+          </a:fontRef>
+        </p:style>
+        <p:txBody>
+          <a:bodyPr rtlCol="0" anchor="ctr"/>
+          <a:lstStyle/>
+          <a:p>
+            <a:pPr algn="ctr"/>
+            <a:r>
+              <a:rPr lang="ko-KR" altLang="en-US" sz="3200" spc="-200" dirty="0">
+                <a:solidFill>
+                  <a:schemeClr val="tx1"/>
+                </a:solidFill>
+              </a:rPr>
+              <a:t>사진 자랑</a:t>
+            </a:r>
+            <a:endParaRPr lang="ko-KR" altLang="en-US" sz="3200" dirty="0"/>
+          </a:p>
+        </p:txBody>
+      </p:sp>
+      <p:sp>
+        <p:nvSpPr>
+          <p:cNvPr id="18" name="TextBox 17">
+            <a:extLst>
+              <a:ext uri="{FF2B5EF4-FFF2-40B4-BE49-F238E27FC236}">
+                <a16:creationId xmlns:a16="http://schemas.microsoft.com/office/drawing/2014/main" id="{525A953E-C6F0-4D1F-96F9-EB846842787C}"/>
+              </a:ext>
+            </a:extLst>
+          </p:cNvPr>
+          <p:cNvSpPr txBox="1"/>
+          <p:nvPr/>
+        </p:nvSpPr>
+        <p:spPr>
+          <a:xfrm>
+            <a:off x="4663439" y="4989543"/>
+            <a:ext cx="2865121" cy="307777"/>
+          </a:xfrm>
+          <a:prstGeom prst="rect">
+            <a:avLst/>
+          </a:prstGeom>
+          <a:noFill/>
+        </p:spPr>
+        <p:txBody>
+          <a:bodyPr wrap="square" rtlCol="0">
+            <a:spAutoFit/>
+          </a:bodyPr>
+          <a:lstStyle/>
+          <a:p>
+            <a:pPr algn="ctr"/>
+            <a:r>
+              <a:rPr lang="ko-KR" altLang="en-US" sz="1400" dirty="0">
+                <a:latin typeface="+mn-ea"/>
+              </a:rPr>
+              <a:t>애완 동물의 사진을 자랑하는 게시판</a:t>
+            </a:r>
+          </a:p>
+        </p:txBody>
+      </p:sp>
+      <p:sp>
+        <p:nvSpPr>
+          <p:cNvPr id="20" name="직사각형 19">
+            <a:extLst>
+              <a:ext uri="{FF2B5EF4-FFF2-40B4-BE49-F238E27FC236}">
+                <a16:creationId xmlns:a16="http://schemas.microsoft.com/office/drawing/2014/main" id="{46AF84B2-8495-4833-89FB-8C7E41356CCD}"/>
+              </a:ext>
+            </a:extLst>
+          </p:cNvPr>
+          <p:cNvSpPr/>
+          <p:nvPr/>
+        </p:nvSpPr>
+        <p:spPr>
+          <a:xfrm>
+            <a:off x="8533373" y="1984860"/>
+            <a:ext cx="2865120" cy="2865120"/>
+          </a:xfrm>
+          <a:prstGeom prst="rect">
+            <a:avLst/>
+          </a:prstGeom>
+          <a:solidFill>
+            <a:schemeClr val="accent2"/>
+          </a:solidFill>
+          <a:ln>
+            <a:noFill/>
+          </a:ln>
+        </p:spPr>
+        <p:style>
+          <a:lnRef idx="2">
+            <a:schemeClr val="accent1">
+              <a:shade val="50000"/>
+            </a:schemeClr>
+          </a:lnRef>
+          <a:fillRef idx="1">
+            <a:schemeClr val="accent1"/>
+          </a:fillRef>
+          <a:effectRef idx="0">
+            <a:schemeClr val="accent1"/>
+          </a:effectRef>
+          <a:fontRef idx="minor">
+            <a:schemeClr val="lt1"/>
+          </a:fontRef>
+        </p:style>
+        <p:txBody>
+          <a:bodyPr rtlCol="0" anchor="ctr"/>
+          <a:lstStyle/>
+          <a:p>
+            <a:pPr algn="ctr"/>
+            <a:r>
+              <a:rPr lang="ko-KR" altLang="en-US" sz="3200" spc="-200" dirty="0">
+                <a:solidFill>
+                  <a:schemeClr val="tx1"/>
+                </a:solidFill>
+              </a:rPr>
+              <a:t>펫 모임</a:t>
+            </a:r>
+            <a:endParaRPr lang="ko-KR" altLang="en-US" sz="3200" dirty="0"/>
+          </a:p>
+        </p:txBody>
+      </p:sp>
+      <p:sp>
+        <p:nvSpPr>
+          <p:cNvPr id="31" name="TextBox 30">
+            <a:extLst>
+              <a:ext uri="{FF2B5EF4-FFF2-40B4-BE49-F238E27FC236}">
+                <a16:creationId xmlns:a16="http://schemas.microsoft.com/office/drawing/2014/main" id="{2B03C890-F304-BCF3-B32C-F84FA2D1477F}"/>
+              </a:ext>
+            </a:extLst>
+          </p:cNvPr>
+          <p:cNvSpPr txBox="1"/>
+          <p:nvPr/>
+        </p:nvSpPr>
+        <p:spPr>
+          <a:xfrm>
+            <a:off x="720000" y="121920"/>
+            <a:ext cx="1923925" cy="584775"/>
+          </a:xfrm>
+          <a:prstGeom prst="rect">
+            <a:avLst/>
+          </a:prstGeom>
+          <a:noFill/>
+        </p:spPr>
+        <p:txBody>
+          <a:bodyPr wrap="none" rtlCol="0">
+            <a:spAutoFit/>
+          </a:bodyPr>
+          <a:lstStyle/>
+          <a:p>
+            <a:r>
+              <a:rPr lang="ko-KR" altLang="en-US" sz="3200" spc="-300" dirty="0">
+                <a:solidFill>
+                  <a:schemeClr val="accent4">
+                    <a:lumMod val="50000"/>
+                  </a:schemeClr>
+                </a:solidFill>
+              </a:rPr>
+              <a:t>페이지 설명</a:t>
+            </a:r>
+          </a:p>
+        </p:txBody>
+      </p:sp>
+      <p:sp>
+        <p:nvSpPr>
+          <p:cNvPr id="32" name="TextBox 31">
+            <a:extLst>
+              <a:ext uri="{FF2B5EF4-FFF2-40B4-BE49-F238E27FC236}">
+                <a16:creationId xmlns:a16="http://schemas.microsoft.com/office/drawing/2014/main" id="{7CD6ED04-1266-D790-3BBD-E104F613C70B}"/>
+              </a:ext>
+            </a:extLst>
+          </p:cNvPr>
+          <p:cNvSpPr txBox="1"/>
+          <p:nvPr/>
+        </p:nvSpPr>
+        <p:spPr>
+          <a:xfrm>
+            <a:off x="720000" y="629175"/>
+            <a:ext cx="2608406" cy="307777"/>
+          </a:xfrm>
+          <a:prstGeom prst="rect">
+            <a:avLst/>
+          </a:prstGeom>
+          <a:noFill/>
+        </p:spPr>
+        <p:txBody>
+          <a:bodyPr wrap="none" rtlCol="0">
+            <a:spAutoFit/>
+          </a:bodyPr>
+          <a:lstStyle/>
+          <a:p>
+            <a:r>
+              <a:rPr lang="ko-KR" altLang="en-US" sz="1400" dirty="0">
+                <a:solidFill>
+                  <a:schemeClr val="accent4">
+                    <a:lumMod val="50000"/>
+                  </a:schemeClr>
+                </a:solidFill>
+              </a:rPr>
+              <a:t>카테고리별 페이지의 간략한 설명</a:t>
+            </a:r>
+          </a:p>
+        </p:txBody>
+      </p:sp>
+      <p:sp>
+        <p:nvSpPr>
+          <p:cNvPr id="33" name="TextBox 32">
+            <a:extLst>
+              <a:ext uri="{FF2B5EF4-FFF2-40B4-BE49-F238E27FC236}">
+                <a16:creationId xmlns:a16="http://schemas.microsoft.com/office/drawing/2014/main" id="{0411F455-0E35-B4C9-1CA8-491507C95D30}"/>
+              </a:ext>
+            </a:extLst>
+          </p:cNvPr>
+          <p:cNvSpPr txBox="1"/>
+          <p:nvPr/>
+        </p:nvSpPr>
+        <p:spPr>
+          <a:xfrm>
+            <a:off x="185879" y="46855"/>
+            <a:ext cx="548548" cy="830997"/>
+          </a:xfrm>
+          <a:prstGeom prst="rect">
+            <a:avLst/>
+          </a:prstGeom>
+          <a:noFill/>
+        </p:spPr>
+        <p:txBody>
+          <a:bodyPr wrap="none" rtlCol="0">
+            <a:spAutoFit/>
+          </a:bodyPr>
+          <a:lstStyle/>
+          <a:p>
+            <a:r>
+              <a:rPr lang="en-US" altLang="ko-KR" sz="4800" b="1" dirty="0">
+                <a:solidFill>
+                  <a:schemeClr val="accent4"/>
+                </a:solidFill>
+              </a:rPr>
+              <a:t>3</a:t>
+            </a:r>
+            <a:endParaRPr lang="ko-KR" altLang="en-US" sz="4800" b="1" dirty="0">
+              <a:solidFill>
+                <a:schemeClr val="accent4"/>
+              </a:solidFill>
+            </a:endParaRPr>
+          </a:p>
+        </p:txBody>
+      </p:sp>
+      <p:sp>
+        <p:nvSpPr>
+          <p:cNvPr id="34" name="TextBox 33">
+            <a:extLst>
+              <a:ext uri="{FF2B5EF4-FFF2-40B4-BE49-F238E27FC236}">
+                <a16:creationId xmlns:a16="http://schemas.microsoft.com/office/drawing/2014/main" id="{41B1F20C-35D2-93B6-40B3-936A202187C7}"/>
+              </a:ext>
+            </a:extLst>
+          </p:cNvPr>
+          <p:cNvSpPr txBox="1"/>
+          <p:nvPr/>
+        </p:nvSpPr>
+        <p:spPr>
+          <a:xfrm>
+            <a:off x="8533373" y="4989543"/>
+            <a:ext cx="2865121" cy="523220"/>
+          </a:xfrm>
+          <a:prstGeom prst="rect">
+            <a:avLst/>
+          </a:prstGeom>
+          <a:noFill/>
+        </p:spPr>
+        <p:txBody>
+          <a:bodyPr wrap="square" rtlCol="0">
+            <a:spAutoFit/>
+          </a:bodyPr>
+          <a:lstStyle/>
+          <a:p>
+            <a:pPr algn="ctr"/>
+            <a:r>
+              <a:rPr lang="ko-KR" altLang="en-US" sz="1400" dirty="0">
+                <a:latin typeface="+mn-ea"/>
+              </a:rPr>
+              <a:t>펫 모임을 인원을 모집하기 위하여</a:t>
+            </a:r>
+            <a:endParaRPr lang="en-US" altLang="ko-KR" sz="1400" dirty="0">
+              <a:latin typeface="+mn-ea"/>
+            </a:endParaRPr>
+          </a:p>
+          <a:p>
+            <a:pPr algn="ctr"/>
+            <a:r>
+              <a:rPr lang="ko-KR" altLang="en-US" sz="1400" dirty="0">
+                <a:latin typeface="+mn-ea"/>
+              </a:rPr>
+              <a:t>모임의 정보를 다루는 게시판</a:t>
+            </a:r>
+          </a:p>
+        </p:txBody>
+      </p:sp>
+    </p:spTree>
+    <p:extLst>
+      <p:ext uri="{BB962C8B-B14F-4D97-AF65-F5344CB8AC3E}">
+        <p14:creationId xmlns:p14="http://schemas.microsoft.com/office/powerpoint/2010/main" val="1755158759"/>
+      </p:ext>
+    </p:extLst>
+  </p:cSld>
+  <p:clrMapOvr>
+    <a:masterClrMapping/>
+  </p:clrMapOvr>
+  <mc:AlternateContent xmlns:mc="http://schemas.openxmlformats.org/markup-compatibility/2006" xmlns:p14="http://schemas.microsoft.com/office/powerpoint/2010/main">
+    <mc:Choice Requires="p14">
+      <p:transition spd="med" p14:dur="700">
+        <p:fade/>
+      </p:transition>
+    </mc:Choice>
+    <mc:Fallback xmlns="">
+      <p:transition spd="med">
+        <p:fade/>
+      </p:transition>
+    </mc:Fallback>
+  </mc:AlternateContent>
+</p:sld>
+</file>
+
 <file path=ppt/slides/slide6.xml><?xml version="1.0" encoding="utf-8"?>
 <p:sld xmlns:a="http://schemas.openxmlformats.org/drawingml/2006/main" xmlns:r="http://schemas.openxmlformats.org/officeDocument/2006/relationships" xmlns:p="http://schemas.openxmlformats.org/presentationml/2006/main">
   <p:cSld>
@@ -6443,7 +8061,7 @@
           <p:cNvPr id="2" name="직사각형 1">
             <a:extLst>
               <a:ext uri="{FF2B5EF4-FFF2-40B4-BE49-F238E27FC236}">
-                <a16:creationId xmlns:a16="http://schemas.microsoft.com/office/drawing/2014/main" id="{FD27475A-FB44-45B8-A8EA-787D9F9F89C1}"/>
+                <a16:creationId xmlns:a16="http://schemas.microsoft.com/office/drawing/2014/main" id="{B1985EEF-2AD8-452A-AD82-3BF8C0CCB759}"/>
               </a:ext>
             </a:extLst>
           </p:cNvPr>
@@ -6452,14 +8070,14 @@
         </p:nvSpPr>
         <p:spPr>
           <a:xfrm>
-            <a:off x="894080" y="955040"/>
-            <a:ext cx="5029200" cy="5029200"/>
+            <a:off x="720000" y="1049009"/>
+            <a:ext cx="5760000" cy="108000"/>
           </a:xfrm>
           <a:prstGeom prst="rect">
             <a:avLst/>
           </a:prstGeom>
           <a:solidFill>
-            <a:srgbClr val="FDDE45"/>
+            <a:schemeClr val="accent4"/>
           </a:solidFill>
           <a:ln>
             <a:noFill/>
@@ -6495,7 +8113,7 @@
           <p:cNvPr id="3" name="직사각형 2">
             <a:extLst>
               <a:ext uri="{FF2B5EF4-FFF2-40B4-BE49-F238E27FC236}">
-                <a16:creationId xmlns:a16="http://schemas.microsoft.com/office/drawing/2014/main" id="{8F1EF4E5-8B6C-4044-98D4-4CE9EBEEE068}"/>
+                <a16:creationId xmlns:a16="http://schemas.microsoft.com/office/drawing/2014/main" id="{82363163-7A23-46FA-8BFB-C5C551676293}"/>
               </a:ext>
             </a:extLst>
           </p:cNvPr>
@@ -6504,14 +8122,14 @@
         </p:nvSpPr>
         <p:spPr>
           <a:xfrm>
-            <a:off x="3972560" y="1412240"/>
-            <a:ext cx="2824480" cy="2824480"/>
+            <a:off x="0" y="1049009"/>
+            <a:ext cx="720000" cy="108000"/>
           </a:xfrm>
           <a:prstGeom prst="rect">
             <a:avLst/>
           </a:prstGeom>
           <a:solidFill>
-            <a:srgbClr val="A6A7A9"/>
+            <a:schemeClr val="accent2"/>
           </a:solidFill>
           <a:ln>
             <a:noFill/>
@@ -6544,10 +8162,69 @@
       </p:sp>
       <p:sp>
         <p:nvSpPr>
-          <p:cNvPr id="4" name="TextBox 3">
-            <a:extLst>
-              <a:ext uri="{FF2B5EF4-FFF2-40B4-BE49-F238E27FC236}">
-                <a16:creationId xmlns:a16="http://schemas.microsoft.com/office/drawing/2014/main" id="{C4076CC6-2716-492F-97EA-92157CB90CF8}"/>
+          <p:cNvPr id="6" name="직사각형 5">
+            <a:extLst>
+              <a:ext uri="{FF2B5EF4-FFF2-40B4-BE49-F238E27FC236}">
+                <a16:creationId xmlns:a16="http://schemas.microsoft.com/office/drawing/2014/main" id="{E3B80605-1D4E-49F3-BF75-46C8F4FF8F71}"/>
+              </a:ext>
+            </a:extLst>
+          </p:cNvPr>
+          <p:cNvSpPr/>
+          <p:nvPr/>
+        </p:nvSpPr>
+        <p:spPr>
+          <a:xfrm>
+            <a:off x="801330" y="1963426"/>
+            <a:ext cx="2857296" cy="2857296"/>
+          </a:xfrm>
+          <a:prstGeom prst="rect">
+            <a:avLst/>
+          </a:prstGeom>
+          <a:solidFill>
+            <a:schemeClr val="accent2"/>
+          </a:solidFill>
+          <a:ln>
+            <a:noFill/>
+          </a:ln>
+        </p:spPr>
+        <p:style>
+          <a:lnRef idx="2">
+            <a:schemeClr val="accent1">
+              <a:shade val="50000"/>
+            </a:schemeClr>
+          </a:lnRef>
+          <a:fillRef idx="1">
+            <a:schemeClr val="accent1"/>
+          </a:fillRef>
+          <a:effectRef idx="0">
+            <a:schemeClr val="accent1"/>
+          </a:effectRef>
+          <a:fontRef idx="minor">
+            <a:schemeClr val="lt1"/>
+          </a:fontRef>
+        </p:style>
+        <p:txBody>
+          <a:bodyPr rtlCol="0" anchor="ctr"/>
+          <a:lstStyle/>
+          <a:p>
+            <a:pPr algn="ctr"/>
+            <a:r>
+              <a:rPr lang="ko-KR" altLang="en-US" sz="3200" spc="-200" dirty="0">
+                <a:solidFill>
+                  <a:schemeClr val="tx1"/>
+                </a:solidFill>
+              </a:rPr>
+              <a:t>간식 레시피</a:t>
+            </a:r>
+          </a:p>
+        </p:txBody>
+      </p:sp>
+      <p:sp>
+        <p:nvSpPr>
+          <p:cNvPr id="13" name="TextBox 12">
+            <a:extLst>
+              <a:ext uri="{FF2B5EF4-FFF2-40B4-BE49-F238E27FC236}">
+                <a16:creationId xmlns:a16="http://schemas.microsoft.com/office/drawing/2014/main" id="{BEB8420A-8CAE-40B8-AF4F-BE209307EAA9}"/>
               </a:ext>
             </a:extLst>
           </p:cNvPr>
@@ -6556,8 +8233,8 @@
         </p:nvSpPr>
         <p:spPr>
           <a:xfrm>
-            <a:off x="7670800" y="2418080"/>
-            <a:ext cx="1851789" cy="646331"/>
+            <a:off x="801330" y="4989543"/>
+            <a:ext cx="2865121" cy="523220"/>
           </a:xfrm>
           <a:prstGeom prst="rect">
             <a:avLst/>
@@ -6565,30 +8242,266 @@
           <a:noFill/>
         </p:spPr>
         <p:txBody>
+          <a:bodyPr wrap="square" rtlCol="0">
+            <a:spAutoFit/>
+          </a:bodyPr>
+          <a:lstStyle/>
+          <a:p>
+            <a:pPr algn="ctr"/>
+            <a:r>
+              <a:rPr lang="ko-KR" altLang="en-US" sz="1400" dirty="0">
+                <a:latin typeface="+mn-ea"/>
+              </a:rPr>
+              <a:t>애완 동물의 간식을 만들기 위한</a:t>
+            </a:r>
+            <a:endParaRPr lang="en-US" altLang="ko-KR" sz="1400" dirty="0">
+              <a:latin typeface="+mn-ea"/>
+            </a:endParaRPr>
+          </a:p>
+          <a:p>
+            <a:pPr algn="ctr"/>
+            <a:r>
+              <a:rPr lang="ko-KR" altLang="en-US" sz="1400" dirty="0">
+                <a:latin typeface="+mn-ea"/>
+              </a:rPr>
+              <a:t>레시피에 대한 정보를 다루는 게시판</a:t>
+            </a:r>
+          </a:p>
+        </p:txBody>
+      </p:sp>
+      <p:sp>
+        <p:nvSpPr>
+          <p:cNvPr id="16" name="직사각형 15">
+            <a:extLst>
+              <a:ext uri="{FF2B5EF4-FFF2-40B4-BE49-F238E27FC236}">
+                <a16:creationId xmlns:a16="http://schemas.microsoft.com/office/drawing/2014/main" id="{79B855BF-D9DA-4DCA-8C3B-580B809FB3AD}"/>
+              </a:ext>
+            </a:extLst>
+          </p:cNvPr>
+          <p:cNvSpPr/>
+          <p:nvPr/>
+        </p:nvSpPr>
+        <p:spPr>
+          <a:xfrm>
+            <a:off x="4663440" y="1984860"/>
+            <a:ext cx="2865120" cy="2865120"/>
+          </a:xfrm>
+          <a:prstGeom prst="rect">
+            <a:avLst/>
+          </a:prstGeom>
+          <a:solidFill>
+            <a:schemeClr val="accent2"/>
+          </a:solidFill>
+          <a:ln>
+            <a:noFill/>
+          </a:ln>
+        </p:spPr>
+        <p:style>
+          <a:lnRef idx="2">
+            <a:schemeClr val="accent1">
+              <a:shade val="50000"/>
+            </a:schemeClr>
+          </a:lnRef>
+          <a:fillRef idx="1">
+            <a:schemeClr val="accent1"/>
+          </a:fillRef>
+          <a:effectRef idx="0">
+            <a:schemeClr val="accent1"/>
+          </a:effectRef>
+          <a:fontRef idx="minor">
+            <a:schemeClr val="lt1"/>
+          </a:fontRef>
+        </p:style>
+        <p:txBody>
+          <a:bodyPr rtlCol="0" anchor="ctr"/>
+          <a:lstStyle/>
+          <a:p>
+            <a:pPr algn="ctr"/>
+            <a:r>
+              <a:rPr lang="ko-KR" altLang="en-US" sz="3200" spc="-200" dirty="0">
+                <a:solidFill>
+                  <a:schemeClr val="tx1"/>
+                </a:solidFill>
+              </a:rPr>
+              <a:t>주의 식품</a:t>
+            </a:r>
+            <a:endParaRPr lang="ko-KR" altLang="en-US" sz="3200" dirty="0"/>
+          </a:p>
+        </p:txBody>
+      </p:sp>
+      <p:sp>
+        <p:nvSpPr>
+          <p:cNvPr id="18" name="TextBox 17">
+            <a:extLst>
+              <a:ext uri="{FF2B5EF4-FFF2-40B4-BE49-F238E27FC236}">
+                <a16:creationId xmlns:a16="http://schemas.microsoft.com/office/drawing/2014/main" id="{525A953E-C6F0-4D1F-96F9-EB846842787C}"/>
+              </a:ext>
+            </a:extLst>
+          </p:cNvPr>
+          <p:cNvSpPr txBox="1"/>
+          <p:nvPr/>
+        </p:nvSpPr>
+        <p:spPr>
+          <a:xfrm>
+            <a:off x="4663439" y="4989543"/>
+            <a:ext cx="2865121" cy="523220"/>
+          </a:xfrm>
+          <a:prstGeom prst="rect">
+            <a:avLst/>
+          </a:prstGeom>
+          <a:noFill/>
+        </p:spPr>
+        <p:txBody>
+          <a:bodyPr wrap="square" rtlCol="0">
+            <a:spAutoFit/>
+          </a:bodyPr>
+          <a:lstStyle/>
+          <a:p>
+            <a:pPr algn="ctr"/>
+            <a:r>
+              <a:rPr lang="ko-KR" altLang="en-US" sz="1400" dirty="0">
+                <a:latin typeface="+mn-ea"/>
+              </a:rPr>
+              <a:t>애완 동물이 주의해야 할 음식의</a:t>
+            </a:r>
+            <a:endParaRPr lang="en-US" altLang="ko-KR" sz="1400" dirty="0">
+              <a:latin typeface="+mn-ea"/>
+            </a:endParaRPr>
+          </a:p>
+          <a:p>
+            <a:pPr algn="ctr"/>
+            <a:r>
+              <a:rPr lang="ko-KR" altLang="en-US" sz="1400" dirty="0">
+                <a:latin typeface="+mn-ea"/>
+              </a:rPr>
+              <a:t>정보를 다루는 게시판</a:t>
+            </a:r>
+          </a:p>
+        </p:txBody>
+      </p:sp>
+      <p:sp>
+        <p:nvSpPr>
+          <p:cNvPr id="20" name="직사각형 19">
+            <a:extLst>
+              <a:ext uri="{FF2B5EF4-FFF2-40B4-BE49-F238E27FC236}">
+                <a16:creationId xmlns:a16="http://schemas.microsoft.com/office/drawing/2014/main" id="{46AF84B2-8495-4833-89FB-8C7E41356CCD}"/>
+              </a:ext>
+            </a:extLst>
+          </p:cNvPr>
+          <p:cNvSpPr/>
+          <p:nvPr/>
+        </p:nvSpPr>
+        <p:spPr>
+          <a:xfrm>
+            <a:off x="8533373" y="1984860"/>
+            <a:ext cx="2865120" cy="2865120"/>
+          </a:xfrm>
+          <a:prstGeom prst="rect">
+            <a:avLst/>
+          </a:prstGeom>
+          <a:solidFill>
+            <a:schemeClr val="accent2"/>
+          </a:solidFill>
+          <a:ln>
+            <a:noFill/>
+          </a:ln>
+        </p:spPr>
+        <p:style>
+          <a:lnRef idx="2">
+            <a:schemeClr val="accent1">
+              <a:shade val="50000"/>
+            </a:schemeClr>
+          </a:lnRef>
+          <a:fillRef idx="1">
+            <a:schemeClr val="accent1"/>
+          </a:fillRef>
+          <a:effectRef idx="0">
+            <a:schemeClr val="accent1"/>
+          </a:effectRef>
+          <a:fontRef idx="minor">
+            <a:schemeClr val="lt1"/>
+          </a:fontRef>
+        </p:style>
+        <p:txBody>
+          <a:bodyPr rtlCol="0" anchor="ctr"/>
+          <a:lstStyle/>
+          <a:p>
+            <a:pPr algn="ctr"/>
+            <a:r>
+              <a:rPr lang="ko-KR" altLang="en-US" sz="3200" spc="-200" dirty="0">
+                <a:solidFill>
+                  <a:schemeClr val="tx1"/>
+                </a:solidFill>
+              </a:rPr>
+              <a:t>문의사항</a:t>
+            </a:r>
+            <a:endParaRPr lang="en-US" altLang="ko-KR" sz="3200" spc="-200" dirty="0">
+              <a:solidFill>
+                <a:schemeClr val="tx1"/>
+              </a:solidFill>
+            </a:endParaRPr>
+          </a:p>
+          <a:p>
+            <a:pPr algn="ctr"/>
+            <a:r>
+              <a:rPr lang="en-US" altLang="ko-KR" sz="3200" spc="-200" dirty="0">
+                <a:solidFill>
+                  <a:schemeClr val="tx1"/>
+                </a:solidFill>
+              </a:rPr>
+              <a:t>FAQ</a:t>
+            </a:r>
+            <a:endParaRPr lang="ko-KR" altLang="en-US" sz="3200" dirty="0"/>
+          </a:p>
+        </p:txBody>
+      </p:sp>
+      <p:sp>
+        <p:nvSpPr>
+          <p:cNvPr id="31" name="TextBox 30">
+            <a:extLst>
+              <a:ext uri="{FF2B5EF4-FFF2-40B4-BE49-F238E27FC236}">
+                <a16:creationId xmlns:a16="http://schemas.microsoft.com/office/drawing/2014/main" id="{2B03C890-F304-BCF3-B32C-F84FA2D1477F}"/>
+              </a:ext>
+            </a:extLst>
+          </p:cNvPr>
+          <p:cNvSpPr txBox="1"/>
+          <p:nvPr/>
+        </p:nvSpPr>
+        <p:spPr>
+          <a:xfrm>
+            <a:off x="720000" y="121920"/>
+            <a:ext cx="1923925" cy="584775"/>
+          </a:xfrm>
+          <a:prstGeom prst="rect">
+            <a:avLst/>
+          </a:prstGeom>
+          <a:noFill/>
+        </p:spPr>
+        <p:txBody>
           <a:bodyPr wrap="none" rtlCol="0">
             <a:spAutoFit/>
           </a:bodyPr>
           <a:lstStyle/>
           <a:p>
             <a:r>
-              <a:rPr lang="ko-KR" altLang="en-US" sz="3600" spc="-200" dirty="0">
+              <a:rPr lang="ko-KR" altLang="en-US" sz="3200" spc="-300" dirty="0">
                 <a:solidFill>
                   <a:schemeClr val="accent4">
                     <a:lumMod val="50000"/>
                   </a:schemeClr>
                 </a:solidFill>
               </a:rPr>
-              <a:t>개발 흐름</a:t>
-            </a:r>
-          </a:p>
-        </p:txBody>
-      </p:sp>
-      <p:sp>
-        <p:nvSpPr>
-          <p:cNvPr id="6" name="TextBox 5">
-            <a:extLst>
-              <a:ext uri="{FF2B5EF4-FFF2-40B4-BE49-F238E27FC236}">
-                <a16:creationId xmlns:a16="http://schemas.microsoft.com/office/drawing/2014/main" id="{2D4C1339-7D13-4386-965C-3402B66819A8}"/>
+              <a:t>페이지 설명</a:t>
+            </a:r>
+          </a:p>
+        </p:txBody>
+      </p:sp>
+      <p:sp>
+        <p:nvSpPr>
+          <p:cNvPr id="32" name="TextBox 31">
+            <a:extLst>
+              <a:ext uri="{FF2B5EF4-FFF2-40B4-BE49-F238E27FC236}">
+                <a16:creationId xmlns:a16="http://schemas.microsoft.com/office/drawing/2014/main" id="{7CD6ED04-1266-D790-3BBD-E104F613C70B}"/>
               </a:ext>
             </a:extLst>
           </p:cNvPr>
@@ -6597,8 +8510,8 @@
         </p:nvSpPr>
         <p:spPr>
           <a:xfrm>
-            <a:off x="7670800" y="3100308"/>
-            <a:ext cx="3957320" cy="369332"/>
+            <a:off x="720000" y="629175"/>
+            <a:ext cx="2608406" cy="307777"/>
           </a:xfrm>
           <a:prstGeom prst="rect">
             <a:avLst/>
@@ -6606,37 +8519,30 @@
           <a:noFill/>
         </p:spPr>
         <p:txBody>
-          <a:bodyPr wrap="square">
+          <a:bodyPr wrap="none" rtlCol="0">
             <a:spAutoFit/>
           </a:bodyPr>
           <a:lstStyle/>
           <a:p>
             <a:r>
-              <a:rPr lang="ko-KR" altLang="en-US" dirty="0">
+              <a:rPr lang="ko-KR" altLang="en-US" sz="1400" dirty="0">
                 <a:solidFill>
                   <a:schemeClr val="accent4">
                     <a:lumMod val="50000"/>
                   </a:schemeClr>
                 </a:solidFill>
               </a:rPr>
-              <a:t>개발의 진행 순서</a:t>
-            </a:r>
-            <a:endParaRPr lang="ko-KR" altLang="en-US" sz="1800" dirty="0">
-              <a:solidFill>
-                <a:schemeClr val="accent4">
-                  <a:lumMod val="50000"/>
-                </a:schemeClr>
-              </a:solidFill>
-            </a:endParaRPr>
-          </a:p>
-        </p:txBody>
-      </p:sp>
-      <p:sp>
-        <p:nvSpPr>
-          <p:cNvPr id="7" name="TextBox 6">
-            <a:extLst>
-              <a:ext uri="{FF2B5EF4-FFF2-40B4-BE49-F238E27FC236}">
-                <a16:creationId xmlns:a16="http://schemas.microsoft.com/office/drawing/2014/main" id="{ECB23695-8A31-40A6-B134-9546AED4FADD}"/>
+              <a:t>카테고리별 페이지의 간략한 설명</a:t>
+            </a:r>
+          </a:p>
+        </p:txBody>
+      </p:sp>
+      <p:sp>
+        <p:nvSpPr>
+          <p:cNvPr id="33" name="TextBox 32">
+            <a:extLst>
+              <a:ext uri="{FF2B5EF4-FFF2-40B4-BE49-F238E27FC236}">
+                <a16:creationId xmlns:a16="http://schemas.microsoft.com/office/drawing/2014/main" id="{0411F455-0E35-B4C9-1CA8-491507C95D30}"/>
               </a:ext>
             </a:extLst>
           </p:cNvPr>
@@ -6645,8 +8551,8 @@
         </p:nvSpPr>
         <p:spPr>
           <a:xfrm>
-            <a:off x="6027376" y="1633249"/>
-            <a:ext cx="684803" cy="1107996"/>
+            <a:off x="185879" y="46855"/>
+            <a:ext cx="548548" cy="830997"/>
           </a:xfrm>
           <a:prstGeom prst="rect">
             <a:avLst/>
@@ -6660,55 +8566,99 @@
           <a:lstStyle/>
           <a:p>
             <a:r>
-              <a:rPr lang="en-US" altLang="ko-KR" sz="6600" b="1" dirty="0">
+              <a:rPr lang="en-US" altLang="ko-KR" sz="4800" b="1" dirty="0">
                 <a:solidFill>
-                  <a:srgbClr val="FAE100"/>
+                  <a:schemeClr val="accent4"/>
                 </a:solidFill>
               </a:rPr>
-              <a:t>2</a:t>
-            </a:r>
-            <a:endParaRPr lang="ko-KR" altLang="en-US" sz="6600" b="1" dirty="0">
+              <a:t>3</a:t>
+            </a:r>
+            <a:endParaRPr lang="ko-KR" altLang="en-US" sz="4800" b="1" dirty="0">
               <a:solidFill>
-                <a:srgbClr val="FAE100"/>
+                <a:schemeClr val="accent4"/>
               </a:solidFill>
             </a:endParaRPr>
           </a:p>
         </p:txBody>
       </p:sp>
-      <p:pic>
-        <p:nvPicPr>
-          <p:cNvPr id="5" name="그림 4">
-            <a:extLst>
-              <a:ext uri="{FF2B5EF4-FFF2-40B4-BE49-F238E27FC236}">
-                <a16:creationId xmlns:a16="http://schemas.microsoft.com/office/drawing/2014/main" id="{80A10CF8-FFE4-669B-D6FF-6DBCC3765F6E}"/>
-              </a:ext>
-            </a:extLst>
-          </p:cNvPr>
-          <p:cNvPicPr>
-            <a:picLocks noChangeAspect="1"/>
-          </p:cNvPicPr>
+      <p:sp>
+        <p:nvSpPr>
+          <p:cNvPr id="34" name="TextBox 33">
+            <a:extLst>
+              <a:ext uri="{FF2B5EF4-FFF2-40B4-BE49-F238E27FC236}">
+                <a16:creationId xmlns:a16="http://schemas.microsoft.com/office/drawing/2014/main" id="{41B1F20C-35D2-93B6-40B3-936A202187C7}"/>
+              </a:ext>
+            </a:extLst>
+          </p:cNvPr>
+          <p:cNvSpPr txBox="1"/>
           <p:nvPr/>
-        </p:nvPicPr>
-        <p:blipFill>
-          <a:blip r:embed="rId2"/>
-          <a:stretch>
-            <a:fillRect/>
-          </a:stretch>
-        </p:blipFill>
-        <p:spPr>
-          <a:xfrm>
-            <a:off x="-3753779" y="0"/>
-            <a:ext cx="3708074" cy="3687679"/>
+        </p:nvSpPr>
+        <p:spPr>
+          <a:xfrm>
+            <a:off x="8533373" y="4989543"/>
+            <a:ext cx="2865121" cy="738664"/>
           </a:xfrm>
           <a:prstGeom prst="rect">
             <a:avLst/>
           </a:prstGeom>
-        </p:spPr>
-      </p:pic>
+          <a:noFill/>
+        </p:spPr>
+        <p:txBody>
+          <a:bodyPr wrap="square" rtlCol="0">
+            <a:spAutoFit/>
+          </a:bodyPr>
+          <a:lstStyle/>
+          <a:p>
+            <a:pPr algn="ctr"/>
+            <a:r>
+              <a:rPr lang="ko-KR" altLang="en-US" sz="1400" dirty="0">
+                <a:latin typeface="+mn-ea"/>
+              </a:rPr>
+              <a:t>사이트에 대한 문의사항을</a:t>
+            </a:r>
+            <a:endParaRPr lang="en-US" altLang="ko-KR" sz="1400" dirty="0">
+              <a:latin typeface="+mn-ea"/>
+            </a:endParaRPr>
+          </a:p>
+          <a:p>
+            <a:pPr algn="ctr"/>
+            <a:r>
+              <a:rPr lang="ko-KR" altLang="en-US" sz="1400" dirty="0">
+                <a:latin typeface="+mn-ea"/>
+              </a:rPr>
+              <a:t>다루는</a:t>
+            </a:r>
+            <a:r>
+              <a:rPr lang="en-US" altLang="ko-KR" sz="1400" dirty="0">
+                <a:latin typeface="+mn-ea"/>
+              </a:rPr>
+              <a:t> </a:t>
+            </a:r>
+            <a:r>
+              <a:rPr lang="ko-KR" altLang="en-US" sz="1400" dirty="0">
+                <a:latin typeface="+mn-ea"/>
+              </a:rPr>
+              <a:t>게시판</a:t>
+            </a:r>
+            <a:endParaRPr lang="en-US" altLang="ko-KR" sz="1400" dirty="0">
+              <a:latin typeface="+mn-ea"/>
+            </a:endParaRPr>
+          </a:p>
+          <a:p>
+            <a:pPr algn="ctr"/>
+            <a:r>
+              <a:rPr lang="ko-KR" altLang="en-US" sz="1400" dirty="0">
+                <a:latin typeface="+mn-ea"/>
+              </a:rPr>
+              <a:t>자주 묻는 질문들을 다루는 게시판</a:t>
+            </a:r>
+          </a:p>
+        </p:txBody>
+      </p:sp>
     </p:spTree>
     <p:extLst>
       <p:ext uri="{BB962C8B-B14F-4D97-AF65-F5344CB8AC3E}">
-        <p14:creationId xmlns:p14="http://schemas.microsoft.com/office/powerpoint/2010/main" val="1443343237"/>
+        <p14:creationId xmlns:p14="http://schemas.microsoft.com/office/powerpoint/2010/main" val="2708478871"/>
       </p:ext>
     </p:extLst>
   </p:cSld>
@@ -6733,6 +8683,14 @@
 <file path=ppt/slides/slide7.xml><?xml version="1.0" encoding="utf-8"?>
 <p:sld xmlns:a="http://schemas.openxmlformats.org/drawingml/2006/main" xmlns:r="http://schemas.openxmlformats.org/officeDocument/2006/relationships" xmlns:p="http://schemas.openxmlformats.org/presentationml/2006/main">
   <p:cSld>
+    <p:bg>
+      <p:bgPr>
+        <a:solidFill>
+          <a:schemeClr val="accent2"/>
+        </a:solidFill>
+        <a:effectLst/>
+      </p:bgPr>
+    </p:bg>
     <p:spTree>
       <p:nvGrpSpPr>
         <p:cNvPr id="1" name=""/>
@@ -6749,233 +8707,45 @@
       </p:grpSpPr>
       <p:sp>
         <p:nvSpPr>
-          <p:cNvPr id="2" name="직사각형 1">
-            <a:extLst>
-              <a:ext uri="{FF2B5EF4-FFF2-40B4-BE49-F238E27FC236}">
-                <a16:creationId xmlns:a16="http://schemas.microsoft.com/office/drawing/2014/main" id="{B1985EEF-2AD8-452A-AD82-3BF8C0CCB759}"/>
-              </a:ext>
-            </a:extLst>
-          </p:cNvPr>
-          <p:cNvSpPr/>
+          <p:cNvPr id="4" name="TextBox 3">
+            <a:extLst>
+              <a:ext uri="{FF2B5EF4-FFF2-40B4-BE49-F238E27FC236}">
+                <a16:creationId xmlns:a16="http://schemas.microsoft.com/office/drawing/2014/main" id="{999089A0-686A-4BA1-A610-855EA420EB90}"/>
+              </a:ext>
+            </a:extLst>
+          </p:cNvPr>
+          <p:cNvSpPr txBox="1"/>
           <p:nvPr/>
         </p:nvSpPr>
         <p:spPr>
           <a:xfrm>
-            <a:off x="720000" y="1049009"/>
-            <a:ext cx="5760000" cy="108000"/>
+            <a:off x="5987283" y="2588728"/>
+            <a:ext cx="5444119" cy="1323439"/>
           </a:xfrm>
           <a:prstGeom prst="rect">
             <a:avLst/>
           </a:prstGeom>
-          <a:solidFill>
-            <a:schemeClr val="accent4"/>
-          </a:solidFill>
-          <a:ln>
-            <a:noFill/>
-          </a:ln>
-        </p:spPr>
-        <p:style>
-          <a:lnRef idx="2">
-            <a:schemeClr val="accent1">
-              <a:shade val="50000"/>
-            </a:schemeClr>
-          </a:lnRef>
-          <a:fillRef idx="1">
-            <a:schemeClr val="accent1"/>
-          </a:fillRef>
-          <a:effectRef idx="0">
-            <a:schemeClr val="accent1"/>
-          </a:effectRef>
-          <a:fontRef idx="minor">
-            <a:schemeClr val="lt1"/>
-          </a:fontRef>
-        </p:style>
-        <p:txBody>
-          <a:bodyPr rtlCol="0" anchor="ctr"/>
+          <a:noFill/>
+        </p:spPr>
+        <p:txBody>
+          <a:bodyPr wrap="none" rtlCol="0">
+            <a:spAutoFit/>
+          </a:bodyPr>
           <a:lstStyle/>
           <a:p>
             <a:pPr algn="ctr"/>
-            <a:endParaRPr lang="ko-KR" altLang="en-US"/>
-          </a:p>
-        </p:txBody>
-      </p:sp>
-      <p:sp>
-        <p:nvSpPr>
-          <p:cNvPr id="3" name="직사각형 2">
-            <a:extLst>
-              <a:ext uri="{FF2B5EF4-FFF2-40B4-BE49-F238E27FC236}">
-                <a16:creationId xmlns:a16="http://schemas.microsoft.com/office/drawing/2014/main" id="{82363163-7A23-46FA-8BFB-C5C551676293}"/>
-              </a:ext>
-            </a:extLst>
-          </p:cNvPr>
-          <p:cNvSpPr/>
-          <p:nvPr/>
-        </p:nvSpPr>
-        <p:spPr>
-          <a:xfrm>
-            <a:off x="0" y="1049009"/>
-            <a:ext cx="720000" cy="108000"/>
-          </a:xfrm>
-          <a:prstGeom prst="rect">
-            <a:avLst/>
-          </a:prstGeom>
-          <a:solidFill>
-            <a:schemeClr val="accent2"/>
-          </a:solidFill>
-          <a:ln>
-            <a:noFill/>
-          </a:ln>
-        </p:spPr>
-        <p:style>
-          <a:lnRef idx="2">
-            <a:schemeClr val="accent1">
-              <a:shade val="50000"/>
-            </a:schemeClr>
-          </a:lnRef>
-          <a:fillRef idx="1">
-            <a:schemeClr val="accent1"/>
-          </a:fillRef>
-          <a:effectRef idx="0">
-            <a:schemeClr val="accent1"/>
-          </a:effectRef>
-          <a:fontRef idx="minor">
-            <a:schemeClr val="lt1"/>
-          </a:fontRef>
-        </p:style>
-        <p:txBody>
-          <a:bodyPr rtlCol="0" anchor="ctr"/>
-          <a:lstStyle/>
-          <a:p>
-            <a:pPr algn="ctr"/>
-            <a:endParaRPr lang="ko-KR" altLang="en-US"/>
-          </a:p>
-        </p:txBody>
-      </p:sp>
-      <p:sp>
-        <p:nvSpPr>
-          <p:cNvPr id="19" name="직사각형 18">
-            <a:extLst>
-              <a:ext uri="{FF2B5EF4-FFF2-40B4-BE49-F238E27FC236}">
-                <a16:creationId xmlns:a16="http://schemas.microsoft.com/office/drawing/2014/main" id="{CDF39BE6-9431-48BE-9990-2C7515DEC743}"/>
-              </a:ext>
-            </a:extLst>
-          </p:cNvPr>
-          <p:cNvSpPr/>
-          <p:nvPr/>
-        </p:nvSpPr>
-        <p:spPr>
-          <a:xfrm>
-            <a:off x="965357" y="2356064"/>
-            <a:ext cx="2041451" cy="1072936"/>
-          </a:xfrm>
-          <a:prstGeom prst="rect">
-            <a:avLst/>
-          </a:prstGeom>
-          <a:solidFill>
-            <a:schemeClr val="bg1">
-              <a:lumMod val="95000"/>
-            </a:schemeClr>
-          </a:solidFill>
-          <a:ln>
-            <a:noFill/>
-          </a:ln>
-        </p:spPr>
-        <p:style>
-          <a:lnRef idx="2">
-            <a:schemeClr val="accent1">
-              <a:shade val="50000"/>
-            </a:schemeClr>
-          </a:lnRef>
-          <a:fillRef idx="1">
-            <a:schemeClr val="accent1"/>
-          </a:fillRef>
-          <a:effectRef idx="0">
-            <a:schemeClr val="accent1"/>
-          </a:effectRef>
-          <a:fontRef idx="minor">
-            <a:schemeClr val="lt1"/>
-          </a:fontRef>
-        </p:style>
-        <p:txBody>
-          <a:bodyPr rtlCol="0" anchor="ctr"/>
-          <a:lstStyle/>
-          <a:p>
-            <a:pPr algn="ctr">
-              <a:lnSpc>
-                <a:spcPct val="120000"/>
-              </a:lnSpc>
-            </a:pPr>
-            <a:r>
-              <a:rPr lang="ko-KR" altLang="en-US" sz="1600" dirty="0">
-                <a:solidFill>
-                  <a:schemeClr val="tx1"/>
-                </a:solidFill>
-                <a:latin typeface="+mn-ea"/>
-              </a:rPr>
-              <a:t>주제 선정</a:t>
-            </a:r>
-          </a:p>
-        </p:txBody>
-      </p:sp>
-      <p:sp>
-        <p:nvSpPr>
-          <p:cNvPr id="23" name="직사각형 22">
-            <a:extLst>
-              <a:ext uri="{FF2B5EF4-FFF2-40B4-BE49-F238E27FC236}">
-                <a16:creationId xmlns:a16="http://schemas.microsoft.com/office/drawing/2014/main" id="{8671780E-5146-4893-98B5-E7A8791CCCFF}"/>
-              </a:ext>
-            </a:extLst>
-          </p:cNvPr>
-          <p:cNvSpPr/>
-          <p:nvPr/>
-        </p:nvSpPr>
-        <p:spPr>
-          <a:xfrm>
-            <a:off x="965357" y="1831119"/>
-            <a:ext cx="2041451" cy="524945"/>
-          </a:xfrm>
-          <a:prstGeom prst="rect">
-            <a:avLst/>
-          </a:prstGeom>
-          <a:solidFill>
-            <a:schemeClr val="accent2"/>
-          </a:solidFill>
-          <a:ln>
-            <a:noFill/>
-          </a:ln>
-        </p:spPr>
-        <p:style>
-          <a:lnRef idx="2">
-            <a:schemeClr val="accent1">
-              <a:shade val="50000"/>
-            </a:schemeClr>
-          </a:lnRef>
-          <a:fillRef idx="1">
-            <a:schemeClr val="accent1"/>
-          </a:fillRef>
-          <a:effectRef idx="0">
-            <a:schemeClr val="accent1"/>
-          </a:effectRef>
-          <a:fontRef idx="minor">
-            <a:schemeClr val="lt1"/>
-          </a:fontRef>
-        </p:style>
-        <p:txBody>
-          <a:bodyPr rtlCol="0" anchor="ctr"/>
-          <a:lstStyle/>
-          <a:p>
-            <a:pPr algn="ctr"/>
-            <a:r>
-              <a:rPr lang="en-US" altLang="ko-KR" dirty="0">
+            <a:r>
+              <a:rPr lang="ko-KR" altLang="en-US" sz="8000" spc="-300" dirty="0">
                 <a:solidFill>
                   <a:schemeClr val="accent4">
                     <a:lumMod val="50000"/>
                   </a:schemeClr>
                 </a:solidFill>
+                <a:hlinkClick r:id="rId2"/>
               </a:rPr>
-              <a:t>STEP 1</a:t>
-            </a:r>
-            <a:endParaRPr lang="ko-KR" altLang="en-US" dirty="0">
+              <a:t>실제 사이트</a:t>
+            </a:r>
+            <a:endParaRPr lang="en-US" altLang="ko-KR" sz="8000" spc="-300" dirty="0">
               <a:solidFill>
                 <a:schemeClr val="accent4">
                   <a:lumMod val="50000"/>
@@ -6985,12 +8755,48 @@
           </a:p>
         </p:txBody>
       </p:sp>
-      <p:sp>
-        <p:nvSpPr>
-          <p:cNvPr id="27" name="TextBox 26">
-            <a:extLst>
-              <a:ext uri="{FF2B5EF4-FFF2-40B4-BE49-F238E27FC236}">
-                <a16:creationId xmlns:a16="http://schemas.microsoft.com/office/drawing/2014/main" id="{4235A04F-3E17-4814-9032-305DE9611D72}"/>
+      <p:pic>
+        <p:nvPicPr>
+          <p:cNvPr id="3" name="그림 2">
+            <a:extLst>
+              <a:ext uri="{FF2B5EF4-FFF2-40B4-BE49-F238E27FC236}">
+                <a16:creationId xmlns:a16="http://schemas.microsoft.com/office/drawing/2014/main" id="{44C2753F-52F7-BD1D-6B2B-9F903628AC3B}"/>
+              </a:ext>
+            </a:extLst>
+          </p:cNvPr>
+          <p:cNvPicPr>
+            <a:picLocks noChangeAspect="1"/>
+          </p:cNvPicPr>
+          <p:nvPr/>
+        </p:nvPicPr>
+        <p:blipFill>
+          <a:blip r:embed="rId3" cstate="screen">
+            <a:extLst>
+              <a:ext uri="{28A0092B-C50C-407E-A947-70E740481C1C}">
+                <a14:useLocalDpi xmlns:a14="http://schemas.microsoft.com/office/drawing/2010/main" val="0"/>
+              </a:ext>
+            </a:extLst>
+          </a:blip>
+          <a:stretch>
+            <a:fillRect/>
+          </a:stretch>
+        </p:blipFill>
+        <p:spPr>
+          <a:xfrm>
+            <a:off x="247128" y="238068"/>
+            <a:ext cx="5114827" cy="6343583"/>
+          </a:xfrm>
+          <a:prstGeom prst="rect">
+            <a:avLst/>
+          </a:prstGeom>
+        </p:spPr>
+      </p:pic>
+      <p:sp>
+        <p:nvSpPr>
+          <p:cNvPr id="2" name="TextBox 1">
+            <a:extLst>
+              <a:ext uri="{FF2B5EF4-FFF2-40B4-BE49-F238E27FC236}">
+                <a16:creationId xmlns:a16="http://schemas.microsoft.com/office/drawing/2014/main" id="{B8C0932C-9190-D407-840C-D64623DBC8AD}"/>
               </a:ext>
             </a:extLst>
           </p:cNvPr>
@@ -6999,8 +8805,8 @@
         </p:nvSpPr>
         <p:spPr>
           <a:xfrm>
-            <a:off x="3170435" y="1908925"/>
-            <a:ext cx="389850" cy="369332"/>
+            <a:off x="7808197" y="3912167"/>
+            <a:ext cx="1802289" cy="261610"/>
           </a:xfrm>
           <a:prstGeom prst="rect">
             <a:avLst/>
@@ -7008,1512 +8814,31 @@
           <a:noFill/>
         </p:spPr>
         <p:txBody>
-          <a:bodyPr wrap="none" rtlCol="0">
+          <a:bodyPr wrap="square" rtlCol="0">
             <a:spAutoFit/>
           </a:bodyPr>
           <a:lstStyle/>
           <a:p>
-            <a:r>
-              <a:rPr lang="en-US" altLang="ko-KR" dirty="0">
+            <a:pPr algn="ctr"/>
+            <a:r>
+              <a:rPr lang="en-US" altLang="ko-KR" sz="1100" dirty="0">
                 <a:latin typeface="+mn-ea"/>
               </a:rPr>
-              <a:t>&gt;&gt;</a:t>
-            </a:r>
-            <a:endParaRPr lang="ko-KR" altLang="en-US" dirty="0">
-              <a:latin typeface="+mn-ea"/>
-            </a:endParaRPr>
-          </a:p>
-        </p:txBody>
-      </p:sp>
-      <p:sp>
-        <p:nvSpPr>
-          <p:cNvPr id="11" name="TextBox 10">
-            <a:extLst>
-              <a:ext uri="{FF2B5EF4-FFF2-40B4-BE49-F238E27FC236}">
-                <a16:creationId xmlns:a16="http://schemas.microsoft.com/office/drawing/2014/main" id="{DC9CEB75-0D29-18BE-19D0-C30639810A68}"/>
-              </a:ext>
-            </a:extLst>
-          </p:cNvPr>
-          <p:cNvSpPr txBox="1"/>
-          <p:nvPr/>
-        </p:nvSpPr>
-        <p:spPr>
-          <a:xfrm>
-            <a:off x="720000" y="121920"/>
-            <a:ext cx="1588897" cy="584775"/>
-          </a:xfrm>
-          <a:prstGeom prst="rect">
-            <a:avLst/>
-          </a:prstGeom>
-          <a:noFill/>
-        </p:spPr>
-        <p:txBody>
-          <a:bodyPr wrap="none" rtlCol="0">
-            <a:spAutoFit/>
-          </a:bodyPr>
-          <a:lstStyle/>
-          <a:p>
-            <a:r>
-              <a:rPr lang="ko-KR" altLang="en-US" sz="3200" spc="-300" dirty="0">
-                <a:solidFill>
-                  <a:schemeClr val="accent4">
-                    <a:lumMod val="50000"/>
-                  </a:schemeClr>
-                </a:solidFill>
-              </a:rPr>
-              <a:t>개발 흐름</a:t>
-            </a:r>
-          </a:p>
-        </p:txBody>
-      </p:sp>
-      <p:sp>
-        <p:nvSpPr>
-          <p:cNvPr id="12" name="TextBox 11">
-            <a:extLst>
-              <a:ext uri="{FF2B5EF4-FFF2-40B4-BE49-F238E27FC236}">
-                <a16:creationId xmlns:a16="http://schemas.microsoft.com/office/drawing/2014/main" id="{7E452CFE-2193-DA13-D851-BF1B4D271277}"/>
-              </a:ext>
-            </a:extLst>
-          </p:cNvPr>
-          <p:cNvSpPr txBox="1"/>
-          <p:nvPr/>
-        </p:nvSpPr>
-        <p:spPr>
-          <a:xfrm>
-            <a:off x="720000" y="629175"/>
-            <a:ext cx="1418978" cy="307777"/>
-          </a:xfrm>
-          <a:prstGeom prst="rect">
-            <a:avLst/>
-          </a:prstGeom>
-          <a:noFill/>
-        </p:spPr>
-        <p:txBody>
-          <a:bodyPr wrap="none" rtlCol="0">
-            <a:spAutoFit/>
-          </a:bodyPr>
-          <a:lstStyle/>
-          <a:p>
-            <a:r>
-              <a:rPr lang="ko-KR" altLang="en-US" sz="1400" dirty="0">
-                <a:solidFill>
-                  <a:schemeClr val="accent4">
-                    <a:lumMod val="50000"/>
-                  </a:schemeClr>
-                </a:solidFill>
-              </a:rPr>
-              <a:t>개발의 진행 순서</a:t>
-            </a:r>
-          </a:p>
-        </p:txBody>
-      </p:sp>
-      <p:sp>
-        <p:nvSpPr>
-          <p:cNvPr id="13" name="TextBox 12">
-            <a:extLst>
-              <a:ext uri="{FF2B5EF4-FFF2-40B4-BE49-F238E27FC236}">
-                <a16:creationId xmlns:a16="http://schemas.microsoft.com/office/drawing/2014/main" id="{7D108062-C991-05B3-046D-3FDD0DE5C030}"/>
-              </a:ext>
-            </a:extLst>
-          </p:cNvPr>
-          <p:cNvSpPr txBox="1"/>
-          <p:nvPr/>
-        </p:nvSpPr>
-        <p:spPr>
-          <a:xfrm>
-            <a:off x="185879" y="46855"/>
-            <a:ext cx="548548" cy="830997"/>
-          </a:xfrm>
-          <a:prstGeom prst="rect">
-            <a:avLst/>
-          </a:prstGeom>
-          <a:noFill/>
-        </p:spPr>
-        <p:txBody>
-          <a:bodyPr wrap="none" rtlCol="0">
-            <a:spAutoFit/>
-          </a:bodyPr>
-          <a:lstStyle/>
-          <a:p>
-            <a:r>
-              <a:rPr lang="en-US" altLang="ko-KR" sz="4800" b="1" dirty="0">
-                <a:solidFill>
-                  <a:schemeClr val="accent4"/>
-                </a:solidFill>
-              </a:rPr>
-              <a:t>2</a:t>
-            </a:r>
-            <a:endParaRPr lang="ko-KR" altLang="en-US" sz="4800" b="1" dirty="0">
-              <a:solidFill>
-                <a:schemeClr val="accent4"/>
-              </a:solidFill>
-            </a:endParaRPr>
-          </a:p>
-        </p:txBody>
-      </p:sp>
-      <p:sp>
-        <p:nvSpPr>
-          <p:cNvPr id="14" name="직사각형 13">
-            <a:extLst>
-              <a:ext uri="{FF2B5EF4-FFF2-40B4-BE49-F238E27FC236}">
-                <a16:creationId xmlns:a16="http://schemas.microsoft.com/office/drawing/2014/main" id="{AD8CACAE-42E0-528E-3F7A-75146AA8F0B9}"/>
-              </a:ext>
-            </a:extLst>
-          </p:cNvPr>
-          <p:cNvSpPr/>
-          <p:nvPr/>
-        </p:nvSpPr>
-        <p:spPr>
-          <a:xfrm>
-            <a:off x="3723912" y="2356064"/>
-            <a:ext cx="2041451" cy="1072936"/>
-          </a:xfrm>
-          <a:prstGeom prst="rect">
-            <a:avLst/>
-          </a:prstGeom>
-          <a:solidFill>
-            <a:schemeClr val="bg1">
-              <a:lumMod val="95000"/>
-            </a:schemeClr>
-          </a:solidFill>
-          <a:ln>
-            <a:noFill/>
-          </a:ln>
-        </p:spPr>
-        <p:style>
-          <a:lnRef idx="2">
-            <a:schemeClr val="accent1">
-              <a:shade val="50000"/>
-            </a:schemeClr>
-          </a:lnRef>
-          <a:fillRef idx="1">
-            <a:schemeClr val="accent1"/>
-          </a:fillRef>
-          <a:effectRef idx="0">
-            <a:schemeClr val="accent1"/>
-          </a:effectRef>
-          <a:fontRef idx="minor">
-            <a:schemeClr val="lt1"/>
-          </a:fontRef>
-        </p:style>
-        <p:txBody>
-          <a:bodyPr rtlCol="0" anchor="ctr"/>
-          <a:lstStyle/>
-          <a:p>
-            <a:pPr algn="ctr">
-              <a:lnSpc>
-                <a:spcPct val="120000"/>
-              </a:lnSpc>
-            </a:pPr>
-            <a:r>
-              <a:rPr lang="ko-KR" altLang="en-US" sz="1600" dirty="0">
-                <a:solidFill>
-                  <a:schemeClr val="tx1"/>
-                </a:solidFill>
+              <a:t>(Ctrl </a:t>
+            </a:r>
+            <a:r>
+              <a:rPr lang="ko-KR" altLang="en-US" sz="1100" dirty="0">
                 <a:latin typeface="+mn-ea"/>
               </a:rPr>
-              <a:t>테마 컬러</a:t>
-            </a:r>
-            <a:r>
-              <a:rPr lang="en-US" altLang="ko-KR" sz="1600" dirty="0">
-                <a:solidFill>
-                  <a:schemeClr val="tx1"/>
-                </a:solidFill>
+              <a:t>클릭으로 이동</a:t>
+            </a:r>
+            <a:r>
+              <a:rPr lang="en-US" altLang="ko-KR" sz="1100" dirty="0">
                 <a:latin typeface="+mn-ea"/>
               </a:rPr>
-              <a:t>, </a:t>
-            </a:r>
-            <a:r>
-              <a:rPr lang="ko-KR" altLang="en-US" sz="1600" dirty="0">
-                <a:solidFill>
-                  <a:schemeClr val="tx1"/>
-                </a:solidFill>
-                <a:latin typeface="+mn-ea"/>
-              </a:rPr>
-              <a:t>폰트 선정</a:t>
-            </a:r>
-            <a:br>
-              <a:rPr lang="en-US" altLang="ko-KR" sz="1600" dirty="0">
-                <a:solidFill>
-                  <a:schemeClr val="tx1"/>
-                </a:solidFill>
-                <a:latin typeface="+mn-ea"/>
-              </a:rPr>
-            </a:br>
-            <a:r>
-              <a:rPr lang="ko-KR" altLang="en-US" sz="1600" dirty="0">
-                <a:solidFill>
-                  <a:schemeClr val="tx1"/>
-                </a:solidFill>
-                <a:latin typeface="+mn-ea"/>
-              </a:rPr>
-              <a:t>로고 디자인</a:t>
-            </a:r>
-          </a:p>
-        </p:txBody>
-      </p:sp>
-      <p:sp>
-        <p:nvSpPr>
-          <p:cNvPr id="15" name="직사각형 14">
-            <a:extLst>
-              <a:ext uri="{FF2B5EF4-FFF2-40B4-BE49-F238E27FC236}">
-                <a16:creationId xmlns:a16="http://schemas.microsoft.com/office/drawing/2014/main" id="{76BA3E2C-CF19-2C7C-D486-584CBD5A129F}"/>
-              </a:ext>
-            </a:extLst>
-          </p:cNvPr>
-          <p:cNvSpPr/>
-          <p:nvPr/>
-        </p:nvSpPr>
-        <p:spPr>
-          <a:xfrm>
-            <a:off x="3723912" y="1831119"/>
-            <a:ext cx="2041451" cy="524945"/>
-          </a:xfrm>
-          <a:prstGeom prst="rect">
-            <a:avLst/>
-          </a:prstGeom>
-          <a:solidFill>
-            <a:schemeClr val="accent2"/>
-          </a:solidFill>
-          <a:ln>
-            <a:noFill/>
-          </a:ln>
-        </p:spPr>
-        <p:style>
-          <a:lnRef idx="2">
-            <a:schemeClr val="accent1">
-              <a:shade val="50000"/>
-            </a:schemeClr>
-          </a:lnRef>
-          <a:fillRef idx="1">
-            <a:schemeClr val="accent1"/>
-          </a:fillRef>
-          <a:effectRef idx="0">
-            <a:schemeClr val="accent1"/>
-          </a:effectRef>
-          <a:fontRef idx="minor">
-            <a:schemeClr val="lt1"/>
-          </a:fontRef>
-        </p:style>
-        <p:txBody>
-          <a:bodyPr rtlCol="0" anchor="ctr"/>
-          <a:lstStyle/>
-          <a:p>
-            <a:pPr algn="ctr"/>
-            <a:r>
-              <a:rPr lang="en-US" altLang="ko-KR" dirty="0">
-                <a:solidFill>
-                  <a:schemeClr val="accent4">
-                    <a:lumMod val="50000"/>
-                  </a:schemeClr>
-                </a:solidFill>
-              </a:rPr>
-              <a:t>STEP 2</a:t>
-            </a:r>
-            <a:endParaRPr lang="ko-KR" altLang="en-US" dirty="0">
-              <a:solidFill>
-                <a:schemeClr val="accent4">
-                  <a:lumMod val="50000"/>
-                </a:schemeClr>
-              </a:solidFill>
-            </a:endParaRPr>
-          </a:p>
-        </p:txBody>
-      </p:sp>
-      <p:sp>
-        <p:nvSpPr>
-          <p:cNvPr id="16" name="TextBox 15">
-            <a:extLst>
-              <a:ext uri="{FF2B5EF4-FFF2-40B4-BE49-F238E27FC236}">
-                <a16:creationId xmlns:a16="http://schemas.microsoft.com/office/drawing/2014/main" id="{E3D44CCF-BF10-51FC-EC2D-0EC105A2C2B0}"/>
-              </a:ext>
-            </a:extLst>
-          </p:cNvPr>
-          <p:cNvSpPr txBox="1"/>
-          <p:nvPr/>
-        </p:nvSpPr>
-        <p:spPr>
-          <a:xfrm>
-            <a:off x="5928990" y="1908925"/>
-            <a:ext cx="389850" cy="369332"/>
-          </a:xfrm>
-          <a:prstGeom prst="rect">
-            <a:avLst/>
-          </a:prstGeom>
-          <a:noFill/>
-        </p:spPr>
-        <p:txBody>
-          <a:bodyPr wrap="none" rtlCol="0">
-            <a:spAutoFit/>
-          </a:bodyPr>
-          <a:lstStyle/>
-          <a:p>
-            <a:r>
-              <a:rPr lang="en-US" altLang="ko-KR" dirty="0">
-                <a:latin typeface="+mn-ea"/>
-              </a:rPr>
-              <a:t>&gt;&gt;</a:t>
-            </a:r>
-            <a:endParaRPr lang="ko-KR" altLang="en-US" dirty="0">
-              <a:latin typeface="+mn-ea"/>
-            </a:endParaRPr>
-          </a:p>
-        </p:txBody>
-      </p:sp>
-      <p:sp>
-        <p:nvSpPr>
-          <p:cNvPr id="17" name="직사각형 16">
-            <a:extLst>
-              <a:ext uri="{FF2B5EF4-FFF2-40B4-BE49-F238E27FC236}">
-                <a16:creationId xmlns:a16="http://schemas.microsoft.com/office/drawing/2014/main" id="{352C018A-CFB1-E1A4-CC0D-5C15CAB402DB}"/>
-              </a:ext>
-            </a:extLst>
-          </p:cNvPr>
-          <p:cNvSpPr/>
-          <p:nvPr/>
-        </p:nvSpPr>
-        <p:spPr>
-          <a:xfrm>
-            <a:off x="6482467" y="2356064"/>
-            <a:ext cx="2041451" cy="1072936"/>
-          </a:xfrm>
-          <a:prstGeom prst="rect">
-            <a:avLst/>
-          </a:prstGeom>
-          <a:solidFill>
-            <a:schemeClr val="bg1">
-              <a:lumMod val="95000"/>
-            </a:schemeClr>
-          </a:solidFill>
-          <a:ln>
-            <a:noFill/>
-          </a:ln>
-        </p:spPr>
-        <p:style>
-          <a:lnRef idx="2">
-            <a:schemeClr val="accent1">
-              <a:shade val="50000"/>
-            </a:schemeClr>
-          </a:lnRef>
-          <a:fillRef idx="1">
-            <a:schemeClr val="accent1"/>
-          </a:fillRef>
-          <a:effectRef idx="0">
-            <a:schemeClr val="accent1"/>
-          </a:effectRef>
-          <a:fontRef idx="minor">
-            <a:schemeClr val="lt1"/>
-          </a:fontRef>
-        </p:style>
-        <p:txBody>
-          <a:bodyPr rtlCol="0" anchor="ctr"/>
-          <a:lstStyle/>
-          <a:p>
-            <a:pPr algn="ctr">
-              <a:lnSpc>
-                <a:spcPct val="120000"/>
-              </a:lnSpc>
-            </a:pPr>
-            <a:r>
-              <a:rPr lang="ko-KR" altLang="en-US" sz="1600" dirty="0">
-                <a:solidFill>
-                  <a:schemeClr val="tx1"/>
-                </a:solidFill>
-                <a:latin typeface="+mn-ea"/>
-              </a:rPr>
-              <a:t>카테고리 구상</a:t>
-            </a:r>
-            <a:endParaRPr lang="en-US" altLang="ko-KR" sz="1600" dirty="0">
-              <a:solidFill>
-                <a:schemeClr val="tx1"/>
-              </a:solidFill>
-              <a:latin typeface="+mn-ea"/>
-            </a:endParaRPr>
-          </a:p>
-          <a:p>
-            <a:pPr algn="ctr">
-              <a:lnSpc>
-                <a:spcPct val="120000"/>
-              </a:lnSpc>
-            </a:pPr>
-            <a:r>
-              <a:rPr lang="ko-KR" altLang="en-US" sz="1600" dirty="0">
-                <a:solidFill>
-                  <a:schemeClr val="tx1"/>
-                </a:solidFill>
-                <a:latin typeface="+mn-ea"/>
-              </a:rPr>
-              <a:t>사이트 기능 구상</a:t>
-            </a:r>
-            <a:endParaRPr lang="en-US" altLang="ko-KR" sz="1600" dirty="0">
-              <a:solidFill>
-                <a:schemeClr val="tx1"/>
-              </a:solidFill>
-              <a:latin typeface="+mn-ea"/>
-            </a:endParaRPr>
-          </a:p>
-          <a:p>
-            <a:pPr algn="ctr">
-              <a:lnSpc>
-                <a:spcPct val="120000"/>
-              </a:lnSpc>
-            </a:pPr>
-            <a:r>
-              <a:rPr lang="ko-KR" altLang="en-US" sz="1600" dirty="0" err="1">
-                <a:solidFill>
-                  <a:schemeClr val="tx1"/>
-                </a:solidFill>
-                <a:latin typeface="+mn-ea"/>
-              </a:rPr>
-              <a:t>명명법</a:t>
-            </a:r>
-            <a:r>
-              <a:rPr lang="ko-KR" altLang="en-US" sz="1600" dirty="0">
-                <a:solidFill>
-                  <a:schemeClr val="tx1"/>
-                </a:solidFill>
-                <a:latin typeface="+mn-ea"/>
-              </a:rPr>
-              <a:t> 정리</a:t>
-            </a:r>
-          </a:p>
-        </p:txBody>
-      </p:sp>
-      <p:sp>
-        <p:nvSpPr>
-          <p:cNvPr id="18" name="직사각형 17">
-            <a:extLst>
-              <a:ext uri="{FF2B5EF4-FFF2-40B4-BE49-F238E27FC236}">
-                <a16:creationId xmlns:a16="http://schemas.microsoft.com/office/drawing/2014/main" id="{B0335239-A891-1E1D-BD80-EFE83131AB07}"/>
-              </a:ext>
-            </a:extLst>
-          </p:cNvPr>
-          <p:cNvSpPr/>
-          <p:nvPr/>
-        </p:nvSpPr>
-        <p:spPr>
-          <a:xfrm>
-            <a:off x="6482467" y="1831119"/>
-            <a:ext cx="2041451" cy="524945"/>
-          </a:xfrm>
-          <a:prstGeom prst="rect">
-            <a:avLst/>
-          </a:prstGeom>
-          <a:solidFill>
-            <a:schemeClr val="accent2"/>
-          </a:solidFill>
-          <a:ln>
-            <a:noFill/>
-          </a:ln>
-        </p:spPr>
-        <p:style>
-          <a:lnRef idx="2">
-            <a:schemeClr val="accent1">
-              <a:shade val="50000"/>
-            </a:schemeClr>
-          </a:lnRef>
-          <a:fillRef idx="1">
-            <a:schemeClr val="accent1"/>
-          </a:fillRef>
-          <a:effectRef idx="0">
-            <a:schemeClr val="accent1"/>
-          </a:effectRef>
-          <a:fontRef idx="minor">
-            <a:schemeClr val="lt1"/>
-          </a:fontRef>
-        </p:style>
-        <p:txBody>
-          <a:bodyPr rtlCol="0" anchor="ctr"/>
-          <a:lstStyle/>
-          <a:p>
-            <a:pPr algn="ctr"/>
-            <a:r>
-              <a:rPr lang="en-US" altLang="ko-KR" dirty="0">
-                <a:solidFill>
-                  <a:schemeClr val="accent4">
-                    <a:lumMod val="50000"/>
-                  </a:schemeClr>
-                </a:solidFill>
-              </a:rPr>
-              <a:t>STEP 3</a:t>
-            </a:r>
-            <a:endParaRPr lang="ko-KR" altLang="en-US" dirty="0">
-              <a:solidFill>
-                <a:schemeClr val="accent4">
-                  <a:lumMod val="50000"/>
-                </a:schemeClr>
-              </a:solidFill>
-            </a:endParaRPr>
-          </a:p>
-        </p:txBody>
-      </p:sp>
-      <p:sp>
-        <p:nvSpPr>
-          <p:cNvPr id="20" name="TextBox 19">
-            <a:extLst>
-              <a:ext uri="{FF2B5EF4-FFF2-40B4-BE49-F238E27FC236}">
-                <a16:creationId xmlns:a16="http://schemas.microsoft.com/office/drawing/2014/main" id="{73615D3B-5A10-059C-934E-D661440BC72D}"/>
-              </a:ext>
-            </a:extLst>
-          </p:cNvPr>
-          <p:cNvSpPr txBox="1"/>
-          <p:nvPr/>
-        </p:nvSpPr>
-        <p:spPr>
-          <a:xfrm>
-            <a:off x="8687545" y="1908925"/>
-            <a:ext cx="389850" cy="369332"/>
-          </a:xfrm>
-          <a:prstGeom prst="rect">
-            <a:avLst/>
-          </a:prstGeom>
-          <a:noFill/>
-        </p:spPr>
-        <p:txBody>
-          <a:bodyPr wrap="none" rtlCol="0">
-            <a:spAutoFit/>
-          </a:bodyPr>
-          <a:lstStyle/>
-          <a:p>
-            <a:r>
-              <a:rPr lang="en-US" altLang="ko-KR" dirty="0">
-                <a:latin typeface="+mn-ea"/>
-              </a:rPr>
-              <a:t>&gt;&gt;</a:t>
-            </a:r>
-            <a:endParaRPr lang="ko-KR" altLang="en-US" dirty="0">
-              <a:latin typeface="+mn-ea"/>
-            </a:endParaRPr>
-          </a:p>
-        </p:txBody>
-      </p:sp>
-      <p:sp>
-        <p:nvSpPr>
-          <p:cNvPr id="21" name="직사각형 20">
-            <a:extLst>
-              <a:ext uri="{FF2B5EF4-FFF2-40B4-BE49-F238E27FC236}">
-                <a16:creationId xmlns:a16="http://schemas.microsoft.com/office/drawing/2014/main" id="{58805295-38D5-72C2-DC2A-3E4392EF5E5E}"/>
-              </a:ext>
-            </a:extLst>
-          </p:cNvPr>
-          <p:cNvSpPr/>
-          <p:nvPr/>
-        </p:nvSpPr>
-        <p:spPr>
-          <a:xfrm>
-            <a:off x="9241022" y="2356064"/>
-            <a:ext cx="2041451" cy="1072936"/>
-          </a:xfrm>
-          <a:prstGeom prst="rect">
-            <a:avLst/>
-          </a:prstGeom>
-          <a:solidFill>
-            <a:schemeClr val="bg1">
-              <a:lumMod val="95000"/>
-            </a:schemeClr>
-          </a:solidFill>
-          <a:ln>
-            <a:noFill/>
-          </a:ln>
-        </p:spPr>
-        <p:style>
-          <a:lnRef idx="2">
-            <a:schemeClr val="accent1">
-              <a:shade val="50000"/>
-            </a:schemeClr>
-          </a:lnRef>
-          <a:fillRef idx="1">
-            <a:schemeClr val="accent1"/>
-          </a:fillRef>
-          <a:effectRef idx="0">
-            <a:schemeClr val="accent1"/>
-          </a:effectRef>
-          <a:fontRef idx="minor">
-            <a:schemeClr val="lt1"/>
-          </a:fontRef>
-        </p:style>
-        <p:txBody>
-          <a:bodyPr rtlCol="0" anchor="ctr"/>
-          <a:lstStyle/>
-          <a:p>
-            <a:pPr algn="ctr">
-              <a:lnSpc>
-                <a:spcPct val="120000"/>
-              </a:lnSpc>
-            </a:pPr>
-            <a:r>
-              <a:rPr lang="en-US" altLang="ko-KR" sz="1600" dirty="0">
-                <a:solidFill>
-                  <a:schemeClr val="tx1"/>
-                </a:solidFill>
-                <a:latin typeface="+mn-ea"/>
-              </a:rPr>
-              <a:t>DB </a:t>
-            </a:r>
-            <a:r>
-              <a:rPr lang="ko-KR" altLang="en-US" sz="1600" dirty="0">
-                <a:solidFill>
-                  <a:schemeClr val="tx1"/>
-                </a:solidFill>
-                <a:latin typeface="+mn-ea"/>
-              </a:rPr>
-              <a:t>테이블 제작</a:t>
-            </a:r>
-          </a:p>
-        </p:txBody>
-      </p:sp>
-      <p:sp>
-        <p:nvSpPr>
-          <p:cNvPr id="22" name="직사각형 21">
-            <a:extLst>
-              <a:ext uri="{FF2B5EF4-FFF2-40B4-BE49-F238E27FC236}">
-                <a16:creationId xmlns:a16="http://schemas.microsoft.com/office/drawing/2014/main" id="{E08609DE-BB76-36EB-C698-160EA1903D74}"/>
-              </a:ext>
-            </a:extLst>
-          </p:cNvPr>
-          <p:cNvSpPr/>
-          <p:nvPr/>
-        </p:nvSpPr>
-        <p:spPr>
-          <a:xfrm>
-            <a:off x="9241022" y="1831119"/>
-            <a:ext cx="2041451" cy="524945"/>
-          </a:xfrm>
-          <a:prstGeom prst="rect">
-            <a:avLst/>
-          </a:prstGeom>
-          <a:solidFill>
-            <a:schemeClr val="accent2"/>
-          </a:solidFill>
-          <a:ln>
-            <a:noFill/>
-          </a:ln>
-        </p:spPr>
-        <p:style>
-          <a:lnRef idx="2">
-            <a:schemeClr val="accent1">
-              <a:shade val="50000"/>
-            </a:schemeClr>
-          </a:lnRef>
-          <a:fillRef idx="1">
-            <a:schemeClr val="accent1"/>
-          </a:fillRef>
-          <a:effectRef idx="0">
-            <a:schemeClr val="accent1"/>
-          </a:effectRef>
-          <a:fontRef idx="minor">
-            <a:schemeClr val="lt1"/>
-          </a:fontRef>
-        </p:style>
-        <p:txBody>
-          <a:bodyPr rtlCol="0" anchor="ctr"/>
-          <a:lstStyle/>
-          <a:p>
-            <a:pPr algn="ctr"/>
-            <a:r>
-              <a:rPr lang="en-US" altLang="ko-KR" dirty="0">
-                <a:solidFill>
-                  <a:schemeClr val="accent4">
-                    <a:lumMod val="50000"/>
-                  </a:schemeClr>
-                </a:solidFill>
-              </a:rPr>
-              <a:t>STEP 4</a:t>
-            </a:r>
-            <a:endParaRPr lang="ko-KR" altLang="en-US" dirty="0">
-              <a:solidFill>
-                <a:schemeClr val="accent4">
-                  <a:lumMod val="50000"/>
-                </a:schemeClr>
-              </a:solidFill>
-            </a:endParaRPr>
-          </a:p>
-        </p:txBody>
-      </p:sp>
-      <p:sp>
-        <p:nvSpPr>
-          <p:cNvPr id="41" name="직사각형 40">
-            <a:extLst>
-              <a:ext uri="{FF2B5EF4-FFF2-40B4-BE49-F238E27FC236}">
-                <a16:creationId xmlns:a16="http://schemas.microsoft.com/office/drawing/2014/main" id="{B41942D1-4E88-6837-FB0B-2FF5B19E2067}"/>
-              </a:ext>
-            </a:extLst>
-          </p:cNvPr>
-          <p:cNvSpPr/>
-          <p:nvPr/>
-        </p:nvSpPr>
-        <p:spPr>
-          <a:xfrm>
-            <a:off x="9241022" y="4683967"/>
-            <a:ext cx="2041451" cy="1072936"/>
-          </a:xfrm>
-          <a:prstGeom prst="rect">
-            <a:avLst/>
-          </a:prstGeom>
-          <a:solidFill>
-            <a:schemeClr val="bg1">
-              <a:lumMod val="95000"/>
-            </a:schemeClr>
-          </a:solidFill>
-          <a:ln>
-            <a:noFill/>
-          </a:ln>
-        </p:spPr>
-        <p:style>
-          <a:lnRef idx="2">
-            <a:schemeClr val="accent1">
-              <a:shade val="50000"/>
-            </a:schemeClr>
-          </a:lnRef>
-          <a:fillRef idx="1">
-            <a:schemeClr val="accent1"/>
-          </a:fillRef>
-          <a:effectRef idx="0">
-            <a:schemeClr val="accent1"/>
-          </a:effectRef>
-          <a:fontRef idx="minor">
-            <a:schemeClr val="lt1"/>
-          </a:fontRef>
-        </p:style>
-        <p:txBody>
-          <a:bodyPr rtlCol="0" anchor="ctr"/>
-          <a:lstStyle/>
-          <a:p>
-            <a:pPr algn="ctr">
-              <a:lnSpc>
-                <a:spcPct val="120000"/>
-              </a:lnSpc>
-            </a:pPr>
-            <a:r>
-              <a:rPr lang="ko-KR" altLang="en-US" sz="1600" dirty="0">
-                <a:solidFill>
-                  <a:schemeClr val="tx1"/>
-                </a:solidFill>
-                <a:latin typeface="+mn-ea"/>
-              </a:rPr>
-              <a:t>개발 환경 조성</a:t>
-            </a:r>
-            <a:endParaRPr lang="en-US" altLang="ko-KR" sz="1600" dirty="0">
-              <a:solidFill>
-                <a:schemeClr val="tx1"/>
-              </a:solidFill>
-              <a:latin typeface="+mn-ea"/>
-            </a:endParaRPr>
-          </a:p>
-          <a:p>
-            <a:pPr algn="ctr">
-              <a:lnSpc>
-                <a:spcPct val="120000"/>
-              </a:lnSpc>
-            </a:pPr>
-            <a:r>
-              <a:rPr lang="ko-KR" altLang="en-US" sz="1600" dirty="0">
-                <a:solidFill>
-                  <a:schemeClr val="tx1"/>
-                </a:solidFill>
-                <a:latin typeface="+mn-ea"/>
-              </a:rPr>
-              <a:t>페이지 기능 정리</a:t>
-            </a:r>
-            <a:r>
-              <a:rPr lang="en-US" altLang="ko-KR" sz="1600" dirty="0">
-                <a:solidFill>
-                  <a:schemeClr val="tx1"/>
-                </a:solidFill>
-                <a:latin typeface="+mn-ea"/>
-              </a:rPr>
-              <a:t> </a:t>
-            </a:r>
-            <a:r>
-              <a:rPr lang="ko-KR" altLang="en-US" sz="1600" dirty="0">
-                <a:solidFill>
-                  <a:schemeClr val="tx1"/>
-                </a:solidFill>
-                <a:latin typeface="+mn-ea"/>
-              </a:rPr>
-              <a:t>및</a:t>
-            </a:r>
-            <a:endParaRPr lang="en-US" altLang="ko-KR" sz="1600" dirty="0">
-              <a:solidFill>
-                <a:schemeClr val="tx1"/>
-              </a:solidFill>
-              <a:latin typeface="+mn-ea"/>
-            </a:endParaRPr>
-          </a:p>
-          <a:p>
-            <a:pPr algn="ctr">
-              <a:lnSpc>
-                <a:spcPct val="120000"/>
-              </a:lnSpc>
-            </a:pPr>
-            <a:r>
-              <a:rPr lang="ko-KR" altLang="en-US" sz="1600" dirty="0">
-                <a:solidFill>
-                  <a:schemeClr val="tx1"/>
-                </a:solidFill>
-                <a:latin typeface="+mn-ea"/>
-              </a:rPr>
-              <a:t>구성요소 배치</a:t>
-            </a:r>
-          </a:p>
-        </p:txBody>
-      </p:sp>
-      <p:sp>
-        <p:nvSpPr>
-          <p:cNvPr id="42" name="직사각형 41">
-            <a:extLst>
-              <a:ext uri="{FF2B5EF4-FFF2-40B4-BE49-F238E27FC236}">
-                <a16:creationId xmlns:a16="http://schemas.microsoft.com/office/drawing/2014/main" id="{AAFC4BDA-00C2-F87E-BC9E-A309E7688E1E}"/>
-              </a:ext>
-            </a:extLst>
-          </p:cNvPr>
-          <p:cNvSpPr/>
-          <p:nvPr/>
-        </p:nvSpPr>
-        <p:spPr>
-          <a:xfrm>
-            <a:off x="9241022" y="4159022"/>
-            <a:ext cx="2041451" cy="524945"/>
-          </a:xfrm>
-          <a:prstGeom prst="rect">
-            <a:avLst/>
-          </a:prstGeom>
-          <a:solidFill>
-            <a:schemeClr val="accent2"/>
-          </a:solidFill>
-          <a:ln>
-            <a:noFill/>
-          </a:ln>
-        </p:spPr>
-        <p:style>
-          <a:lnRef idx="2">
-            <a:schemeClr val="accent1">
-              <a:shade val="50000"/>
-            </a:schemeClr>
-          </a:lnRef>
-          <a:fillRef idx="1">
-            <a:schemeClr val="accent1"/>
-          </a:fillRef>
-          <a:effectRef idx="0">
-            <a:schemeClr val="accent1"/>
-          </a:effectRef>
-          <a:fontRef idx="minor">
-            <a:schemeClr val="lt1"/>
-          </a:fontRef>
-        </p:style>
-        <p:txBody>
-          <a:bodyPr rtlCol="0" anchor="ctr"/>
-          <a:lstStyle/>
-          <a:p>
-            <a:pPr algn="ctr"/>
-            <a:r>
-              <a:rPr lang="en-US" altLang="ko-KR" dirty="0">
-                <a:solidFill>
-                  <a:schemeClr val="accent4">
-                    <a:lumMod val="50000"/>
-                  </a:schemeClr>
-                </a:solidFill>
-              </a:rPr>
-              <a:t>STEP 5</a:t>
-            </a:r>
-            <a:endParaRPr lang="ko-KR" altLang="en-US" dirty="0">
-              <a:solidFill>
-                <a:schemeClr val="accent4">
-                  <a:lumMod val="50000"/>
-                </a:schemeClr>
-              </a:solidFill>
-            </a:endParaRPr>
-          </a:p>
-        </p:txBody>
-      </p:sp>
-      <p:sp>
-        <p:nvSpPr>
-          <p:cNvPr id="43" name="TextBox 42">
-            <a:extLst>
-              <a:ext uri="{FF2B5EF4-FFF2-40B4-BE49-F238E27FC236}">
-                <a16:creationId xmlns:a16="http://schemas.microsoft.com/office/drawing/2014/main" id="{4C568037-CA54-7B95-9E3E-8270CFB1E430}"/>
-              </a:ext>
-            </a:extLst>
-          </p:cNvPr>
-          <p:cNvSpPr txBox="1"/>
-          <p:nvPr/>
-        </p:nvSpPr>
-        <p:spPr>
-          <a:xfrm rot="5400000">
-            <a:off x="10066822" y="3609345"/>
-            <a:ext cx="389850" cy="369332"/>
-          </a:xfrm>
-          <a:prstGeom prst="rect">
-            <a:avLst/>
-          </a:prstGeom>
-          <a:noFill/>
-        </p:spPr>
-        <p:txBody>
-          <a:bodyPr wrap="none" rtlCol="0">
-            <a:spAutoFit/>
-          </a:bodyPr>
-          <a:lstStyle/>
-          <a:p>
-            <a:r>
-              <a:rPr lang="en-US" altLang="ko-KR" dirty="0">
-                <a:latin typeface="+mn-ea"/>
-              </a:rPr>
-              <a:t>&gt;&gt;</a:t>
-            </a:r>
-            <a:endParaRPr lang="ko-KR" altLang="en-US" dirty="0">
-              <a:latin typeface="+mn-ea"/>
-            </a:endParaRPr>
-          </a:p>
-        </p:txBody>
-      </p:sp>
-      <p:sp>
-        <p:nvSpPr>
-          <p:cNvPr id="44" name="직사각형 43">
-            <a:extLst>
-              <a:ext uri="{FF2B5EF4-FFF2-40B4-BE49-F238E27FC236}">
-                <a16:creationId xmlns:a16="http://schemas.microsoft.com/office/drawing/2014/main" id="{74A42210-7171-5192-1055-B3048A39DA43}"/>
-              </a:ext>
-            </a:extLst>
-          </p:cNvPr>
-          <p:cNvSpPr/>
-          <p:nvPr/>
-        </p:nvSpPr>
-        <p:spPr>
-          <a:xfrm>
-            <a:off x="6485374" y="4683967"/>
-            <a:ext cx="2041451" cy="1072936"/>
-          </a:xfrm>
-          <a:prstGeom prst="rect">
-            <a:avLst/>
-          </a:prstGeom>
-          <a:solidFill>
-            <a:schemeClr val="bg1">
-              <a:lumMod val="95000"/>
-            </a:schemeClr>
-          </a:solidFill>
-          <a:ln>
-            <a:noFill/>
-          </a:ln>
-        </p:spPr>
-        <p:style>
-          <a:lnRef idx="2">
-            <a:schemeClr val="accent1">
-              <a:shade val="50000"/>
-            </a:schemeClr>
-          </a:lnRef>
-          <a:fillRef idx="1">
-            <a:schemeClr val="accent1"/>
-          </a:fillRef>
-          <a:effectRef idx="0">
-            <a:schemeClr val="accent1"/>
-          </a:effectRef>
-          <a:fontRef idx="minor">
-            <a:schemeClr val="lt1"/>
-          </a:fontRef>
-        </p:style>
-        <p:txBody>
-          <a:bodyPr rtlCol="0" anchor="ctr"/>
-          <a:lstStyle/>
-          <a:p>
-            <a:pPr algn="ctr">
-              <a:lnSpc>
-                <a:spcPct val="120000"/>
-              </a:lnSpc>
-            </a:pPr>
-            <a:r>
-              <a:rPr lang="ko-KR" altLang="en-US" sz="1600" dirty="0">
-                <a:solidFill>
-                  <a:schemeClr val="tx1"/>
-                </a:solidFill>
-                <a:latin typeface="+mn-ea"/>
-              </a:rPr>
-              <a:t>담당 구현 기능</a:t>
-            </a:r>
-            <a:r>
-              <a:rPr lang="en-US" altLang="ko-KR" sz="1600" dirty="0">
-                <a:solidFill>
-                  <a:schemeClr val="tx1"/>
-                </a:solidFill>
-                <a:latin typeface="+mn-ea"/>
-              </a:rPr>
-              <a:t>,</a:t>
-            </a:r>
-          </a:p>
-          <a:p>
-            <a:pPr algn="ctr">
-              <a:lnSpc>
-                <a:spcPct val="120000"/>
-              </a:lnSpc>
-            </a:pPr>
-            <a:r>
-              <a:rPr lang="ko-KR" altLang="en-US" sz="1600" dirty="0">
-                <a:solidFill>
-                  <a:schemeClr val="tx1"/>
-                </a:solidFill>
-                <a:latin typeface="+mn-ea"/>
-              </a:rPr>
-              <a:t>페이지 배분</a:t>
-            </a:r>
-          </a:p>
-        </p:txBody>
-      </p:sp>
-      <p:sp>
-        <p:nvSpPr>
-          <p:cNvPr id="45" name="직사각형 44">
-            <a:extLst>
-              <a:ext uri="{FF2B5EF4-FFF2-40B4-BE49-F238E27FC236}">
-                <a16:creationId xmlns:a16="http://schemas.microsoft.com/office/drawing/2014/main" id="{A40BB527-CB9D-AF1C-33B3-F28B2C4504CC}"/>
-              </a:ext>
-            </a:extLst>
-          </p:cNvPr>
-          <p:cNvSpPr/>
-          <p:nvPr/>
-        </p:nvSpPr>
-        <p:spPr>
-          <a:xfrm>
-            <a:off x="6485374" y="4159022"/>
-            <a:ext cx="2041451" cy="524945"/>
-          </a:xfrm>
-          <a:prstGeom prst="rect">
-            <a:avLst/>
-          </a:prstGeom>
-          <a:solidFill>
-            <a:schemeClr val="accent2"/>
-          </a:solidFill>
-          <a:ln>
-            <a:noFill/>
-          </a:ln>
-        </p:spPr>
-        <p:style>
-          <a:lnRef idx="2">
-            <a:schemeClr val="accent1">
-              <a:shade val="50000"/>
-            </a:schemeClr>
-          </a:lnRef>
-          <a:fillRef idx="1">
-            <a:schemeClr val="accent1"/>
-          </a:fillRef>
-          <a:effectRef idx="0">
-            <a:schemeClr val="accent1"/>
-          </a:effectRef>
-          <a:fontRef idx="minor">
-            <a:schemeClr val="lt1"/>
-          </a:fontRef>
-        </p:style>
-        <p:txBody>
-          <a:bodyPr rtlCol="0" anchor="ctr"/>
-          <a:lstStyle/>
-          <a:p>
-            <a:pPr algn="ctr"/>
-            <a:r>
-              <a:rPr lang="en-US" altLang="ko-KR" dirty="0">
-                <a:solidFill>
-                  <a:schemeClr val="accent4">
-                    <a:lumMod val="50000"/>
-                  </a:schemeClr>
-                </a:solidFill>
-              </a:rPr>
-              <a:t>STEP 6</a:t>
-            </a:r>
-            <a:endParaRPr lang="ko-KR" altLang="en-US" dirty="0">
-              <a:solidFill>
-                <a:schemeClr val="accent4">
-                  <a:lumMod val="50000"/>
-                </a:schemeClr>
-              </a:solidFill>
-            </a:endParaRPr>
-          </a:p>
-        </p:txBody>
-      </p:sp>
-      <p:sp>
-        <p:nvSpPr>
-          <p:cNvPr id="47" name="TextBox 46">
-            <a:extLst>
-              <a:ext uri="{FF2B5EF4-FFF2-40B4-BE49-F238E27FC236}">
-                <a16:creationId xmlns:a16="http://schemas.microsoft.com/office/drawing/2014/main" id="{003F83EA-2026-CF12-4790-A0696FD35E9A}"/>
-              </a:ext>
-            </a:extLst>
-          </p:cNvPr>
-          <p:cNvSpPr txBox="1"/>
-          <p:nvPr/>
-        </p:nvSpPr>
-        <p:spPr>
-          <a:xfrm>
-            <a:off x="8655335" y="4236828"/>
-            <a:ext cx="457176" cy="369332"/>
-          </a:xfrm>
-          <a:prstGeom prst="rect">
-            <a:avLst/>
-          </a:prstGeom>
-          <a:noFill/>
-        </p:spPr>
-        <p:txBody>
-          <a:bodyPr wrap="none" rtlCol="0">
-            <a:spAutoFit/>
-          </a:bodyPr>
-          <a:lstStyle/>
-          <a:p>
-            <a:r>
-              <a:rPr lang="en-US" altLang="ko-KR" dirty="0">
-                <a:latin typeface="+mn-ea"/>
-              </a:rPr>
-              <a:t>&lt;&lt;</a:t>
-            </a:r>
-            <a:endParaRPr lang="ko-KR" altLang="en-US" dirty="0">
-              <a:latin typeface="+mn-ea"/>
-            </a:endParaRPr>
-          </a:p>
-        </p:txBody>
-      </p:sp>
-      <p:sp>
-        <p:nvSpPr>
-          <p:cNvPr id="48" name="직사각형 47">
-            <a:extLst>
-              <a:ext uri="{FF2B5EF4-FFF2-40B4-BE49-F238E27FC236}">
-                <a16:creationId xmlns:a16="http://schemas.microsoft.com/office/drawing/2014/main" id="{334085E1-304E-0B60-F3E3-45C9353BA518}"/>
-              </a:ext>
-            </a:extLst>
-          </p:cNvPr>
-          <p:cNvSpPr/>
-          <p:nvPr/>
-        </p:nvSpPr>
-        <p:spPr>
-          <a:xfrm>
-            <a:off x="3726819" y="4683967"/>
-            <a:ext cx="2041451" cy="1072936"/>
-          </a:xfrm>
-          <a:prstGeom prst="rect">
-            <a:avLst/>
-          </a:prstGeom>
-          <a:solidFill>
-            <a:schemeClr val="bg1">
-              <a:lumMod val="95000"/>
-            </a:schemeClr>
-          </a:solidFill>
-          <a:ln>
-            <a:noFill/>
-          </a:ln>
-        </p:spPr>
-        <p:style>
-          <a:lnRef idx="2">
-            <a:schemeClr val="accent1">
-              <a:shade val="50000"/>
-            </a:schemeClr>
-          </a:lnRef>
-          <a:fillRef idx="1">
-            <a:schemeClr val="accent1"/>
-          </a:fillRef>
-          <a:effectRef idx="0">
-            <a:schemeClr val="accent1"/>
-          </a:effectRef>
-          <a:fontRef idx="minor">
-            <a:schemeClr val="lt1"/>
-          </a:fontRef>
-        </p:style>
-        <p:txBody>
-          <a:bodyPr rtlCol="0" anchor="ctr"/>
-          <a:lstStyle/>
-          <a:p>
-            <a:pPr algn="ctr">
-              <a:lnSpc>
-                <a:spcPct val="120000"/>
-              </a:lnSpc>
-            </a:pPr>
-            <a:r>
-              <a:rPr lang="ko-KR" altLang="en-US" sz="1600" dirty="0">
-                <a:solidFill>
-                  <a:schemeClr val="tx1"/>
-                </a:solidFill>
-                <a:latin typeface="+mn-ea"/>
-              </a:rPr>
-              <a:t>기능 구현</a:t>
-            </a:r>
-            <a:endParaRPr lang="en-US" altLang="ko-KR" sz="1600" dirty="0">
-              <a:solidFill>
-                <a:schemeClr val="tx1"/>
-              </a:solidFill>
-              <a:latin typeface="+mn-ea"/>
-            </a:endParaRPr>
-          </a:p>
-        </p:txBody>
-      </p:sp>
-      <p:sp>
-        <p:nvSpPr>
-          <p:cNvPr id="49" name="직사각형 48">
-            <a:extLst>
-              <a:ext uri="{FF2B5EF4-FFF2-40B4-BE49-F238E27FC236}">
-                <a16:creationId xmlns:a16="http://schemas.microsoft.com/office/drawing/2014/main" id="{71CE1859-BC50-1058-52AF-56898C982AAE}"/>
-              </a:ext>
-            </a:extLst>
-          </p:cNvPr>
-          <p:cNvSpPr/>
-          <p:nvPr/>
-        </p:nvSpPr>
-        <p:spPr>
-          <a:xfrm>
-            <a:off x="3726819" y="4159022"/>
-            <a:ext cx="2041451" cy="524945"/>
-          </a:xfrm>
-          <a:prstGeom prst="rect">
-            <a:avLst/>
-          </a:prstGeom>
-          <a:solidFill>
-            <a:schemeClr val="accent2"/>
-          </a:solidFill>
-          <a:ln>
-            <a:noFill/>
-          </a:ln>
-        </p:spPr>
-        <p:style>
-          <a:lnRef idx="2">
-            <a:schemeClr val="accent1">
-              <a:shade val="50000"/>
-            </a:schemeClr>
-          </a:lnRef>
-          <a:fillRef idx="1">
-            <a:schemeClr val="accent1"/>
-          </a:fillRef>
-          <a:effectRef idx="0">
-            <a:schemeClr val="accent1"/>
-          </a:effectRef>
-          <a:fontRef idx="minor">
-            <a:schemeClr val="lt1"/>
-          </a:fontRef>
-        </p:style>
-        <p:txBody>
-          <a:bodyPr rtlCol="0" anchor="ctr"/>
-          <a:lstStyle/>
-          <a:p>
-            <a:pPr algn="ctr"/>
-            <a:r>
-              <a:rPr lang="en-US" altLang="ko-KR" dirty="0">
-                <a:solidFill>
-                  <a:schemeClr val="accent4">
-                    <a:lumMod val="50000"/>
-                  </a:schemeClr>
-                </a:solidFill>
-              </a:rPr>
-              <a:t>STEP 7</a:t>
-            </a:r>
-            <a:endParaRPr lang="ko-KR" altLang="en-US" dirty="0">
-              <a:solidFill>
-                <a:schemeClr val="accent4">
-                  <a:lumMod val="50000"/>
-                </a:schemeClr>
-              </a:solidFill>
-            </a:endParaRPr>
-          </a:p>
-        </p:txBody>
-      </p:sp>
-      <p:sp>
-        <p:nvSpPr>
-          <p:cNvPr id="50" name="TextBox 49">
-            <a:extLst>
-              <a:ext uri="{FF2B5EF4-FFF2-40B4-BE49-F238E27FC236}">
-                <a16:creationId xmlns:a16="http://schemas.microsoft.com/office/drawing/2014/main" id="{D93E4CEE-EE8D-C3BF-074F-328D59EB94A2}"/>
-              </a:ext>
-            </a:extLst>
-          </p:cNvPr>
-          <p:cNvSpPr txBox="1"/>
-          <p:nvPr/>
-        </p:nvSpPr>
-        <p:spPr>
-          <a:xfrm>
-            <a:off x="5898234" y="4236828"/>
-            <a:ext cx="457176" cy="369332"/>
-          </a:xfrm>
-          <a:prstGeom prst="rect">
-            <a:avLst/>
-          </a:prstGeom>
-          <a:noFill/>
-        </p:spPr>
-        <p:txBody>
-          <a:bodyPr wrap="none" rtlCol="0">
-            <a:spAutoFit/>
-          </a:bodyPr>
-          <a:lstStyle/>
-          <a:p>
-            <a:r>
-              <a:rPr lang="en-US" altLang="ko-KR" dirty="0">
-                <a:latin typeface="+mn-ea"/>
-              </a:rPr>
-              <a:t>&lt;&lt;</a:t>
-            </a:r>
-            <a:endParaRPr lang="ko-KR" altLang="en-US" dirty="0">
-              <a:latin typeface="+mn-ea"/>
-            </a:endParaRPr>
-          </a:p>
-        </p:txBody>
-      </p:sp>
-      <p:sp>
-        <p:nvSpPr>
-          <p:cNvPr id="51" name="직사각형 50">
-            <a:extLst>
-              <a:ext uri="{FF2B5EF4-FFF2-40B4-BE49-F238E27FC236}">
-                <a16:creationId xmlns:a16="http://schemas.microsoft.com/office/drawing/2014/main" id="{35246563-FE3E-E811-30E4-418CBE20B114}"/>
-              </a:ext>
-            </a:extLst>
-          </p:cNvPr>
-          <p:cNvSpPr/>
-          <p:nvPr/>
-        </p:nvSpPr>
-        <p:spPr>
-          <a:xfrm>
-            <a:off x="968264" y="4683967"/>
-            <a:ext cx="2041451" cy="1072936"/>
-          </a:xfrm>
-          <a:prstGeom prst="rect">
-            <a:avLst/>
-          </a:prstGeom>
-          <a:solidFill>
-            <a:schemeClr val="bg1">
-              <a:lumMod val="95000"/>
-            </a:schemeClr>
-          </a:solidFill>
-          <a:ln>
-            <a:noFill/>
-          </a:ln>
-        </p:spPr>
-        <p:style>
-          <a:lnRef idx="2">
-            <a:schemeClr val="accent1">
-              <a:shade val="50000"/>
-            </a:schemeClr>
-          </a:lnRef>
-          <a:fillRef idx="1">
-            <a:schemeClr val="accent1"/>
-          </a:fillRef>
-          <a:effectRef idx="0">
-            <a:schemeClr val="accent1"/>
-          </a:effectRef>
-          <a:fontRef idx="minor">
-            <a:schemeClr val="lt1"/>
-          </a:fontRef>
-        </p:style>
-        <p:txBody>
-          <a:bodyPr rtlCol="0" anchor="ctr"/>
-          <a:lstStyle/>
-          <a:p>
-            <a:pPr algn="ctr">
-              <a:lnSpc>
-                <a:spcPct val="120000"/>
-              </a:lnSpc>
-            </a:pPr>
-            <a:r>
-              <a:rPr lang="ko-KR" altLang="en-US" sz="1600" dirty="0">
-                <a:solidFill>
-                  <a:schemeClr val="tx1"/>
-                </a:solidFill>
-                <a:latin typeface="+mn-ea"/>
-              </a:rPr>
-              <a:t>디자인</a:t>
-            </a:r>
-          </a:p>
-        </p:txBody>
-      </p:sp>
-      <p:sp>
-        <p:nvSpPr>
-          <p:cNvPr id="52" name="직사각형 51">
-            <a:extLst>
-              <a:ext uri="{FF2B5EF4-FFF2-40B4-BE49-F238E27FC236}">
-                <a16:creationId xmlns:a16="http://schemas.microsoft.com/office/drawing/2014/main" id="{2413BB1E-C6C6-52B7-071B-731902D5E1C6}"/>
-              </a:ext>
-            </a:extLst>
-          </p:cNvPr>
-          <p:cNvSpPr/>
-          <p:nvPr/>
-        </p:nvSpPr>
-        <p:spPr>
-          <a:xfrm>
-            <a:off x="968264" y="4159022"/>
-            <a:ext cx="2041451" cy="524945"/>
-          </a:xfrm>
-          <a:prstGeom prst="rect">
-            <a:avLst/>
-          </a:prstGeom>
-          <a:solidFill>
-            <a:schemeClr val="accent2"/>
-          </a:solidFill>
-          <a:ln>
-            <a:noFill/>
-          </a:ln>
-        </p:spPr>
-        <p:style>
-          <a:lnRef idx="2">
-            <a:schemeClr val="accent1">
-              <a:shade val="50000"/>
-            </a:schemeClr>
-          </a:lnRef>
-          <a:fillRef idx="1">
-            <a:schemeClr val="accent1"/>
-          </a:fillRef>
-          <a:effectRef idx="0">
-            <a:schemeClr val="accent1"/>
-          </a:effectRef>
-          <a:fontRef idx="minor">
-            <a:schemeClr val="lt1"/>
-          </a:fontRef>
-        </p:style>
-        <p:txBody>
-          <a:bodyPr rtlCol="0" anchor="ctr"/>
-          <a:lstStyle/>
-          <a:p>
-            <a:pPr algn="ctr"/>
-            <a:r>
-              <a:rPr lang="en-US" altLang="ko-KR" dirty="0">
-                <a:solidFill>
-                  <a:schemeClr val="accent4">
-                    <a:lumMod val="50000"/>
-                  </a:schemeClr>
-                </a:solidFill>
-              </a:rPr>
-              <a:t>STEP 8</a:t>
-            </a:r>
-            <a:endParaRPr lang="ko-KR" altLang="en-US" dirty="0">
-              <a:solidFill>
-                <a:schemeClr val="accent4">
-                  <a:lumMod val="50000"/>
-                </a:schemeClr>
-              </a:solidFill>
-            </a:endParaRPr>
-          </a:p>
-        </p:txBody>
-      </p:sp>
-      <p:sp>
-        <p:nvSpPr>
-          <p:cNvPr id="53" name="TextBox 52">
-            <a:extLst>
-              <a:ext uri="{FF2B5EF4-FFF2-40B4-BE49-F238E27FC236}">
-                <a16:creationId xmlns:a16="http://schemas.microsoft.com/office/drawing/2014/main" id="{E772F072-BAF5-976B-2811-BA880A8949AB}"/>
-              </a:ext>
-            </a:extLst>
-          </p:cNvPr>
-          <p:cNvSpPr txBox="1"/>
-          <p:nvPr/>
-        </p:nvSpPr>
-        <p:spPr>
-          <a:xfrm>
-            <a:off x="3139679" y="4236828"/>
-            <a:ext cx="457176" cy="369332"/>
-          </a:xfrm>
-          <a:prstGeom prst="rect">
-            <a:avLst/>
-          </a:prstGeom>
-          <a:noFill/>
-        </p:spPr>
-        <p:txBody>
-          <a:bodyPr wrap="none" rtlCol="0">
-            <a:spAutoFit/>
-          </a:bodyPr>
-          <a:lstStyle/>
-          <a:p>
-            <a:r>
-              <a:rPr lang="en-US" altLang="ko-KR" dirty="0">
-                <a:latin typeface="+mn-ea"/>
-              </a:rPr>
-              <a:t>&lt;&lt;</a:t>
-            </a:r>
-            <a:endParaRPr lang="ko-KR" altLang="en-US" dirty="0">
+              <a:t>)</a:t>
+            </a:r>
+            <a:endParaRPr lang="ko-KR" altLang="en-US" sz="1100" dirty="0">
               <a:latin typeface="+mn-ea"/>
             </a:endParaRPr>
           </a:p>
@@ -8522,7 +8847,7 @@
     </p:spTree>
     <p:extLst>
       <p:ext uri="{BB962C8B-B14F-4D97-AF65-F5344CB8AC3E}">
-        <p14:creationId xmlns:p14="http://schemas.microsoft.com/office/powerpoint/2010/main" val="473379613"/>
+        <p14:creationId xmlns:p14="http://schemas.microsoft.com/office/powerpoint/2010/main" val="2294374139"/>
       </p:ext>
     </p:extLst>
   </p:cSld>
@@ -8561,175 +8886,47 @@
           <a:chExt cx="0" cy="0"/>
         </a:xfrm>
       </p:grpSpPr>
-      <p:sp>
-        <p:nvSpPr>
-          <p:cNvPr id="2" name="직사각형 1">
-            <a:extLst>
-              <a:ext uri="{FF2B5EF4-FFF2-40B4-BE49-F238E27FC236}">
-                <a16:creationId xmlns:a16="http://schemas.microsoft.com/office/drawing/2014/main" id="{B1985EEF-2AD8-452A-AD82-3BF8C0CCB759}"/>
-              </a:ext>
-            </a:extLst>
-          </p:cNvPr>
-          <p:cNvSpPr/>
+      <p:pic>
+        <p:nvPicPr>
+          <p:cNvPr id="3" name="그림 2">
+            <a:extLst>
+              <a:ext uri="{FF2B5EF4-FFF2-40B4-BE49-F238E27FC236}">
+                <a16:creationId xmlns:a16="http://schemas.microsoft.com/office/drawing/2014/main" id="{4EBBF972-9F3D-4F22-B882-CE59EF744762}"/>
+              </a:ext>
+            </a:extLst>
+          </p:cNvPr>
+          <p:cNvPicPr>
+            <a:picLocks noChangeAspect="1"/>
+          </p:cNvPicPr>
           <p:nvPr/>
-        </p:nvSpPr>
-        <p:spPr>
-          <a:xfrm>
-            <a:off x="720000" y="1049009"/>
-            <a:ext cx="5760000" cy="108000"/>
+        </p:nvPicPr>
+        <p:blipFill rotWithShape="1">
+          <a:blip r:embed="rId2" cstate="screen">
+            <a:extLst>
+              <a:ext uri="{28A0092B-C50C-407E-A947-70E740481C1C}">
+                <a14:useLocalDpi xmlns:a14="http://schemas.microsoft.com/office/drawing/2010/main" val="0"/>
+              </a:ext>
+            </a:extLst>
+          </a:blip>
+          <a:srcRect/>
+          <a:stretch/>
+        </p:blipFill>
+        <p:spPr>
+          <a:xfrm>
+            <a:off x="0" y="0"/>
+            <a:ext cx="12192000" cy="6858000"/>
           </a:xfrm>
           <a:prstGeom prst="rect">
             <a:avLst/>
           </a:prstGeom>
-          <a:solidFill>
-            <a:schemeClr val="accent4"/>
-          </a:solidFill>
-          <a:ln>
-            <a:noFill/>
-          </a:ln>
-        </p:spPr>
-        <p:style>
-          <a:lnRef idx="2">
-            <a:schemeClr val="accent1">
-              <a:shade val="50000"/>
-            </a:schemeClr>
-          </a:lnRef>
-          <a:fillRef idx="1">
-            <a:schemeClr val="accent1"/>
-          </a:fillRef>
-          <a:effectRef idx="0">
-            <a:schemeClr val="accent1"/>
-          </a:effectRef>
-          <a:fontRef idx="minor">
-            <a:schemeClr val="lt1"/>
-          </a:fontRef>
-        </p:style>
-        <p:txBody>
-          <a:bodyPr rtlCol="0" anchor="ctr"/>
-          <a:lstStyle/>
-          <a:p>
-            <a:pPr algn="ctr"/>
-            <a:endParaRPr lang="ko-KR" altLang="en-US"/>
-          </a:p>
-        </p:txBody>
-      </p:sp>
-      <p:sp>
-        <p:nvSpPr>
-          <p:cNvPr id="3" name="직사각형 2">
-            <a:extLst>
-              <a:ext uri="{FF2B5EF4-FFF2-40B4-BE49-F238E27FC236}">
-                <a16:creationId xmlns:a16="http://schemas.microsoft.com/office/drawing/2014/main" id="{82363163-7A23-46FA-8BFB-C5C551676293}"/>
-              </a:ext>
-            </a:extLst>
-          </p:cNvPr>
-          <p:cNvSpPr/>
-          <p:nvPr/>
-        </p:nvSpPr>
-        <p:spPr>
-          <a:xfrm>
-            <a:off x="0" y="1049009"/>
-            <a:ext cx="720000" cy="108000"/>
-          </a:xfrm>
-          <a:prstGeom prst="rect">
-            <a:avLst/>
-          </a:prstGeom>
-          <a:solidFill>
-            <a:schemeClr val="accent2"/>
-          </a:solidFill>
-          <a:ln>
-            <a:noFill/>
-          </a:ln>
-        </p:spPr>
-        <p:style>
-          <a:lnRef idx="2">
-            <a:schemeClr val="accent1">
-              <a:shade val="50000"/>
-            </a:schemeClr>
-          </a:lnRef>
-          <a:fillRef idx="1">
-            <a:schemeClr val="accent1"/>
-          </a:fillRef>
-          <a:effectRef idx="0">
-            <a:schemeClr val="accent1"/>
-          </a:effectRef>
-          <a:fontRef idx="minor">
-            <a:schemeClr val="lt1"/>
-          </a:fontRef>
-        </p:style>
-        <p:txBody>
-          <a:bodyPr rtlCol="0" anchor="ctr"/>
-          <a:lstStyle/>
-          <a:p>
-            <a:pPr algn="ctr"/>
-            <a:endParaRPr lang="ko-KR" altLang="en-US"/>
-          </a:p>
-        </p:txBody>
-      </p:sp>
-      <p:sp>
-        <p:nvSpPr>
-          <p:cNvPr id="6" name="직사각형 5">
-            <a:extLst>
-              <a:ext uri="{FF2B5EF4-FFF2-40B4-BE49-F238E27FC236}">
-                <a16:creationId xmlns:a16="http://schemas.microsoft.com/office/drawing/2014/main" id="{E3B80605-1D4E-49F3-BF75-46C8F4FF8F71}"/>
-              </a:ext>
-            </a:extLst>
-          </p:cNvPr>
-          <p:cNvSpPr/>
-          <p:nvPr/>
-        </p:nvSpPr>
-        <p:spPr>
-          <a:xfrm>
-            <a:off x="801330" y="1963426"/>
-            <a:ext cx="2857296" cy="2857296"/>
-          </a:xfrm>
-          <a:prstGeom prst="rect">
-            <a:avLst/>
-          </a:prstGeom>
-          <a:solidFill>
-            <a:schemeClr val="accent2"/>
-          </a:solidFill>
-          <a:ln>
-            <a:noFill/>
-          </a:ln>
-        </p:spPr>
-        <p:style>
-          <a:lnRef idx="2">
-            <a:schemeClr val="accent1">
-              <a:shade val="50000"/>
-            </a:schemeClr>
-          </a:lnRef>
-          <a:fillRef idx="1">
-            <a:schemeClr val="accent1"/>
-          </a:fillRef>
-          <a:effectRef idx="0">
-            <a:schemeClr val="accent1"/>
-          </a:effectRef>
-          <a:fontRef idx="minor">
-            <a:schemeClr val="lt1"/>
-          </a:fontRef>
-        </p:style>
-        <p:txBody>
-          <a:bodyPr rtlCol="0" anchor="ctr"/>
-          <a:lstStyle/>
-          <a:p>
-            <a:pPr algn="ctr"/>
-            <a:r>
-              <a:rPr lang="ko-KR" altLang="en-US" sz="3200" spc="-200" dirty="0">
-                <a:solidFill>
-                  <a:schemeClr val="tx1"/>
-                </a:solidFill>
-              </a:rPr>
-              <a:t>커뮤니티</a:t>
-            </a:r>
-          </a:p>
-        </p:txBody>
-      </p:sp>
-      <p:sp>
-        <p:nvSpPr>
-          <p:cNvPr id="13" name="TextBox 12">
-            <a:extLst>
-              <a:ext uri="{FF2B5EF4-FFF2-40B4-BE49-F238E27FC236}">
-                <a16:creationId xmlns:a16="http://schemas.microsoft.com/office/drawing/2014/main" id="{BEB8420A-8CAE-40B8-AF4F-BE209307EAA9}"/>
+        </p:spPr>
+      </p:pic>
+      <p:sp>
+        <p:nvSpPr>
+          <p:cNvPr id="2" name="TextBox 1">
+            <a:extLst>
+              <a:ext uri="{FF2B5EF4-FFF2-40B4-BE49-F238E27FC236}">
+                <a16:creationId xmlns:a16="http://schemas.microsoft.com/office/drawing/2014/main" id="{83EC8F07-1CE4-C63F-3EFD-0726D0E3FAC4}"/>
               </a:ext>
             </a:extLst>
           </p:cNvPr>
@@ -8738,8 +8935,8 @@
         </p:nvSpPr>
         <p:spPr>
           <a:xfrm>
-            <a:off x="801330" y="4989543"/>
-            <a:ext cx="2865121" cy="307777"/>
+            <a:off x="3802744" y="2828835"/>
+            <a:ext cx="4586512" cy="1200329"/>
           </a:xfrm>
           <a:prstGeom prst="rect">
             <a:avLst/>
@@ -8747,351 +8944,35 @@
           <a:noFill/>
         </p:spPr>
         <p:txBody>
-          <a:bodyPr wrap="square" rtlCol="0">
-            <a:spAutoFit/>
-          </a:bodyPr>
-          <a:lstStyle/>
-          <a:p>
-            <a:pPr algn="ctr"/>
-            <a:r>
-              <a:rPr lang="ko-KR" altLang="en-US" sz="1400" dirty="0">
-                <a:latin typeface="+mn-ea"/>
-              </a:rPr>
-              <a:t>일반적인 글을 다루는 게시판</a:t>
-            </a:r>
-          </a:p>
-        </p:txBody>
-      </p:sp>
-      <p:sp>
-        <p:nvSpPr>
-          <p:cNvPr id="16" name="직사각형 15">
-            <a:extLst>
-              <a:ext uri="{FF2B5EF4-FFF2-40B4-BE49-F238E27FC236}">
-                <a16:creationId xmlns:a16="http://schemas.microsoft.com/office/drawing/2014/main" id="{79B855BF-D9DA-4DCA-8C3B-580B809FB3AD}"/>
-              </a:ext>
-            </a:extLst>
-          </p:cNvPr>
-          <p:cNvSpPr/>
-          <p:nvPr/>
-        </p:nvSpPr>
-        <p:spPr>
-          <a:xfrm>
-            <a:off x="4663440" y="1984860"/>
-            <a:ext cx="2865120" cy="2865120"/>
-          </a:xfrm>
-          <a:prstGeom prst="rect">
-            <a:avLst/>
-          </a:prstGeom>
-          <a:solidFill>
-            <a:schemeClr val="accent2"/>
-          </a:solidFill>
-          <a:ln>
-            <a:noFill/>
-          </a:ln>
-        </p:spPr>
-        <p:style>
-          <a:lnRef idx="2">
-            <a:schemeClr val="accent1">
-              <a:shade val="50000"/>
-            </a:schemeClr>
-          </a:lnRef>
-          <a:fillRef idx="1">
-            <a:schemeClr val="accent1"/>
-          </a:fillRef>
-          <a:effectRef idx="0">
-            <a:schemeClr val="accent1"/>
-          </a:effectRef>
-          <a:fontRef idx="minor">
-            <a:schemeClr val="lt1"/>
-          </a:fontRef>
-        </p:style>
-        <p:txBody>
-          <a:bodyPr rtlCol="0" anchor="ctr"/>
-          <a:lstStyle/>
-          <a:p>
-            <a:pPr algn="ctr"/>
-            <a:r>
-              <a:rPr lang="ko-KR" altLang="en-US" sz="3200" spc="-200" dirty="0">
-                <a:solidFill>
-                  <a:schemeClr val="tx1"/>
-                </a:solidFill>
-              </a:rPr>
-              <a:t>사진 자랑</a:t>
-            </a:r>
-            <a:endParaRPr lang="ko-KR" altLang="en-US" sz="3200" dirty="0"/>
-          </a:p>
-        </p:txBody>
-      </p:sp>
-      <p:sp>
-        <p:nvSpPr>
-          <p:cNvPr id="18" name="TextBox 17">
-            <a:extLst>
-              <a:ext uri="{FF2B5EF4-FFF2-40B4-BE49-F238E27FC236}">
-                <a16:creationId xmlns:a16="http://schemas.microsoft.com/office/drawing/2014/main" id="{525A953E-C6F0-4D1F-96F9-EB846842787C}"/>
-              </a:ext>
-            </a:extLst>
-          </p:cNvPr>
-          <p:cNvSpPr txBox="1"/>
-          <p:nvPr/>
-        </p:nvSpPr>
-        <p:spPr>
-          <a:xfrm>
-            <a:off x="4663439" y="4989543"/>
-            <a:ext cx="2865121" cy="307777"/>
-          </a:xfrm>
-          <a:prstGeom prst="rect">
-            <a:avLst/>
-          </a:prstGeom>
-          <a:noFill/>
-        </p:spPr>
-        <p:txBody>
-          <a:bodyPr wrap="square" rtlCol="0">
-            <a:spAutoFit/>
-          </a:bodyPr>
-          <a:lstStyle/>
-          <a:p>
-            <a:pPr algn="ctr"/>
-            <a:r>
-              <a:rPr lang="ko-KR" altLang="en-US" sz="1400" dirty="0">
-                <a:latin typeface="+mn-ea"/>
-              </a:rPr>
-              <a:t>애완 동물의 사진을 자랑하는 게시판</a:t>
-            </a:r>
-          </a:p>
-        </p:txBody>
-      </p:sp>
-      <p:sp>
-        <p:nvSpPr>
-          <p:cNvPr id="20" name="직사각형 19">
-            <a:extLst>
-              <a:ext uri="{FF2B5EF4-FFF2-40B4-BE49-F238E27FC236}">
-                <a16:creationId xmlns:a16="http://schemas.microsoft.com/office/drawing/2014/main" id="{46AF84B2-8495-4833-89FB-8C7E41356CCD}"/>
-              </a:ext>
-            </a:extLst>
-          </p:cNvPr>
-          <p:cNvSpPr/>
-          <p:nvPr/>
-        </p:nvSpPr>
-        <p:spPr>
-          <a:xfrm>
-            <a:off x="8533373" y="1984860"/>
-            <a:ext cx="2865120" cy="2865120"/>
-          </a:xfrm>
-          <a:prstGeom prst="rect">
-            <a:avLst/>
-          </a:prstGeom>
-          <a:solidFill>
-            <a:schemeClr val="accent2"/>
-          </a:solidFill>
-          <a:ln>
-            <a:noFill/>
-          </a:ln>
-        </p:spPr>
-        <p:style>
-          <a:lnRef idx="2">
-            <a:schemeClr val="accent1">
-              <a:shade val="50000"/>
-            </a:schemeClr>
-          </a:lnRef>
-          <a:fillRef idx="1">
-            <a:schemeClr val="accent1"/>
-          </a:fillRef>
-          <a:effectRef idx="0">
-            <a:schemeClr val="accent1"/>
-          </a:effectRef>
-          <a:fontRef idx="minor">
-            <a:schemeClr val="lt1"/>
-          </a:fontRef>
-        </p:style>
-        <p:txBody>
-          <a:bodyPr rtlCol="0" anchor="ctr"/>
-          <a:lstStyle/>
-          <a:p>
-            <a:pPr algn="ctr"/>
-            <a:r>
-              <a:rPr lang="ko-KR" altLang="en-US" sz="3200" spc="-200" dirty="0">
-                <a:solidFill>
-                  <a:schemeClr val="tx1"/>
-                </a:solidFill>
-              </a:rPr>
-              <a:t>펫 모임</a:t>
-            </a:r>
-            <a:endParaRPr lang="ko-KR" altLang="en-US" sz="3200" dirty="0"/>
-          </a:p>
-        </p:txBody>
-      </p:sp>
-      <p:sp>
-        <p:nvSpPr>
-          <p:cNvPr id="31" name="TextBox 30">
-            <a:extLst>
-              <a:ext uri="{FF2B5EF4-FFF2-40B4-BE49-F238E27FC236}">
-                <a16:creationId xmlns:a16="http://schemas.microsoft.com/office/drawing/2014/main" id="{2B03C890-F304-BCF3-B32C-F84FA2D1477F}"/>
-              </a:ext>
-            </a:extLst>
-          </p:cNvPr>
-          <p:cNvSpPr txBox="1"/>
-          <p:nvPr/>
-        </p:nvSpPr>
-        <p:spPr>
-          <a:xfrm>
-            <a:off x="720000" y="121920"/>
-            <a:ext cx="1923925" cy="584775"/>
-          </a:xfrm>
-          <a:prstGeom prst="rect">
-            <a:avLst/>
-          </a:prstGeom>
-          <a:noFill/>
-        </p:spPr>
-        <p:txBody>
           <a:bodyPr wrap="none" rtlCol="0">
             <a:spAutoFit/>
           </a:bodyPr>
           <a:lstStyle/>
           <a:p>
-            <a:r>
-              <a:rPr lang="ko-KR" altLang="en-US" sz="3200" spc="-300" dirty="0">
+            <a:pPr algn="ctr"/>
+            <a:r>
+              <a:rPr lang="ko-KR" altLang="en-US" sz="7200" i="1" spc="-300" dirty="0">
                 <a:solidFill>
                   <a:schemeClr val="accent4">
                     <a:lumMod val="50000"/>
                   </a:schemeClr>
                 </a:solidFill>
+                <a:latin typeface="+mj-ea"/>
+                <a:ea typeface="+mj-ea"/>
               </a:rPr>
-              <a:t>페이지 설명</a:t>
-            </a:r>
-          </a:p>
-        </p:txBody>
-      </p:sp>
-      <p:sp>
-        <p:nvSpPr>
-          <p:cNvPr id="32" name="TextBox 31">
-            <a:extLst>
-              <a:ext uri="{FF2B5EF4-FFF2-40B4-BE49-F238E27FC236}">
-                <a16:creationId xmlns:a16="http://schemas.microsoft.com/office/drawing/2014/main" id="{7CD6ED04-1266-D790-3BBD-E104F613C70B}"/>
-              </a:ext>
-            </a:extLst>
-          </p:cNvPr>
-          <p:cNvSpPr txBox="1"/>
-          <p:nvPr/>
-        </p:nvSpPr>
-        <p:spPr>
-          <a:xfrm>
-            <a:off x="720000" y="629175"/>
-            <a:ext cx="2608406" cy="307777"/>
-          </a:xfrm>
-          <a:prstGeom prst="rect">
-            <a:avLst/>
-          </a:prstGeom>
-          <a:noFill/>
-        </p:spPr>
-        <p:txBody>
-          <a:bodyPr wrap="none" rtlCol="0">
-            <a:spAutoFit/>
-          </a:bodyPr>
-          <a:lstStyle/>
-          <a:p>
-            <a:r>
-              <a:rPr lang="ko-KR" altLang="en-US" sz="1400" dirty="0">
+              <a:t>감사합니다 </a:t>
+            </a:r>
+            <a:r>
+              <a:rPr lang="en-US" altLang="ko-KR" sz="7200" i="1" spc="-300" dirty="0">
                 <a:solidFill>
                   <a:schemeClr val="accent4">
                     <a:lumMod val="50000"/>
                   </a:schemeClr>
                 </a:solidFill>
+                <a:latin typeface="+mj-ea"/>
+                <a:ea typeface="+mj-ea"/>
               </a:rPr>
-              <a:t>카테고리별 페이지의 간략한 설명</a:t>
-            </a:r>
-          </a:p>
-        </p:txBody>
-      </p:sp>
-      <p:sp>
-        <p:nvSpPr>
-          <p:cNvPr id="33" name="TextBox 32">
-            <a:extLst>
-              <a:ext uri="{FF2B5EF4-FFF2-40B4-BE49-F238E27FC236}">
-                <a16:creationId xmlns:a16="http://schemas.microsoft.com/office/drawing/2014/main" id="{0411F455-0E35-B4C9-1CA8-491507C95D30}"/>
-              </a:ext>
-            </a:extLst>
-          </p:cNvPr>
-          <p:cNvSpPr txBox="1"/>
-          <p:nvPr/>
-        </p:nvSpPr>
-        <p:spPr>
-          <a:xfrm>
-            <a:off x="185879" y="46855"/>
-            <a:ext cx="548548" cy="830997"/>
-          </a:xfrm>
-          <a:prstGeom prst="rect">
-            <a:avLst/>
-          </a:prstGeom>
-          <a:noFill/>
-        </p:spPr>
-        <p:txBody>
-          <a:bodyPr wrap="none" rtlCol="0">
-            <a:spAutoFit/>
-          </a:bodyPr>
-          <a:lstStyle/>
-          <a:p>
-            <a:r>
-              <a:rPr lang="en-US" altLang="ko-KR" sz="4800" b="1" dirty="0">
-                <a:solidFill>
-                  <a:schemeClr val="accent4"/>
-                </a:solidFill>
-              </a:rPr>
-              <a:t>3</a:t>
-            </a:r>
-            <a:endParaRPr lang="ko-KR" altLang="en-US" sz="4800" b="1" dirty="0">
-              <a:solidFill>
-                <a:schemeClr val="accent4"/>
-              </a:solidFill>
-            </a:endParaRPr>
-          </a:p>
-        </p:txBody>
-      </p:sp>
-      <p:sp>
-        <p:nvSpPr>
-          <p:cNvPr id="34" name="TextBox 33">
-            <a:extLst>
-              <a:ext uri="{FF2B5EF4-FFF2-40B4-BE49-F238E27FC236}">
-                <a16:creationId xmlns:a16="http://schemas.microsoft.com/office/drawing/2014/main" id="{41B1F20C-35D2-93B6-40B3-936A202187C7}"/>
-              </a:ext>
-            </a:extLst>
-          </p:cNvPr>
-          <p:cNvSpPr txBox="1"/>
-          <p:nvPr/>
-        </p:nvSpPr>
-        <p:spPr>
-          <a:xfrm>
-            <a:off x="8533373" y="4989543"/>
-            <a:ext cx="2865121" cy="523220"/>
-          </a:xfrm>
-          <a:prstGeom prst="rect">
-            <a:avLst/>
-          </a:prstGeom>
-          <a:noFill/>
-        </p:spPr>
-        <p:txBody>
-          <a:bodyPr wrap="square" rtlCol="0">
-            <a:spAutoFit/>
-          </a:bodyPr>
-          <a:lstStyle/>
-          <a:p>
-            <a:pPr algn="ctr"/>
-            <a:r>
-              <a:rPr lang="ko-KR" altLang="en-US" sz="1400" dirty="0">
-                <a:latin typeface="+mn-ea"/>
-              </a:rPr>
-              <a:t>펫 모임을 인원을 모집하기 위하여</a:t>
-            </a:r>
-            <a:endParaRPr lang="en-US" altLang="ko-KR" sz="1400" dirty="0">
-              <a:latin typeface="+mn-ea"/>
-            </a:endParaRPr>
-          </a:p>
-          <a:p>
-            <a:pPr algn="ctr"/>
-            <a:r>
-              <a:rPr lang="ko-KR" altLang="en-US" sz="1400" dirty="0">
-                <a:latin typeface="+mn-ea"/>
-              </a:rPr>
-              <a:t>모임의 정보를 다루는 게시판</a:t>
+              <a:t>!</a:t>
             </a:r>
           </a:p>
         </p:txBody>
@@ -9099,648 +8980,7 @@
     </p:spTree>
     <p:extLst>
       <p:ext uri="{BB962C8B-B14F-4D97-AF65-F5344CB8AC3E}">
-        <p14:creationId xmlns:p14="http://schemas.microsoft.com/office/powerpoint/2010/main" val="1755158759"/>
-      </p:ext>
-    </p:extLst>
-  </p:cSld>
-  <p:clrMapOvr>
-    <a:masterClrMapping/>
-  </p:clrMapOvr>
-  <mc:AlternateContent xmlns:mc="http://schemas.openxmlformats.org/markup-compatibility/2006" xmlns:p14="http://schemas.microsoft.com/office/powerpoint/2010/main">
-    <mc:Choice Requires="p14">
-      <p:transition spd="med" p14:dur="700">
-        <p:fade/>
-      </p:transition>
-    </mc:Choice>
-    <mc:Fallback xmlns="">
-      <p:transition spd="med">
-        <p:fade/>
-      </p:transition>
-    </mc:Fallback>
-  </mc:AlternateContent>
-</p:sld>
-</file>
-
-<file path=ppt/slides/slide9.xml><?xml version="1.0" encoding="utf-8"?>
-<p:sld xmlns:a="http://schemas.openxmlformats.org/drawingml/2006/main" xmlns:r="http://schemas.openxmlformats.org/officeDocument/2006/relationships" xmlns:p="http://schemas.openxmlformats.org/presentationml/2006/main">
-  <p:cSld>
-    <p:spTree>
-      <p:nvGrpSpPr>
-        <p:cNvPr id="1" name=""/>
-        <p:cNvGrpSpPr/>
-        <p:nvPr/>
-      </p:nvGrpSpPr>
-      <p:grpSpPr>
-        <a:xfrm>
-          <a:off x="0" y="0"/>
-          <a:ext cx="0" cy="0"/>
-          <a:chOff x="0" y="0"/>
-          <a:chExt cx="0" cy="0"/>
-        </a:xfrm>
-      </p:grpSpPr>
-      <p:sp>
-        <p:nvSpPr>
-          <p:cNvPr id="2" name="직사각형 1">
-            <a:extLst>
-              <a:ext uri="{FF2B5EF4-FFF2-40B4-BE49-F238E27FC236}">
-                <a16:creationId xmlns:a16="http://schemas.microsoft.com/office/drawing/2014/main" id="{B1985EEF-2AD8-452A-AD82-3BF8C0CCB759}"/>
-              </a:ext>
-            </a:extLst>
-          </p:cNvPr>
-          <p:cNvSpPr/>
-          <p:nvPr/>
-        </p:nvSpPr>
-        <p:spPr>
-          <a:xfrm>
-            <a:off x="720000" y="1049009"/>
-            <a:ext cx="5760000" cy="108000"/>
-          </a:xfrm>
-          <a:prstGeom prst="rect">
-            <a:avLst/>
-          </a:prstGeom>
-          <a:solidFill>
-            <a:schemeClr val="accent4"/>
-          </a:solidFill>
-          <a:ln>
-            <a:noFill/>
-          </a:ln>
-        </p:spPr>
-        <p:style>
-          <a:lnRef idx="2">
-            <a:schemeClr val="accent1">
-              <a:shade val="50000"/>
-            </a:schemeClr>
-          </a:lnRef>
-          <a:fillRef idx="1">
-            <a:schemeClr val="accent1"/>
-          </a:fillRef>
-          <a:effectRef idx="0">
-            <a:schemeClr val="accent1"/>
-          </a:effectRef>
-          <a:fontRef idx="minor">
-            <a:schemeClr val="lt1"/>
-          </a:fontRef>
-        </p:style>
-        <p:txBody>
-          <a:bodyPr rtlCol="0" anchor="ctr"/>
-          <a:lstStyle/>
-          <a:p>
-            <a:pPr algn="ctr"/>
-            <a:endParaRPr lang="ko-KR" altLang="en-US"/>
-          </a:p>
-        </p:txBody>
-      </p:sp>
-      <p:sp>
-        <p:nvSpPr>
-          <p:cNvPr id="3" name="직사각형 2">
-            <a:extLst>
-              <a:ext uri="{FF2B5EF4-FFF2-40B4-BE49-F238E27FC236}">
-                <a16:creationId xmlns:a16="http://schemas.microsoft.com/office/drawing/2014/main" id="{82363163-7A23-46FA-8BFB-C5C551676293}"/>
-              </a:ext>
-            </a:extLst>
-          </p:cNvPr>
-          <p:cNvSpPr/>
-          <p:nvPr/>
-        </p:nvSpPr>
-        <p:spPr>
-          <a:xfrm>
-            <a:off x="0" y="1049009"/>
-            <a:ext cx="720000" cy="108000"/>
-          </a:xfrm>
-          <a:prstGeom prst="rect">
-            <a:avLst/>
-          </a:prstGeom>
-          <a:solidFill>
-            <a:schemeClr val="accent2"/>
-          </a:solidFill>
-          <a:ln>
-            <a:noFill/>
-          </a:ln>
-        </p:spPr>
-        <p:style>
-          <a:lnRef idx="2">
-            <a:schemeClr val="accent1">
-              <a:shade val="50000"/>
-            </a:schemeClr>
-          </a:lnRef>
-          <a:fillRef idx="1">
-            <a:schemeClr val="accent1"/>
-          </a:fillRef>
-          <a:effectRef idx="0">
-            <a:schemeClr val="accent1"/>
-          </a:effectRef>
-          <a:fontRef idx="minor">
-            <a:schemeClr val="lt1"/>
-          </a:fontRef>
-        </p:style>
-        <p:txBody>
-          <a:bodyPr rtlCol="0" anchor="ctr"/>
-          <a:lstStyle/>
-          <a:p>
-            <a:pPr algn="ctr"/>
-            <a:endParaRPr lang="ko-KR" altLang="en-US"/>
-          </a:p>
-        </p:txBody>
-      </p:sp>
-      <p:sp>
-        <p:nvSpPr>
-          <p:cNvPr id="6" name="직사각형 5">
-            <a:extLst>
-              <a:ext uri="{FF2B5EF4-FFF2-40B4-BE49-F238E27FC236}">
-                <a16:creationId xmlns:a16="http://schemas.microsoft.com/office/drawing/2014/main" id="{E3B80605-1D4E-49F3-BF75-46C8F4FF8F71}"/>
-              </a:ext>
-            </a:extLst>
-          </p:cNvPr>
-          <p:cNvSpPr/>
-          <p:nvPr/>
-        </p:nvSpPr>
-        <p:spPr>
-          <a:xfrm>
-            <a:off x="801330" y="1963426"/>
-            <a:ext cx="2857296" cy="2857296"/>
-          </a:xfrm>
-          <a:prstGeom prst="rect">
-            <a:avLst/>
-          </a:prstGeom>
-          <a:solidFill>
-            <a:schemeClr val="accent2"/>
-          </a:solidFill>
-          <a:ln>
-            <a:noFill/>
-          </a:ln>
-        </p:spPr>
-        <p:style>
-          <a:lnRef idx="2">
-            <a:schemeClr val="accent1">
-              <a:shade val="50000"/>
-            </a:schemeClr>
-          </a:lnRef>
-          <a:fillRef idx="1">
-            <a:schemeClr val="accent1"/>
-          </a:fillRef>
-          <a:effectRef idx="0">
-            <a:schemeClr val="accent1"/>
-          </a:effectRef>
-          <a:fontRef idx="minor">
-            <a:schemeClr val="lt1"/>
-          </a:fontRef>
-        </p:style>
-        <p:txBody>
-          <a:bodyPr rtlCol="0" anchor="ctr"/>
-          <a:lstStyle/>
-          <a:p>
-            <a:pPr algn="ctr"/>
-            <a:r>
-              <a:rPr lang="ko-KR" altLang="en-US" sz="3200" spc="-200" dirty="0">
-                <a:solidFill>
-                  <a:schemeClr val="tx1"/>
-                </a:solidFill>
-              </a:rPr>
-              <a:t>간식 레시피</a:t>
-            </a:r>
-          </a:p>
-        </p:txBody>
-      </p:sp>
-      <p:sp>
-        <p:nvSpPr>
-          <p:cNvPr id="13" name="TextBox 12">
-            <a:extLst>
-              <a:ext uri="{FF2B5EF4-FFF2-40B4-BE49-F238E27FC236}">
-                <a16:creationId xmlns:a16="http://schemas.microsoft.com/office/drawing/2014/main" id="{BEB8420A-8CAE-40B8-AF4F-BE209307EAA9}"/>
-              </a:ext>
-            </a:extLst>
-          </p:cNvPr>
-          <p:cNvSpPr txBox="1"/>
-          <p:nvPr/>
-        </p:nvSpPr>
-        <p:spPr>
-          <a:xfrm>
-            <a:off x="801330" y="4989543"/>
-            <a:ext cx="2865121" cy="523220"/>
-          </a:xfrm>
-          <a:prstGeom prst="rect">
-            <a:avLst/>
-          </a:prstGeom>
-          <a:noFill/>
-        </p:spPr>
-        <p:txBody>
-          <a:bodyPr wrap="square" rtlCol="0">
-            <a:spAutoFit/>
-          </a:bodyPr>
-          <a:lstStyle/>
-          <a:p>
-            <a:pPr algn="ctr"/>
-            <a:r>
-              <a:rPr lang="ko-KR" altLang="en-US" sz="1400" dirty="0">
-                <a:latin typeface="+mn-ea"/>
-              </a:rPr>
-              <a:t>애완 동물의 간식을 만들기 위한</a:t>
-            </a:r>
-            <a:endParaRPr lang="en-US" altLang="ko-KR" sz="1400" dirty="0">
-              <a:latin typeface="+mn-ea"/>
-            </a:endParaRPr>
-          </a:p>
-          <a:p>
-            <a:pPr algn="ctr"/>
-            <a:r>
-              <a:rPr lang="ko-KR" altLang="en-US" sz="1400" dirty="0">
-                <a:latin typeface="+mn-ea"/>
-              </a:rPr>
-              <a:t>레시피에 대한 정보를 다루는 게시판</a:t>
-            </a:r>
-          </a:p>
-        </p:txBody>
-      </p:sp>
-      <p:sp>
-        <p:nvSpPr>
-          <p:cNvPr id="16" name="직사각형 15">
-            <a:extLst>
-              <a:ext uri="{FF2B5EF4-FFF2-40B4-BE49-F238E27FC236}">
-                <a16:creationId xmlns:a16="http://schemas.microsoft.com/office/drawing/2014/main" id="{79B855BF-D9DA-4DCA-8C3B-580B809FB3AD}"/>
-              </a:ext>
-            </a:extLst>
-          </p:cNvPr>
-          <p:cNvSpPr/>
-          <p:nvPr/>
-        </p:nvSpPr>
-        <p:spPr>
-          <a:xfrm>
-            <a:off x="4663440" y="1984860"/>
-            <a:ext cx="2865120" cy="2865120"/>
-          </a:xfrm>
-          <a:prstGeom prst="rect">
-            <a:avLst/>
-          </a:prstGeom>
-          <a:solidFill>
-            <a:schemeClr val="accent2"/>
-          </a:solidFill>
-          <a:ln>
-            <a:noFill/>
-          </a:ln>
-        </p:spPr>
-        <p:style>
-          <a:lnRef idx="2">
-            <a:schemeClr val="accent1">
-              <a:shade val="50000"/>
-            </a:schemeClr>
-          </a:lnRef>
-          <a:fillRef idx="1">
-            <a:schemeClr val="accent1"/>
-          </a:fillRef>
-          <a:effectRef idx="0">
-            <a:schemeClr val="accent1"/>
-          </a:effectRef>
-          <a:fontRef idx="minor">
-            <a:schemeClr val="lt1"/>
-          </a:fontRef>
-        </p:style>
-        <p:txBody>
-          <a:bodyPr rtlCol="0" anchor="ctr"/>
-          <a:lstStyle/>
-          <a:p>
-            <a:pPr algn="ctr"/>
-            <a:r>
-              <a:rPr lang="ko-KR" altLang="en-US" sz="3200" spc="-200" dirty="0">
-                <a:solidFill>
-                  <a:schemeClr val="tx1"/>
-                </a:solidFill>
-              </a:rPr>
-              <a:t>주의 식품</a:t>
-            </a:r>
-            <a:endParaRPr lang="ko-KR" altLang="en-US" sz="3200" dirty="0"/>
-          </a:p>
-        </p:txBody>
-      </p:sp>
-      <p:sp>
-        <p:nvSpPr>
-          <p:cNvPr id="18" name="TextBox 17">
-            <a:extLst>
-              <a:ext uri="{FF2B5EF4-FFF2-40B4-BE49-F238E27FC236}">
-                <a16:creationId xmlns:a16="http://schemas.microsoft.com/office/drawing/2014/main" id="{525A953E-C6F0-4D1F-96F9-EB846842787C}"/>
-              </a:ext>
-            </a:extLst>
-          </p:cNvPr>
-          <p:cNvSpPr txBox="1"/>
-          <p:nvPr/>
-        </p:nvSpPr>
-        <p:spPr>
-          <a:xfrm>
-            <a:off x="4663439" y="4989543"/>
-            <a:ext cx="2865121" cy="523220"/>
-          </a:xfrm>
-          <a:prstGeom prst="rect">
-            <a:avLst/>
-          </a:prstGeom>
-          <a:noFill/>
-        </p:spPr>
-        <p:txBody>
-          <a:bodyPr wrap="square" rtlCol="0">
-            <a:spAutoFit/>
-          </a:bodyPr>
-          <a:lstStyle/>
-          <a:p>
-            <a:pPr algn="ctr"/>
-            <a:r>
-              <a:rPr lang="ko-KR" altLang="en-US" sz="1400" dirty="0">
-                <a:latin typeface="+mn-ea"/>
-              </a:rPr>
-              <a:t>애완 동물이 주의해야 할 음식의</a:t>
-            </a:r>
-            <a:endParaRPr lang="en-US" altLang="ko-KR" sz="1400" dirty="0">
-              <a:latin typeface="+mn-ea"/>
-            </a:endParaRPr>
-          </a:p>
-          <a:p>
-            <a:pPr algn="ctr"/>
-            <a:r>
-              <a:rPr lang="ko-KR" altLang="en-US" sz="1400" dirty="0">
-                <a:latin typeface="+mn-ea"/>
-              </a:rPr>
-              <a:t>정보를 다루는 게시판</a:t>
-            </a:r>
-          </a:p>
-        </p:txBody>
-      </p:sp>
-      <p:sp>
-        <p:nvSpPr>
-          <p:cNvPr id="20" name="직사각형 19">
-            <a:extLst>
-              <a:ext uri="{FF2B5EF4-FFF2-40B4-BE49-F238E27FC236}">
-                <a16:creationId xmlns:a16="http://schemas.microsoft.com/office/drawing/2014/main" id="{46AF84B2-8495-4833-89FB-8C7E41356CCD}"/>
-              </a:ext>
-            </a:extLst>
-          </p:cNvPr>
-          <p:cNvSpPr/>
-          <p:nvPr/>
-        </p:nvSpPr>
-        <p:spPr>
-          <a:xfrm>
-            <a:off x="8533373" y="1984860"/>
-            <a:ext cx="2865120" cy="2865120"/>
-          </a:xfrm>
-          <a:prstGeom prst="rect">
-            <a:avLst/>
-          </a:prstGeom>
-          <a:solidFill>
-            <a:schemeClr val="accent2"/>
-          </a:solidFill>
-          <a:ln>
-            <a:noFill/>
-          </a:ln>
-        </p:spPr>
-        <p:style>
-          <a:lnRef idx="2">
-            <a:schemeClr val="accent1">
-              <a:shade val="50000"/>
-            </a:schemeClr>
-          </a:lnRef>
-          <a:fillRef idx="1">
-            <a:schemeClr val="accent1"/>
-          </a:fillRef>
-          <a:effectRef idx="0">
-            <a:schemeClr val="accent1"/>
-          </a:effectRef>
-          <a:fontRef idx="minor">
-            <a:schemeClr val="lt1"/>
-          </a:fontRef>
-        </p:style>
-        <p:txBody>
-          <a:bodyPr rtlCol="0" anchor="ctr"/>
-          <a:lstStyle/>
-          <a:p>
-            <a:pPr algn="ctr"/>
-            <a:r>
-              <a:rPr lang="ko-KR" altLang="en-US" sz="3200" spc="-200" dirty="0">
-                <a:solidFill>
-                  <a:schemeClr val="tx1"/>
-                </a:solidFill>
-              </a:rPr>
-              <a:t>문의사항</a:t>
-            </a:r>
-            <a:endParaRPr lang="en-US" altLang="ko-KR" sz="3200" spc="-200" dirty="0">
-              <a:solidFill>
-                <a:schemeClr val="tx1"/>
-              </a:solidFill>
-            </a:endParaRPr>
-          </a:p>
-          <a:p>
-            <a:pPr algn="ctr"/>
-            <a:r>
-              <a:rPr lang="en-US" altLang="ko-KR" sz="3200" spc="-200" dirty="0">
-                <a:solidFill>
-                  <a:schemeClr val="tx1"/>
-                </a:solidFill>
-              </a:rPr>
-              <a:t>FAQ</a:t>
-            </a:r>
-            <a:endParaRPr lang="ko-KR" altLang="en-US" sz="3200" dirty="0"/>
-          </a:p>
-        </p:txBody>
-      </p:sp>
-      <p:sp>
-        <p:nvSpPr>
-          <p:cNvPr id="31" name="TextBox 30">
-            <a:extLst>
-              <a:ext uri="{FF2B5EF4-FFF2-40B4-BE49-F238E27FC236}">
-                <a16:creationId xmlns:a16="http://schemas.microsoft.com/office/drawing/2014/main" id="{2B03C890-F304-BCF3-B32C-F84FA2D1477F}"/>
-              </a:ext>
-            </a:extLst>
-          </p:cNvPr>
-          <p:cNvSpPr txBox="1"/>
-          <p:nvPr/>
-        </p:nvSpPr>
-        <p:spPr>
-          <a:xfrm>
-            <a:off x="720000" y="121920"/>
-            <a:ext cx="1923925" cy="584775"/>
-          </a:xfrm>
-          <a:prstGeom prst="rect">
-            <a:avLst/>
-          </a:prstGeom>
-          <a:noFill/>
-        </p:spPr>
-        <p:txBody>
-          <a:bodyPr wrap="none" rtlCol="0">
-            <a:spAutoFit/>
-          </a:bodyPr>
-          <a:lstStyle/>
-          <a:p>
-            <a:r>
-              <a:rPr lang="ko-KR" altLang="en-US" sz="3200" spc="-300" dirty="0">
-                <a:solidFill>
-                  <a:schemeClr val="accent4">
-                    <a:lumMod val="50000"/>
-                  </a:schemeClr>
-                </a:solidFill>
-              </a:rPr>
-              <a:t>페이지 설명</a:t>
-            </a:r>
-          </a:p>
-        </p:txBody>
-      </p:sp>
-      <p:sp>
-        <p:nvSpPr>
-          <p:cNvPr id="32" name="TextBox 31">
-            <a:extLst>
-              <a:ext uri="{FF2B5EF4-FFF2-40B4-BE49-F238E27FC236}">
-                <a16:creationId xmlns:a16="http://schemas.microsoft.com/office/drawing/2014/main" id="{7CD6ED04-1266-D790-3BBD-E104F613C70B}"/>
-              </a:ext>
-            </a:extLst>
-          </p:cNvPr>
-          <p:cNvSpPr txBox="1"/>
-          <p:nvPr/>
-        </p:nvSpPr>
-        <p:spPr>
-          <a:xfrm>
-            <a:off x="720000" y="629175"/>
-            <a:ext cx="2608406" cy="307777"/>
-          </a:xfrm>
-          <a:prstGeom prst="rect">
-            <a:avLst/>
-          </a:prstGeom>
-          <a:noFill/>
-        </p:spPr>
-        <p:txBody>
-          <a:bodyPr wrap="none" rtlCol="0">
-            <a:spAutoFit/>
-          </a:bodyPr>
-          <a:lstStyle/>
-          <a:p>
-            <a:r>
-              <a:rPr lang="ko-KR" altLang="en-US" sz="1400" dirty="0">
-                <a:solidFill>
-                  <a:schemeClr val="accent4">
-                    <a:lumMod val="50000"/>
-                  </a:schemeClr>
-                </a:solidFill>
-              </a:rPr>
-              <a:t>카테고리별 페이지의 간략한 설명</a:t>
-            </a:r>
-          </a:p>
-        </p:txBody>
-      </p:sp>
-      <p:sp>
-        <p:nvSpPr>
-          <p:cNvPr id="33" name="TextBox 32">
-            <a:extLst>
-              <a:ext uri="{FF2B5EF4-FFF2-40B4-BE49-F238E27FC236}">
-                <a16:creationId xmlns:a16="http://schemas.microsoft.com/office/drawing/2014/main" id="{0411F455-0E35-B4C9-1CA8-491507C95D30}"/>
-              </a:ext>
-            </a:extLst>
-          </p:cNvPr>
-          <p:cNvSpPr txBox="1"/>
-          <p:nvPr/>
-        </p:nvSpPr>
-        <p:spPr>
-          <a:xfrm>
-            <a:off x="185879" y="46855"/>
-            <a:ext cx="548548" cy="830997"/>
-          </a:xfrm>
-          <a:prstGeom prst="rect">
-            <a:avLst/>
-          </a:prstGeom>
-          <a:noFill/>
-        </p:spPr>
-        <p:txBody>
-          <a:bodyPr wrap="none" rtlCol="0">
-            <a:spAutoFit/>
-          </a:bodyPr>
-          <a:lstStyle/>
-          <a:p>
-            <a:r>
-              <a:rPr lang="en-US" altLang="ko-KR" sz="4800" b="1" dirty="0">
-                <a:solidFill>
-                  <a:schemeClr val="accent4"/>
-                </a:solidFill>
-              </a:rPr>
-              <a:t>3</a:t>
-            </a:r>
-            <a:endParaRPr lang="ko-KR" altLang="en-US" sz="4800" b="1" dirty="0">
-              <a:solidFill>
-                <a:schemeClr val="accent4"/>
-              </a:solidFill>
-            </a:endParaRPr>
-          </a:p>
-        </p:txBody>
-      </p:sp>
-      <p:sp>
-        <p:nvSpPr>
-          <p:cNvPr id="34" name="TextBox 33">
-            <a:extLst>
-              <a:ext uri="{FF2B5EF4-FFF2-40B4-BE49-F238E27FC236}">
-                <a16:creationId xmlns:a16="http://schemas.microsoft.com/office/drawing/2014/main" id="{41B1F20C-35D2-93B6-40B3-936A202187C7}"/>
-              </a:ext>
-            </a:extLst>
-          </p:cNvPr>
-          <p:cNvSpPr txBox="1"/>
-          <p:nvPr/>
-        </p:nvSpPr>
-        <p:spPr>
-          <a:xfrm>
-            <a:off x="8533373" y="4989543"/>
-            <a:ext cx="2865121" cy="738664"/>
-          </a:xfrm>
-          <a:prstGeom prst="rect">
-            <a:avLst/>
-          </a:prstGeom>
-          <a:noFill/>
-        </p:spPr>
-        <p:txBody>
-          <a:bodyPr wrap="square" rtlCol="0">
-            <a:spAutoFit/>
-          </a:bodyPr>
-          <a:lstStyle/>
-          <a:p>
-            <a:pPr algn="ctr"/>
-            <a:r>
-              <a:rPr lang="ko-KR" altLang="en-US" sz="1400" dirty="0">
-                <a:latin typeface="+mn-ea"/>
-              </a:rPr>
-              <a:t>사이트에 대한 문의사항을</a:t>
-            </a:r>
-            <a:endParaRPr lang="en-US" altLang="ko-KR" sz="1400" dirty="0">
-              <a:latin typeface="+mn-ea"/>
-            </a:endParaRPr>
-          </a:p>
-          <a:p>
-            <a:pPr algn="ctr"/>
-            <a:r>
-              <a:rPr lang="ko-KR" altLang="en-US" sz="1400" dirty="0">
-                <a:latin typeface="+mn-ea"/>
-              </a:rPr>
-              <a:t>다루는</a:t>
-            </a:r>
-            <a:r>
-              <a:rPr lang="en-US" altLang="ko-KR" sz="1400" dirty="0">
-                <a:latin typeface="+mn-ea"/>
-              </a:rPr>
-              <a:t> </a:t>
-            </a:r>
-            <a:r>
-              <a:rPr lang="ko-KR" altLang="en-US" sz="1400" dirty="0">
-                <a:latin typeface="+mn-ea"/>
-              </a:rPr>
-              <a:t>게시판</a:t>
-            </a:r>
-            <a:endParaRPr lang="en-US" altLang="ko-KR" sz="1400" dirty="0">
-              <a:latin typeface="+mn-ea"/>
-            </a:endParaRPr>
-          </a:p>
-          <a:p>
-            <a:pPr algn="ctr"/>
-            <a:r>
-              <a:rPr lang="ko-KR" altLang="en-US" sz="1400" dirty="0">
-                <a:latin typeface="+mn-ea"/>
-              </a:rPr>
-              <a:t>자주 묻는 질문들을 다루는 게시판</a:t>
-            </a:r>
-          </a:p>
-        </p:txBody>
-      </p:sp>
-    </p:spTree>
-    <p:extLst>
-      <p:ext uri="{BB962C8B-B14F-4D97-AF65-F5344CB8AC3E}">
-        <p14:creationId xmlns:p14="http://schemas.microsoft.com/office/powerpoint/2010/main" val="2708478871"/>
+        <p14:creationId xmlns:p14="http://schemas.microsoft.com/office/powerpoint/2010/main" val="2770480755"/>
       </p:ext>
     </p:extLst>
   </p:cSld>
